--- a/doc/HireHeroes.pptx
+++ b/doc/HireHeroes.pptx
@@ -9,15 +9,22 @@
     <p:sldId id="268" r:id="rId3"/>
     <p:sldId id="257" r:id="rId4"/>
     <p:sldId id="259" r:id="rId5"/>
-    <p:sldId id="269" r:id="rId6"/>
-    <p:sldId id="262" r:id="rId7"/>
-    <p:sldId id="260" r:id="rId8"/>
-    <p:sldId id="261" r:id="rId9"/>
-    <p:sldId id="263" r:id="rId10"/>
-    <p:sldId id="266" r:id="rId11"/>
-    <p:sldId id="264" r:id="rId12"/>
-    <p:sldId id="265" r:id="rId13"/>
-    <p:sldId id="267" r:id="rId14"/>
+    <p:sldId id="274" r:id="rId6"/>
+    <p:sldId id="275" r:id="rId7"/>
+    <p:sldId id="269" r:id="rId8"/>
+    <p:sldId id="276" r:id="rId9"/>
+    <p:sldId id="262" r:id="rId10"/>
+    <p:sldId id="260" r:id="rId11"/>
+    <p:sldId id="261" r:id="rId12"/>
+    <p:sldId id="263" r:id="rId13"/>
+    <p:sldId id="266" r:id="rId14"/>
+    <p:sldId id="264" r:id="rId15"/>
+    <p:sldId id="265" r:id="rId16"/>
+    <p:sldId id="271" r:id="rId17"/>
+    <p:sldId id="272" r:id="rId18"/>
+    <p:sldId id="273" r:id="rId19"/>
+    <p:sldId id="267" r:id="rId20"/>
+    <p:sldId id="270" r:id="rId21"/>
   </p:sldIdLst>
   <p:sldSz cx="12192000" cy="6858000"/>
   <p:notesSz cx="6858000" cy="9144000"/>
@@ -116,6 +123,11 @@
       </a:defRPr>
     </a:lvl9pPr>
   </p:defaultTextStyle>
+  <p:extLst>
+    <p:ext uri="{EFAFB233-063F-42B5-8137-9DF3F51BA10A}">
+      <p15:sldGuideLst xmlns:p15="http://schemas.microsoft.com/office/powerpoint/2012/main"/>
+    </p:ext>
+  </p:extLst>
 </p:presentation>
 </file>
 
@@ -1747,7 +1759,7 @@
         <a:p>
           <a:r>
             <a:rPr lang="en-US" dirty="0"/>
-            <a:t>Data Flow</a:t>
+            <a:t>Teck Flow</a:t>
           </a:r>
           <a:endParaRPr lang="LID4096" dirty="0"/>
         </a:p>
@@ -1820,12 +1832,8 @@
         <a:lstStyle/>
         <a:p>
           <a:r>
-            <a:rPr lang="en-US"/>
-            <a:t>Teck </a:t>
-          </a:r>
-          <a:r>
             <a:rPr lang="en-US" dirty="0"/>
-            <a:t>Stack</a:t>
+            <a:t>Teck Stack</a:t>
           </a:r>
           <a:endParaRPr lang="LID4096" dirty="0"/>
         </a:p>
@@ -3013,12 +3021,8 @@
             <a:buNone/>
           </a:pPr>
           <a:r>
-            <a:rPr lang="en-US" sz="2800" kern="1200"/>
-            <a:t>Teck </a:t>
-          </a:r>
-          <a:r>
             <a:rPr lang="en-US" sz="2800" kern="1200" dirty="0"/>
-            <a:t>Stack</a:t>
+            <a:t>Teck Stack</a:t>
           </a:r>
           <a:endParaRPr lang="LID4096" sz="2800" kern="1200" dirty="0"/>
         </a:p>
@@ -3096,7 +3100,7 @@
           </a:pPr>
           <a:r>
             <a:rPr lang="en-US" sz="2800" kern="1200" dirty="0"/>
-            <a:t>Data Flow</a:t>
+            <a:t>Teck Flow</a:t>
           </a:r>
           <a:endParaRPr lang="LID4096" sz="2800" kern="1200" dirty="0"/>
         </a:p>
@@ -7172,7 +7176,7 @@
           <a:p>
             <a:fld id="{225F17BD-4D43-48DD-B5F1-3B67DCBEBED9}" type="datetimeFigureOut">
               <a:rPr lang="LID4096" smtClean="0"/>
-              <a:t>09/03/2025</a:t>
+              <a:t>09/04/2025</a:t>
             </a:fld>
             <a:endParaRPr lang="LID4096"/>
           </a:p>
@@ -7586,7 +7590,7 @@
           <a:p>
             <a:fld id="{225F17BD-4D43-48DD-B5F1-3B67DCBEBED9}" type="datetimeFigureOut">
               <a:rPr lang="LID4096" smtClean="0"/>
-              <a:t>09/03/2025</a:t>
+              <a:t>09/04/2025</a:t>
             </a:fld>
             <a:endParaRPr lang="LID4096"/>
           </a:p>
@@ -7922,7 +7926,7 @@
           <a:p>
             <a:fld id="{225F17BD-4D43-48DD-B5F1-3B67DCBEBED9}" type="datetimeFigureOut">
               <a:rPr lang="LID4096" smtClean="0"/>
-              <a:t>09/03/2025</a:t>
+              <a:t>09/04/2025</a:t>
             </a:fld>
             <a:endParaRPr lang="LID4096"/>
           </a:p>
@@ -8327,7 +8331,7 @@
           <a:p>
             <a:fld id="{225F17BD-4D43-48DD-B5F1-3B67DCBEBED9}" type="datetimeFigureOut">
               <a:rPr lang="LID4096" smtClean="0"/>
-              <a:t>09/03/2025</a:t>
+              <a:t>09/04/2025</a:t>
             </a:fld>
             <a:endParaRPr lang="LID4096"/>
           </a:p>
@@ -8895,7 +8899,7 @@
           <a:p>
             <a:fld id="{225F17BD-4D43-48DD-B5F1-3B67DCBEBED9}" type="datetimeFigureOut">
               <a:rPr lang="LID4096" smtClean="0"/>
-              <a:t>09/03/2025</a:t>
+              <a:t>09/04/2025</a:t>
             </a:fld>
             <a:endParaRPr lang="LID4096"/>
           </a:p>
@@ -9576,7 +9580,7 @@
           <a:p>
             <a:fld id="{225F17BD-4D43-48DD-B5F1-3B67DCBEBED9}" type="datetimeFigureOut">
               <a:rPr lang="LID4096" smtClean="0"/>
-              <a:t>09/03/2025</a:t>
+              <a:t>09/04/2025</a:t>
             </a:fld>
             <a:endParaRPr lang="LID4096"/>
           </a:p>
@@ -10489,7 +10493,7 @@
           <a:p>
             <a:fld id="{225F17BD-4D43-48DD-B5F1-3B67DCBEBED9}" type="datetimeFigureOut">
               <a:rPr lang="LID4096" smtClean="0"/>
-              <a:t>09/03/2025</a:t>
+              <a:t>09/04/2025</a:t>
             </a:fld>
             <a:endParaRPr lang="LID4096"/>
           </a:p>
@@ -10802,7 +10806,7 @@
           <a:p>
             <a:fld id="{225F17BD-4D43-48DD-B5F1-3B67DCBEBED9}" type="datetimeFigureOut">
               <a:rPr lang="LID4096" smtClean="0"/>
-              <a:t>09/03/2025</a:t>
+              <a:t>09/04/2025</a:t>
             </a:fld>
             <a:endParaRPr lang="LID4096"/>
           </a:p>
@@ -11066,7 +11070,7 @@
           <a:p>
             <a:fld id="{225F17BD-4D43-48DD-B5F1-3B67DCBEBED9}" type="datetimeFigureOut">
               <a:rPr lang="LID4096" smtClean="0"/>
-              <a:t>09/03/2025</a:t>
+              <a:t>09/04/2025</a:t>
             </a:fld>
             <a:endParaRPr lang="LID4096"/>
           </a:p>
@@ -11389,7 +11393,7 @@
           <a:p>
             <a:fld id="{225F17BD-4D43-48DD-B5F1-3B67DCBEBED9}" type="datetimeFigureOut">
               <a:rPr lang="LID4096" smtClean="0"/>
-              <a:t>09/03/2025</a:t>
+              <a:t>09/04/2025</a:t>
             </a:fld>
             <a:endParaRPr lang="LID4096"/>
           </a:p>
@@ -11778,7 +11782,7 @@
           <a:p>
             <a:fld id="{225F17BD-4D43-48DD-B5F1-3B67DCBEBED9}" type="datetimeFigureOut">
               <a:rPr lang="LID4096" smtClean="0"/>
-              <a:t>09/03/2025</a:t>
+              <a:t>09/04/2025</a:t>
             </a:fld>
             <a:endParaRPr lang="LID4096"/>
           </a:p>
@@ -12154,7 +12158,7 @@
           <a:p>
             <a:fld id="{225F17BD-4D43-48DD-B5F1-3B67DCBEBED9}" type="datetimeFigureOut">
               <a:rPr lang="LID4096" smtClean="0"/>
-              <a:t>09/03/2025</a:t>
+              <a:t>09/04/2025</a:t>
             </a:fld>
             <a:endParaRPr lang="LID4096"/>
           </a:p>
@@ -12660,7 +12664,7 @@
           <a:p>
             <a:fld id="{225F17BD-4D43-48DD-B5F1-3B67DCBEBED9}" type="datetimeFigureOut">
               <a:rPr lang="LID4096" smtClean="0"/>
-              <a:t>09/03/2025</a:t>
+              <a:t>09/04/2025</a:t>
             </a:fld>
             <a:endParaRPr lang="LID4096"/>
           </a:p>
@@ -12917,7 +12921,7 @@
           <a:p>
             <a:fld id="{225F17BD-4D43-48DD-B5F1-3B67DCBEBED9}" type="datetimeFigureOut">
               <a:rPr lang="LID4096" smtClean="0"/>
-              <a:t>09/03/2025</a:t>
+              <a:t>09/04/2025</a:t>
             </a:fld>
             <a:endParaRPr lang="LID4096"/>
           </a:p>
@@ -13080,7 +13084,7 @@
           <a:p>
             <a:fld id="{225F17BD-4D43-48DD-B5F1-3B67DCBEBED9}" type="datetimeFigureOut">
               <a:rPr lang="LID4096" smtClean="0"/>
-              <a:t>09/03/2025</a:t>
+              <a:t>09/04/2025</a:t>
             </a:fld>
             <a:endParaRPr lang="LID4096"/>
           </a:p>
@@ -13470,7 +13474,7 @@
           <a:p>
             <a:fld id="{225F17BD-4D43-48DD-B5F1-3B67DCBEBED9}" type="datetimeFigureOut">
               <a:rPr lang="LID4096" smtClean="0"/>
-              <a:t>09/03/2025</a:t>
+              <a:t>09/04/2025</a:t>
             </a:fld>
             <a:endParaRPr lang="LID4096"/>
           </a:p>
@@ -13879,7 +13883,7 @@
           <a:p>
             <a:fld id="{225F17BD-4D43-48DD-B5F1-3B67DCBEBED9}" type="datetimeFigureOut">
               <a:rPr lang="LID4096" smtClean="0"/>
-              <a:t>09/03/2025</a:t>
+              <a:t>09/04/2025</a:t>
             </a:fld>
             <a:endParaRPr lang="LID4096"/>
           </a:p>
@@ -14123,7 +14127,7 @@
           <a:p>
             <a:fld id="{225F17BD-4D43-48DD-B5F1-3B67DCBEBED9}" type="datetimeFigureOut">
               <a:rPr lang="LID4096" smtClean="0"/>
-              <a:t>09/03/2025</a:t>
+              <a:t>09/04/2025</a:t>
             </a:fld>
             <a:endParaRPr lang="LID4096"/>
           </a:p>
@@ -14606,6 +14610,379 @@
   <p:cSld>
     <p:spTree>
       <p:nvGrpSpPr>
+        <p:cNvPr id="1" name=""/>
+        <p:cNvGrpSpPr/>
+        <p:nvPr/>
+      </p:nvGrpSpPr>
+      <p:grpSpPr>
+        <a:xfrm>
+          <a:off x="0" y="0"/>
+          <a:ext cx="0" cy="0"/>
+          <a:chOff x="0" y="0"/>
+          <a:chExt cx="0" cy="0"/>
+        </a:xfrm>
+      </p:grpSpPr>
+      <p:sp>
+        <p:nvSpPr>
+          <p:cNvPr id="2" name="Title 1">
+            <a:extLst>
+              <a:ext uri="{FF2B5EF4-FFF2-40B4-BE49-F238E27FC236}">
+                <a16:creationId xmlns:a16="http://schemas.microsoft.com/office/drawing/2014/main" id="{0D817EB1-60C8-220C-C4FA-63AA71B98038}"/>
+              </a:ext>
+            </a:extLst>
+          </p:cNvPr>
+          <p:cNvSpPr>
+            <a:spLocks noGrp="1"/>
+          </p:cNvSpPr>
+          <p:nvPr>
+            <p:ph type="title"/>
+          </p:nvPr>
+        </p:nvSpPr>
+        <p:spPr/>
+        <p:txBody>
+          <a:bodyPr/>
+          <a:lstStyle/>
+          <a:p>
+            <a:r>
+              <a:rPr lang="en-US" dirty="0"/>
+              <a:t>Tech Stack</a:t>
+            </a:r>
+            <a:endParaRPr lang="LID4096" dirty="0"/>
+          </a:p>
+        </p:txBody>
+      </p:sp>
+      <p:sp>
+        <p:nvSpPr>
+          <p:cNvPr id="3" name="Content Placeholder 2">
+            <a:extLst>
+              <a:ext uri="{FF2B5EF4-FFF2-40B4-BE49-F238E27FC236}">
+                <a16:creationId xmlns:a16="http://schemas.microsoft.com/office/drawing/2014/main" id="{9B445F98-5C84-5DD1-8A68-CB25F8E6A70E}"/>
+              </a:ext>
+            </a:extLst>
+          </p:cNvPr>
+          <p:cNvSpPr>
+            <a:spLocks noGrp="1"/>
+          </p:cNvSpPr>
+          <p:nvPr>
+            <p:ph idx="1"/>
+          </p:nvPr>
+        </p:nvSpPr>
+        <p:spPr>
+          <a:xfrm>
+            <a:off x="680321" y="2336872"/>
+            <a:ext cx="9613861" cy="4096011"/>
+          </a:xfrm>
+        </p:spPr>
+        <p:txBody>
+          <a:bodyPr>
+            <a:normAutofit/>
+          </a:bodyPr>
+          <a:lstStyle/>
+          <a:p>
+            <a:r>
+              <a:rPr lang="en-US" b="1" dirty="0"/>
+              <a:t>Adzuna API</a:t>
+            </a:r>
+            <a:r>
+              <a:rPr lang="en-US" dirty="0"/>
+              <a:t> – Source of live job ads</a:t>
+            </a:r>
+          </a:p>
+          <a:p>
+            <a:r>
+              <a:rPr lang="en-US" b="1" dirty="0"/>
+              <a:t>Python</a:t>
+            </a:r>
+            <a:r>
+              <a:rPr lang="en-US" dirty="0"/>
+              <a:t> – Data extraction &amp; processing scripts</a:t>
+            </a:r>
+          </a:p>
+          <a:p>
+            <a:r>
+              <a:rPr lang="en-US" b="1" dirty="0"/>
+              <a:t>Amazon S3</a:t>
+            </a:r>
+            <a:r>
+              <a:rPr lang="en-US" dirty="0"/>
+              <a:t> – Storage for raw &amp; processed data</a:t>
+            </a:r>
+          </a:p>
+          <a:p>
+            <a:r>
+              <a:rPr lang="en-US" b="1" dirty="0" err="1"/>
+              <a:t>Nominatim</a:t>
+            </a:r>
+            <a:r>
+              <a:rPr lang="en-US" b="1" dirty="0"/>
+              <a:t> API</a:t>
+            </a:r>
+            <a:r>
+              <a:rPr lang="en-US" dirty="0"/>
+              <a:t> – Enrich missing location details</a:t>
+            </a:r>
+          </a:p>
+          <a:p>
+            <a:r>
+              <a:rPr lang="en-US" b="1" dirty="0" err="1"/>
+              <a:t>PySpark</a:t>
+            </a:r>
+            <a:r>
+              <a:rPr lang="en-US" dirty="0"/>
+              <a:t> – Large-scale data transformation</a:t>
+            </a:r>
+          </a:p>
+          <a:p>
+            <a:r>
+              <a:rPr lang="en-US" b="1" dirty="0"/>
+              <a:t>Amazon Glue</a:t>
+            </a:r>
+            <a:r>
+              <a:rPr lang="en-US" dirty="0"/>
+              <a:t> – Schema definition &amp; ETL support</a:t>
+            </a:r>
+          </a:p>
+          <a:p>
+            <a:r>
+              <a:rPr lang="en-US" b="1" dirty="0"/>
+              <a:t>Airflow</a:t>
+            </a:r>
+            <a:r>
+              <a:rPr lang="en-US" dirty="0"/>
+              <a:t> – Workflow orchestration &amp; scheduling</a:t>
+            </a:r>
+          </a:p>
+          <a:p>
+            <a:r>
+              <a:rPr lang="en-US" b="1" dirty="0"/>
+              <a:t>Amazon Redshift</a:t>
+            </a:r>
+            <a:r>
+              <a:rPr lang="en-US" dirty="0"/>
+              <a:t> – Data warehouse for analytics</a:t>
+            </a:r>
+          </a:p>
+          <a:p>
+            <a:r>
+              <a:rPr lang="en-US" b="1" dirty="0"/>
+              <a:t>Metabase</a:t>
+            </a:r>
+            <a:r>
+              <a:rPr lang="en-US" dirty="0"/>
+              <a:t> – Dashboard &amp; campaign insights</a:t>
+            </a:r>
+            <a:endParaRPr lang="LID4096" dirty="0"/>
+          </a:p>
+        </p:txBody>
+      </p:sp>
+    </p:spTree>
+    <p:extLst>
+      <p:ext uri="{BB962C8B-B14F-4D97-AF65-F5344CB8AC3E}">
+        <p14:creationId xmlns:p14="http://schemas.microsoft.com/office/powerpoint/2010/main" val="1123976496"/>
+      </p:ext>
+    </p:extLst>
+  </p:cSld>
+  <p:clrMapOvr>
+    <a:masterClrMapping/>
+  </p:clrMapOvr>
+</p:sld>
+</file>
+
+<file path=ppt/slides/slide11.xml><?xml version="1.0" encoding="utf-8"?>
+<p:sld xmlns:a="http://schemas.openxmlformats.org/drawingml/2006/main" xmlns:r="http://schemas.openxmlformats.org/officeDocument/2006/relationships" xmlns:p="http://schemas.openxmlformats.org/presentationml/2006/main">
+  <p:cSld>
+    <p:spTree>
+      <p:nvGrpSpPr>
+        <p:cNvPr id="1" name="">
+          <a:extLst>
+            <a:ext uri="{FF2B5EF4-FFF2-40B4-BE49-F238E27FC236}">
+              <a16:creationId xmlns:a16="http://schemas.microsoft.com/office/drawing/2014/main" id="{6CBC06C6-0E0A-F93F-1F94-39DAA97EDF38}"/>
+            </a:ext>
+          </a:extLst>
+        </p:cNvPr>
+        <p:cNvGrpSpPr/>
+        <p:nvPr/>
+      </p:nvGrpSpPr>
+      <p:grpSpPr>
+        <a:xfrm>
+          <a:off x="0" y="0"/>
+          <a:ext cx="0" cy="0"/>
+          <a:chOff x="0" y="0"/>
+          <a:chExt cx="0" cy="0"/>
+        </a:xfrm>
+      </p:grpSpPr>
+      <p:sp>
+        <p:nvSpPr>
+          <p:cNvPr id="2" name="Title 1">
+            <a:extLst>
+              <a:ext uri="{FF2B5EF4-FFF2-40B4-BE49-F238E27FC236}">
+                <a16:creationId xmlns:a16="http://schemas.microsoft.com/office/drawing/2014/main" id="{F172D6F8-18CF-2463-0AEB-6DA7D99A5774}"/>
+              </a:ext>
+            </a:extLst>
+          </p:cNvPr>
+          <p:cNvSpPr>
+            <a:spLocks noGrp="1"/>
+          </p:cNvSpPr>
+          <p:nvPr>
+            <p:ph type="title"/>
+          </p:nvPr>
+        </p:nvSpPr>
+        <p:spPr/>
+        <p:txBody>
+          <a:bodyPr/>
+          <a:lstStyle/>
+          <a:p>
+            <a:r>
+              <a:rPr lang="en-US" dirty="0"/>
+              <a:t>Flow</a:t>
+            </a:r>
+            <a:endParaRPr lang="LID4096" dirty="0"/>
+          </a:p>
+        </p:txBody>
+      </p:sp>
+      <p:pic>
+        <p:nvPicPr>
+          <p:cNvPr id="5" name="Content Placeholder 4">
+            <a:extLst>
+              <a:ext uri="{FF2B5EF4-FFF2-40B4-BE49-F238E27FC236}">
+                <a16:creationId xmlns:a16="http://schemas.microsoft.com/office/drawing/2014/main" id="{D23EFC53-A50D-E82D-3EF9-F29F4FACA2E6}"/>
+              </a:ext>
+            </a:extLst>
+          </p:cNvPr>
+          <p:cNvPicPr>
+            <a:picLocks noGrp="1" noChangeAspect="1"/>
+          </p:cNvPicPr>
+          <p:nvPr>
+            <p:ph idx="1"/>
+          </p:nvPr>
+        </p:nvPicPr>
+        <p:blipFill>
+          <a:blip r:embed="rId2">
+            <a:extLst>
+              <a:ext uri="{28A0092B-C50C-407E-A947-70E740481C1C}">
+                <a14:useLocalDpi xmlns:a14="http://schemas.microsoft.com/office/drawing/2010/main" val="0"/>
+              </a:ext>
+            </a:extLst>
+          </a:blip>
+          <a:stretch>
+            <a:fillRect/>
+          </a:stretch>
+        </p:blipFill>
+        <p:spPr>
+          <a:xfrm>
+            <a:off x="680321" y="2398013"/>
+            <a:ext cx="9730288" cy="3193796"/>
+          </a:xfrm>
+        </p:spPr>
+      </p:pic>
+    </p:spTree>
+    <p:extLst>
+      <p:ext uri="{BB962C8B-B14F-4D97-AF65-F5344CB8AC3E}">
+        <p14:creationId xmlns:p14="http://schemas.microsoft.com/office/powerpoint/2010/main" val="1374429016"/>
+      </p:ext>
+    </p:extLst>
+  </p:cSld>
+  <p:clrMapOvr>
+    <a:masterClrMapping/>
+  </p:clrMapOvr>
+</p:sld>
+</file>
+
+<file path=ppt/slides/slide12.xml><?xml version="1.0" encoding="utf-8"?>
+<p:sld xmlns:a="http://schemas.openxmlformats.org/drawingml/2006/main" xmlns:r="http://schemas.openxmlformats.org/officeDocument/2006/relationships" xmlns:p="http://schemas.openxmlformats.org/presentationml/2006/main">
+  <p:cSld>
+    <p:spTree>
+      <p:nvGrpSpPr>
+        <p:cNvPr id="1" name=""/>
+        <p:cNvGrpSpPr/>
+        <p:nvPr/>
+      </p:nvGrpSpPr>
+      <p:grpSpPr>
+        <a:xfrm>
+          <a:off x="0" y="0"/>
+          <a:ext cx="0" cy="0"/>
+          <a:chOff x="0" y="0"/>
+          <a:chExt cx="0" cy="0"/>
+        </a:xfrm>
+      </p:grpSpPr>
+      <p:sp>
+        <p:nvSpPr>
+          <p:cNvPr id="2" name="Title 1">
+            <a:extLst>
+              <a:ext uri="{FF2B5EF4-FFF2-40B4-BE49-F238E27FC236}">
+                <a16:creationId xmlns:a16="http://schemas.microsoft.com/office/drawing/2014/main" id="{5A14064E-C16E-77FE-8723-588C61713CBA}"/>
+              </a:ext>
+            </a:extLst>
+          </p:cNvPr>
+          <p:cNvSpPr>
+            <a:spLocks noGrp="1"/>
+          </p:cNvSpPr>
+          <p:nvPr>
+            <p:ph type="title"/>
+          </p:nvPr>
+        </p:nvSpPr>
+        <p:spPr/>
+        <p:txBody>
+          <a:bodyPr/>
+          <a:lstStyle/>
+          <a:p>
+            <a:r>
+              <a:rPr lang="en-US" dirty="0"/>
+              <a:t>ETL</a:t>
+            </a:r>
+            <a:endParaRPr lang="LID4096" dirty="0"/>
+          </a:p>
+        </p:txBody>
+      </p:sp>
+      <p:graphicFrame>
+        <p:nvGraphicFramePr>
+          <p:cNvPr id="4" name="Content Placeholder 3">
+            <a:extLst>
+              <a:ext uri="{FF2B5EF4-FFF2-40B4-BE49-F238E27FC236}">
+                <a16:creationId xmlns:a16="http://schemas.microsoft.com/office/drawing/2014/main" id="{D91AD47F-DAB7-4374-E609-85C9AD638F0B}"/>
+              </a:ext>
+            </a:extLst>
+          </p:cNvPr>
+          <p:cNvGraphicFramePr>
+            <a:graphicFrameLocks noGrp="1"/>
+          </p:cNvGraphicFramePr>
+          <p:nvPr>
+            <p:ph idx="1"/>
+            <p:extLst>
+              <p:ext uri="{D42A27DB-BD31-4B8C-83A1-F6EECF244321}">
+                <p14:modId xmlns:p14="http://schemas.microsoft.com/office/powerpoint/2010/main" val="2401761556"/>
+              </p:ext>
+            </p:extLst>
+          </p:nvPr>
+        </p:nvGraphicFramePr>
+        <p:xfrm>
+          <a:off x="112295" y="2053389"/>
+          <a:ext cx="12079705" cy="4668253"/>
+        </p:xfrm>
+        <a:graphic>
+          <a:graphicData uri="http://schemas.openxmlformats.org/drawingml/2006/diagram">
+            <dgm:relIds xmlns:dgm="http://schemas.openxmlformats.org/drawingml/2006/diagram" xmlns:r="http://schemas.openxmlformats.org/officeDocument/2006/relationships" r:dm="rId2" r:lo="rId3" r:qs="rId4" r:cs="rId5"/>
+          </a:graphicData>
+        </a:graphic>
+      </p:graphicFrame>
+    </p:spTree>
+    <p:extLst>
+      <p:ext uri="{BB962C8B-B14F-4D97-AF65-F5344CB8AC3E}">
+        <p14:creationId xmlns:p14="http://schemas.microsoft.com/office/powerpoint/2010/main" val="914173274"/>
+      </p:ext>
+    </p:extLst>
+  </p:cSld>
+  <p:clrMapOvr>
+    <a:masterClrMapping/>
+  </p:clrMapOvr>
+</p:sld>
+</file>
+
+<file path=ppt/slides/slide13.xml><?xml version="1.0" encoding="utf-8"?>
+<p:sld xmlns:a="http://schemas.openxmlformats.org/drawingml/2006/main" xmlns:r="http://schemas.openxmlformats.org/officeDocument/2006/relationships" xmlns:p="http://schemas.openxmlformats.org/presentationml/2006/main">
+  <p:cSld>
+    <p:spTree>
+      <p:nvGrpSpPr>
         <p:cNvPr id="1" name="">
           <a:extLst>
             <a:ext uri="{FF2B5EF4-FFF2-40B4-BE49-F238E27FC236}">
@@ -14731,7 +15108,7 @@
 </p:sld>
 </file>
 
-<file path=ppt/slides/slide11.xml><?xml version="1.0" encoding="utf-8"?>
+<file path=ppt/slides/slide14.xml><?xml version="1.0" encoding="utf-8"?>
 <p:sld xmlns:a="http://schemas.openxmlformats.org/drawingml/2006/main" xmlns:r="http://schemas.openxmlformats.org/officeDocument/2006/relationships" xmlns:p="http://schemas.openxmlformats.org/presentationml/2006/main">
   <p:cSld>
     <p:spTree>
@@ -14861,7 +15238,7 @@
 </p:sld>
 </file>
 
-<file path=ppt/slides/slide12.xml><?xml version="1.0" encoding="utf-8"?>
+<file path=ppt/slides/slide15.xml><?xml version="1.0" encoding="utf-8"?>
 <p:sld xmlns:a="http://schemas.openxmlformats.org/drawingml/2006/main" xmlns:r="http://schemas.openxmlformats.org/officeDocument/2006/relationships" xmlns:p="http://schemas.openxmlformats.org/presentationml/2006/main">
   <p:cSld>
     <p:spTree>
@@ -14991,7 +15368,279 @@
 </p:sld>
 </file>
 
-<file path=ppt/slides/slide13.xml><?xml version="1.0" encoding="utf-8"?>
+<file path=ppt/slides/slide16.xml><?xml version="1.0" encoding="utf-8"?>
+<p:sld xmlns:a="http://schemas.openxmlformats.org/drawingml/2006/main" xmlns:r="http://schemas.openxmlformats.org/officeDocument/2006/relationships" xmlns:p="http://schemas.openxmlformats.org/presentationml/2006/main">
+  <p:cSld>
+    <p:spTree>
+      <p:nvGrpSpPr>
+        <p:cNvPr id="1" name=""/>
+        <p:cNvGrpSpPr/>
+        <p:nvPr/>
+      </p:nvGrpSpPr>
+      <p:grpSpPr>
+        <a:xfrm>
+          <a:off x="0" y="0"/>
+          <a:ext cx="0" cy="0"/>
+          <a:chOff x="0" y="0"/>
+          <a:chExt cx="0" cy="0"/>
+        </a:xfrm>
+      </p:grpSpPr>
+      <p:sp>
+        <p:nvSpPr>
+          <p:cNvPr id="2" name="Title 1">
+            <a:extLst>
+              <a:ext uri="{FF2B5EF4-FFF2-40B4-BE49-F238E27FC236}">
+                <a16:creationId xmlns:a16="http://schemas.microsoft.com/office/drawing/2014/main" id="{DC8E84A4-A676-F31E-25BC-618AEE6E32CE}"/>
+              </a:ext>
+            </a:extLst>
+          </p:cNvPr>
+          <p:cNvSpPr>
+            <a:spLocks noGrp="1"/>
+          </p:cNvSpPr>
+          <p:nvPr>
+            <p:ph type="title"/>
+          </p:nvPr>
+        </p:nvSpPr>
+        <p:spPr/>
+        <p:txBody>
+          <a:bodyPr/>
+          <a:lstStyle/>
+          <a:p>
+            <a:r>
+              <a:rPr lang="en-US" dirty="0"/>
+              <a:t>Glue Jobs</a:t>
+            </a:r>
+            <a:endParaRPr lang="LID4096" dirty="0"/>
+          </a:p>
+        </p:txBody>
+      </p:sp>
+      <p:pic>
+        <p:nvPicPr>
+          <p:cNvPr id="5" name="Content Placeholder 4">
+            <a:extLst>
+              <a:ext uri="{FF2B5EF4-FFF2-40B4-BE49-F238E27FC236}">
+                <a16:creationId xmlns:a16="http://schemas.microsoft.com/office/drawing/2014/main" id="{F54C1167-4244-3A4D-F954-69D448C7DF79}"/>
+              </a:ext>
+            </a:extLst>
+          </p:cNvPr>
+          <p:cNvPicPr>
+            <a:picLocks noGrp="1" noChangeAspect="1"/>
+          </p:cNvPicPr>
+          <p:nvPr>
+            <p:ph idx="1"/>
+          </p:nvPr>
+        </p:nvPicPr>
+        <p:blipFill>
+          <a:blip r:embed="rId2">
+            <a:extLst>
+              <a:ext uri="{28A0092B-C50C-407E-A947-70E740481C1C}">
+                <a14:useLocalDpi xmlns:a14="http://schemas.microsoft.com/office/drawing/2010/main" val="0"/>
+              </a:ext>
+            </a:extLst>
+          </a:blip>
+          <a:stretch>
+            <a:fillRect/>
+          </a:stretch>
+        </p:blipFill>
+        <p:spPr>
+          <a:xfrm>
+            <a:off x="626626" y="1834166"/>
+            <a:ext cx="10938748" cy="4877010"/>
+          </a:xfrm>
+        </p:spPr>
+      </p:pic>
+    </p:spTree>
+    <p:extLst>
+      <p:ext uri="{BB962C8B-B14F-4D97-AF65-F5344CB8AC3E}">
+        <p14:creationId xmlns:p14="http://schemas.microsoft.com/office/powerpoint/2010/main" val="403646600"/>
+      </p:ext>
+    </p:extLst>
+  </p:cSld>
+  <p:clrMapOvr>
+    <a:masterClrMapping/>
+  </p:clrMapOvr>
+</p:sld>
+</file>
+
+<file path=ppt/slides/slide17.xml><?xml version="1.0" encoding="utf-8"?>
+<p:sld xmlns:a="http://schemas.openxmlformats.org/drawingml/2006/main" xmlns:r="http://schemas.openxmlformats.org/officeDocument/2006/relationships" xmlns:p="http://schemas.openxmlformats.org/presentationml/2006/main">
+  <p:cSld>
+    <p:spTree>
+      <p:nvGrpSpPr>
+        <p:cNvPr id="1" name=""/>
+        <p:cNvGrpSpPr/>
+        <p:nvPr/>
+      </p:nvGrpSpPr>
+      <p:grpSpPr>
+        <a:xfrm>
+          <a:off x="0" y="0"/>
+          <a:ext cx="0" cy="0"/>
+          <a:chOff x="0" y="0"/>
+          <a:chExt cx="0" cy="0"/>
+        </a:xfrm>
+      </p:grpSpPr>
+      <p:sp>
+        <p:nvSpPr>
+          <p:cNvPr id="2" name="Title 1">
+            <a:extLst>
+              <a:ext uri="{FF2B5EF4-FFF2-40B4-BE49-F238E27FC236}">
+                <a16:creationId xmlns:a16="http://schemas.microsoft.com/office/drawing/2014/main" id="{D530440F-59D9-281B-757B-86CF9B42F634}"/>
+              </a:ext>
+            </a:extLst>
+          </p:cNvPr>
+          <p:cNvSpPr>
+            <a:spLocks noGrp="1"/>
+          </p:cNvSpPr>
+          <p:nvPr>
+            <p:ph type="title"/>
+          </p:nvPr>
+        </p:nvSpPr>
+        <p:spPr/>
+        <p:txBody>
+          <a:bodyPr/>
+          <a:lstStyle/>
+          <a:p>
+            <a:r>
+              <a:rPr lang="en-US" dirty="0"/>
+              <a:t>Glue Workflow</a:t>
+            </a:r>
+            <a:endParaRPr lang="LID4096" dirty="0"/>
+          </a:p>
+        </p:txBody>
+      </p:sp>
+      <p:pic>
+        <p:nvPicPr>
+          <p:cNvPr id="5" name="Content Placeholder 4">
+            <a:extLst>
+              <a:ext uri="{FF2B5EF4-FFF2-40B4-BE49-F238E27FC236}">
+                <a16:creationId xmlns:a16="http://schemas.microsoft.com/office/drawing/2014/main" id="{C645CA10-6848-6365-2295-357B911CCB77}"/>
+              </a:ext>
+            </a:extLst>
+          </p:cNvPr>
+          <p:cNvPicPr>
+            <a:picLocks noGrp="1" noChangeAspect="1"/>
+          </p:cNvPicPr>
+          <p:nvPr>
+            <p:ph idx="1"/>
+          </p:nvPr>
+        </p:nvPicPr>
+        <p:blipFill>
+          <a:blip r:embed="rId2">
+            <a:extLst>
+              <a:ext uri="{28A0092B-C50C-407E-A947-70E740481C1C}">
+                <a14:useLocalDpi xmlns:a14="http://schemas.microsoft.com/office/drawing/2010/main" val="0"/>
+              </a:ext>
+            </a:extLst>
+          </a:blip>
+          <a:stretch>
+            <a:fillRect/>
+          </a:stretch>
+        </p:blipFill>
+        <p:spPr>
+          <a:xfrm>
+            <a:off x="680321" y="1834166"/>
+            <a:ext cx="10421257" cy="4811075"/>
+          </a:xfrm>
+        </p:spPr>
+      </p:pic>
+    </p:spTree>
+    <p:extLst>
+      <p:ext uri="{BB962C8B-B14F-4D97-AF65-F5344CB8AC3E}">
+        <p14:creationId xmlns:p14="http://schemas.microsoft.com/office/powerpoint/2010/main" val="3237825461"/>
+      </p:ext>
+    </p:extLst>
+  </p:cSld>
+  <p:clrMapOvr>
+    <a:masterClrMapping/>
+  </p:clrMapOvr>
+</p:sld>
+</file>
+
+<file path=ppt/slides/slide18.xml><?xml version="1.0" encoding="utf-8"?>
+<p:sld xmlns:a="http://schemas.openxmlformats.org/drawingml/2006/main" xmlns:r="http://schemas.openxmlformats.org/officeDocument/2006/relationships" xmlns:p="http://schemas.openxmlformats.org/presentationml/2006/main">
+  <p:cSld>
+    <p:spTree>
+      <p:nvGrpSpPr>
+        <p:cNvPr id="1" name=""/>
+        <p:cNvGrpSpPr/>
+        <p:nvPr/>
+      </p:nvGrpSpPr>
+      <p:grpSpPr>
+        <a:xfrm>
+          <a:off x="0" y="0"/>
+          <a:ext cx="0" cy="0"/>
+          <a:chOff x="0" y="0"/>
+          <a:chExt cx="0" cy="0"/>
+        </a:xfrm>
+      </p:grpSpPr>
+      <p:sp>
+        <p:nvSpPr>
+          <p:cNvPr id="2" name="Title 1">
+            <a:extLst>
+              <a:ext uri="{FF2B5EF4-FFF2-40B4-BE49-F238E27FC236}">
+                <a16:creationId xmlns:a16="http://schemas.microsoft.com/office/drawing/2014/main" id="{A4F4A57D-0057-6E45-4639-72D51F265067}"/>
+              </a:ext>
+            </a:extLst>
+          </p:cNvPr>
+          <p:cNvSpPr>
+            <a:spLocks noGrp="1"/>
+          </p:cNvSpPr>
+          <p:nvPr>
+            <p:ph type="title"/>
+          </p:nvPr>
+        </p:nvSpPr>
+        <p:spPr/>
+        <p:txBody>
+          <a:bodyPr/>
+          <a:lstStyle/>
+          <a:p>
+            <a:r>
+              <a:rPr lang="en-US" dirty="0"/>
+              <a:t>Airflow</a:t>
+            </a:r>
+            <a:endParaRPr lang="LID4096" dirty="0"/>
+          </a:p>
+        </p:txBody>
+      </p:sp>
+      <p:sp>
+        <p:nvSpPr>
+          <p:cNvPr id="3" name="Content Placeholder 2">
+            <a:extLst>
+              <a:ext uri="{FF2B5EF4-FFF2-40B4-BE49-F238E27FC236}">
+                <a16:creationId xmlns:a16="http://schemas.microsoft.com/office/drawing/2014/main" id="{88F537D0-4E89-232D-2E4E-C8A1B8AD42DF}"/>
+              </a:ext>
+            </a:extLst>
+          </p:cNvPr>
+          <p:cNvSpPr>
+            <a:spLocks noGrp="1"/>
+          </p:cNvSpPr>
+          <p:nvPr>
+            <p:ph idx="1"/>
+          </p:nvPr>
+        </p:nvSpPr>
+        <p:spPr/>
+        <p:txBody>
+          <a:bodyPr/>
+          <a:lstStyle/>
+          <a:p>
+            <a:endParaRPr lang="LID4096"/>
+          </a:p>
+        </p:txBody>
+      </p:sp>
+    </p:spTree>
+    <p:extLst>
+      <p:ext uri="{BB962C8B-B14F-4D97-AF65-F5344CB8AC3E}">
+        <p14:creationId xmlns:p14="http://schemas.microsoft.com/office/powerpoint/2010/main" val="604769880"/>
+      </p:ext>
+    </p:extLst>
+  </p:cSld>
+  <p:clrMapOvr>
+    <a:masterClrMapping/>
+  </p:clrMapOvr>
+</p:sld>
+</file>
+
+<file path=ppt/slides/slide19.xml><?xml version="1.0" encoding="utf-8"?>
 <p:sld xmlns:a="http://schemas.openxmlformats.org/drawingml/2006/main" xmlns:r="http://schemas.openxmlformats.org/officeDocument/2006/relationships" xmlns:p="http://schemas.openxmlformats.org/presentationml/2006/main">
   <p:cSld>
     <p:spTree>
@@ -15183,7 +15832,7 @@
             <p:ph idx="1"/>
             <p:extLst>
               <p:ext uri="{D42A27DB-BD31-4B8C-83A1-F6EECF244321}">
-                <p14:modId xmlns:p14="http://schemas.microsoft.com/office/powerpoint/2010/main" val="1360587524"/>
+                <p14:modId xmlns:p14="http://schemas.microsoft.com/office/powerpoint/2010/main" val="3258476629"/>
               </p:ext>
             </p:extLst>
           </p:nvPr>
@@ -15202,6 +15851,96 @@
     <p:extLst>
       <p:ext uri="{BB962C8B-B14F-4D97-AF65-F5344CB8AC3E}">
         <p14:creationId xmlns:p14="http://schemas.microsoft.com/office/powerpoint/2010/main" val="3742995675"/>
+      </p:ext>
+    </p:extLst>
+  </p:cSld>
+  <p:clrMapOvr>
+    <a:masterClrMapping/>
+  </p:clrMapOvr>
+</p:sld>
+</file>
+
+<file path=ppt/slides/slide20.xml><?xml version="1.0" encoding="utf-8"?>
+<p:sld xmlns:a="http://schemas.openxmlformats.org/drawingml/2006/main" xmlns:r="http://schemas.openxmlformats.org/officeDocument/2006/relationships" xmlns:p="http://schemas.openxmlformats.org/presentationml/2006/main">
+  <p:cSld>
+    <p:spTree>
+      <p:nvGrpSpPr>
+        <p:cNvPr id="1" name=""/>
+        <p:cNvGrpSpPr/>
+        <p:nvPr/>
+      </p:nvGrpSpPr>
+      <p:grpSpPr>
+        <a:xfrm>
+          <a:off x="0" y="0"/>
+          <a:ext cx="0" cy="0"/>
+          <a:chOff x="0" y="0"/>
+          <a:chExt cx="0" cy="0"/>
+        </a:xfrm>
+      </p:grpSpPr>
+      <p:sp>
+        <p:nvSpPr>
+          <p:cNvPr id="2" name="Title 1">
+            <a:extLst>
+              <a:ext uri="{FF2B5EF4-FFF2-40B4-BE49-F238E27FC236}">
+                <a16:creationId xmlns:a16="http://schemas.microsoft.com/office/drawing/2014/main" id="{72BB9D77-76E0-9610-AF3C-DDBA00B3039A}"/>
+              </a:ext>
+            </a:extLst>
+          </p:cNvPr>
+          <p:cNvSpPr>
+            <a:spLocks noGrp="1"/>
+          </p:cNvSpPr>
+          <p:nvPr>
+            <p:ph type="title"/>
+          </p:nvPr>
+        </p:nvSpPr>
+        <p:spPr/>
+        <p:txBody>
+          <a:bodyPr/>
+          <a:lstStyle/>
+          <a:p>
+            <a:endParaRPr lang="LID4096"/>
+          </a:p>
+        </p:txBody>
+      </p:sp>
+      <p:pic>
+        <p:nvPicPr>
+          <p:cNvPr id="5" name="Content Placeholder 4">
+            <a:extLst>
+              <a:ext uri="{FF2B5EF4-FFF2-40B4-BE49-F238E27FC236}">
+                <a16:creationId xmlns:a16="http://schemas.microsoft.com/office/drawing/2014/main" id="{366D0D6A-BB67-F4B4-CD3E-4B20CFEE6E85}"/>
+              </a:ext>
+            </a:extLst>
+          </p:cNvPr>
+          <p:cNvPicPr>
+            <a:picLocks noGrp="1" noChangeAspect="1"/>
+          </p:cNvPicPr>
+          <p:nvPr>
+            <p:ph idx="1"/>
+          </p:nvPr>
+        </p:nvPicPr>
+        <p:blipFill>
+          <a:blip r:embed="rId2">
+            <a:extLst>
+              <a:ext uri="{28A0092B-C50C-407E-A947-70E740481C1C}">
+                <a14:useLocalDpi xmlns:a14="http://schemas.microsoft.com/office/drawing/2010/main" val="0"/>
+              </a:ext>
+            </a:extLst>
+          </a:blip>
+          <a:stretch>
+            <a:fillRect/>
+          </a:stretch>
+        </p:blipFill>
+        <p:spPr>
+          <a:xfrm>
+            <a:off x="1631171" y="84476"/>
+            <a:ext cx="7712160" cy="6689047"/>
+          </a:xfrm>
+        </p:spPr>
+      </p:pic>
+    </p:spTree>
+    <p:extLst>
+      <p:ext uri="{BB962C8B-B14F-4D97-AF65-F5344CB8AC3E}">
+        <p14:creationId xmlns:p14="http://schemas.microsoft.com/office/powerpoint/2010/main" val="1360201097"/>
       </p:ext>
     </p:extLst>
   </p:cSld>
@@ -15470,6 +16209,1173 @@
   <p:cSld>
     <p:spTree>
       <p:nvGrpSpPr>
+        <p:cNvPr id="1" name=""/>
+        <p:cNvGrpSpPr/>
+        <p:nvPr/>
+      </p:nvGrpSpPr>
+      <p:grpSpPr>
+        <a:xfrm>
+          <a:off x="0" y="0"/>
+          <a:ext cx="0" cy="0"/>
+          <a:chOff x="0" y="0"/>
+          <a:chExt cx="0" cy="0"/>
+        </a:xfrm>
+      </p:grpSpPr>
+      <p:sp>
+        <p:nvSpPr>
+          <p:cNvPr id="2" name="Title 1">
+            <a:extLst>
+              <a:ext uri="{FF2B5EF4-FFF2-40B4-BE49-F238E27FC236}">
+                <a16:creationId xmlns:a16="http://schemas.microsoft.com/office/drawing/2014/main" id="{FD2DD0C8-714B-6213-8CE8-BB1DFF476BC8}"/>
+              </a:ext>
+            </a:extLst>
+          </p:cNvPr>
+          <p:cNvSpPr>
+            <a:spLocks noGrp="1"/>
+          </p:cNvSpPr>
+          <p:nvPr>
+            <p:ph type="title"/>
+          </p:nvPr>
+        </p:nvSpPr>
+        <p:spPr/>
+        <p:txBody>
+          <a:bodyPr/>
+          <a:lstStyle/>
+          <a:p>
+            <a:r>
+              <a:rPr lang="en-US" dirty="0"/>
+              <a:t>Metrics Definitions</a:t>
+            </a:r>
+            <a:endParaRPr lang="LID4096" dirty="0"/>
+          </a:p>
+        </p:txBody>
+      </p:sp>
+      <mc:AlternateContent xmlns:mc="http://schemas.openxmlformats.org/markup-compatibility/2006">
+        <mc:Choice xmlns:a14="http://schemas.microsoft.com/office/drawing/2010/main" Requires="a14">
+          <p:sp>
+            <p:nvSpPr>
+              <p:cNvPr id="3" name="Content Placeholder 2">
+                <a:extLst>
+                  <a:ext uri="{FF2B5EF4-FFF2-40B4-BE49-F238E27FC236}">
+                    <a16:creationId xmlns:a16="http://schemas.microsoft.com/office/drawing/2014/main" id="{F74B7156-AAED-691E-89A1-E86514C58B2F}"/>
+                  </a:ext>
+                </a:extLst>
+              </p:cNvPr>
+              <p:cNvSpPr>
+                <a:spLocks noGrp="1"/>
+              </p:cNvSpPr>
+              <p:nvPr>
+                <p:ph idx="1"/>
+              </p:nvPr>
+            </p:nvSpPr>
+            <p:spPr>
+              <a:xfrm>
+                <a:off x="680321" y="2336872"/>
+                <a:ext cx="10816461" cy="4043379"/>
+              </a:xfrm>
+            </p:spPr>
+            <p:txBody>
+              <a:bodyPr>
+                <a:normAutofit/>
+              </a:bodyPr>
+              <a:lstStyle/>
+              <a:p>
+                <a:r>
+                  <a:rPr lang="en-US" b="0" i="1" dirty="0">
+                    <a:latin typeface="Cambria Math" panose="02040503050406030204" pitchFamily="18" charset="0"/>
+                  </a:rPr>
+                  <a:t>Budget = Allocated campaign budget per account/campaign</a:t>
+                </a:r>
+              </a:p>
+              <a:p>
+                <a14:m>
+                  <m:oMath xmlns:m="http://schemas.openxmlformats.org/officeDocument/2006/math">
+                    <m:r>
+                      <a:rPr lang="en-US" b="0" i="1" smtClean="0">
+                        <a:latin typeface="Cambria Math" panose="02040503050406030204" pitchFamily="18" charset="0"/>
+                      </a:rPr>
+                      <m:t>𝑆𝑝𝑒𝑛𝑑</m:t>
+                    </m:r>
+                    <m:r>
+                      <a:rPr lang="en-US" i="1" smtClean="0">
+                        <a:latin typeface="Cambria Math" panose="02040503050406030204" pitchFamily="18" charset="0"/>
+                      </a:rPr>
+                      <m:t>=</m:t>
+                    </m:r>
+                    <m:nary>
+                      <m:naryPr>
+                        <m:chr m:val="∑"/>
+                        <m:subHide m:val="on"/>
+                        <m:supHide m:val="on"/>
+                        <m:ctrlPr>
+                          <a:rPr lang="en-US" i="1" smtClean="0">
+                            <a:latin typeface="Cambria Math" panose="02040503050406030204" pitchFamily="18" charset="0"/>
+                          </a:rPr>
+                        </m:ctrlPr>
+                      </m:naryPr>
+                      <m:sub/>
+                      <m:sup/>
+                      <m:e>
+                        <m:r>
+                          <a:rPr lang="en-US" b="0" i="1" smtClean="0">
+                            <a:latin typeface="Cambria Math" panose="02040503050406030204" pitchFamily="18" charset="0"/>
+                          </a:rPr>
+                          <m:t>𝑆𝑢𝑚</m:t>
+                        </m:r>
+                        <m:r>
+                          <a:rPr lang="en-US" b="0" i="1" smtClean="0">
+                            <a:latin typeface="Cambria Math" panose="02040503050406030204" pitchFamily="18" charset="0"/>
+                          </a:rPr>
+                          <m:t> </m:t>
+                        </m:r>
+                        <m:r>
+                          <a:rPr lang="en-US" b="0" i="1" smtClean="0">
+                            <a:latin typeface="Cambria Math" panose="02040503050406030204" pitchFamily="18" charset="0"/>
+                          </a:rPr>
+                          <m:t>𝑜𝑓</m:t>
+                        </m:r>
+                        <m:r>
+                          <a:rPr lang="en-US" b="0" i="1" smtClean="0">
+                            <a:latin typeface="Cambria Math" panose="02040503050406030204" pitchFamily="18" charset="0"/>
+                          </a:rPr>
+                          <m:t> </m:t>
+                        </m:r>
+                        <m:r>
+                          <a:rPr lang="en-US" b="0" i="1" smtClean="0">
+                            <a:latin typeface="Cambria Math" panose="02040503050406030204" pitchFamily="18" charset="0"/>
+                          </a:rPr>
+                          <m:t>𝐶𝑙𝑖𝑐𝑘𝑠</m:t>
+                        </m:r>
+                        <m:r>
+                          <a:rPr lang="en-US" b="0" i="1" smtClean="0">
+                            <a:latin typeface="Cambria Math" panose="02040503050406030204" pitchFamily="18" charset="0"/>
+                          </a:rPr>
+                          <m:t> </m:t>
+                        </m:r>
+                        <m:r>
+                          <a:rPr lang="en-US" b="0" i="1" smtClean="0">
+                            <a:latin typeface="Cambria Math" panose="02040503050406030204" pitchFamily="18" charset="0"/>
+                          </a:rPr>
+                          <m:t>𝑐𝑜𝑠𝑡</m:t>
+                        </m:r>
+                      </m:e>
+                    </m:nary>
+                  </m:oMath>
+                </a14:m>
+                <a:endParaRPr lang="en-US" dirty="0"/>
+              </a:p>
+              <a:p>
+                <a:r>
+                  <a:rPr lang="en-US" dirty="0"/>
+                  <a:t> </a:t>
+                </a:r>
+                <a14:m>
+                  <m:oMath xmlns:m="http://schemas.openxmlformats.org/officeDocument/2006/math">
+                    <m:r>
+                      <a:rPr lang="en-US" b="0" i="1" smtClean="0">
+                        <a:latin typeface="Cambria Math" panose="02040503050406030204" pitchFamily="18" charset="0"/>
+                      </a:rPr>
+                      <m:t>𝐶𝑃𝐶</m:t>
+                    </m:r>
+                    <m:r>
+                      <a:rPr lang="en-US" b="0" i="1" smtClean="0">
+                        <a:latin typeface="Cambria Math" panose="02040503050406030204" pitchFamily="18" charset="0"/>
+                      </a:rPr>
+                      <m:t>=</m:t>
+                    </m:r>
+                    <m:f>
+                      <m:fPr>
+                        <m:ctrlPr>
+                          <a:rPr lang="en-US" b="0" i="1" smtClean="0">
+                            <a:latin typeface="Cambria Math" panose="02040503050406030204" pitchFamily="18" charset="0"/>
+                          </a:rPr>
+                        </m:ctrlPr>
+                      </m:fPr>
+                      <m:num>
+                        <m:r>
+                          <a:rPr lang="en-US" b="0" i="1" smtClean="0">
+                            <a:latin typeface="Cambria Math" panose="02040503050406030204" pitchFamily="18" charset="0"/>
+                          </a:rPr>
+                          <m:t>𝑆𝑝𝑒𝑛𝑑</m:t>
+                        </m:r>
+                      </m:num>
+                      <m:den>
+                        <m:r>
+                          <a:rPr lang="en-US" b="0" i="1" smtClean="0">
+                            <a:latin typeface="Cambria Math" panose="02040503050406030204" pitchFamily="18" charset="0"/>
+                          </a:rPr>
+                          <m:t>#</m:t>
+                        </m:r>
+                        <m:r>
+                          <a:rPr lang="en-US" b="0" i="1" smtClean="0">
+                            <a:latin typeface="Cambria Math" panose="02040503050406030204" pitchFamily="18" charset="0"/>
+                          </a:rPr>
+                          <m:t>𝐶𝑙𝑖𝑐𝑘𝑠</m:t>
+                        </m:r>
+                      </m:den>
+                    </m:f>
+                  </m:oMath>
+                </a14:m>
+                <a:r>
+                  <a:rPr lang="en-US" b="0" dirty="0"/>
+                  <a:t>  The average cost per click</a:t>
+                </a:r>
+              </a:p>
+              <a:p>
+                <a:endParaRPr lang="en-US" b="0" i="1" dirty="0">
+                  <a:latin typeface="Cambria Math" panose="02040503050406030204" pitchFamily="18" charset="0"/>
+                </a:endParaRPr>
+              </a:p>
+              <a:p>
+                <a14:m>
+                  <m:oMath xmlns:m="http://schemas.openxmlformats.org/officeDocument/2006/math">
+                    <m:r>
+                      <a:rPr lang="en-US" b="0" i="1" smtClean="0">
+                        <a:latin typeface="Cambria Math" panose="02040503050406030204" pitchFamily="18" charset="0"/>
+                      </a:rPr>
+                      <m:t>𝐶𝑃𝐴</m:t>
+                    </m:r>
+                    <m:r>
+                      <a:rPr lang="en-US" b="0" i="1" smtClean="0">
+                        <a:latin typeface="Cambria Math" panose="02040503050406030204" pitchFamily="18" charset="0"/>
+                      </a:rPr>
+                      <m:t>=</m:t>
+                    </m:r>
+                    <m:f>
+                      <m:fPr>
+                        <m:ctrlPr>
+                          <a:rPr lang="en-US" b="0" i="1" smtClean="0">
+                            <a:latin typeface="Cambria Math" panose="02040503050406030204" pitchFamily="18" charset="0"/>
+                          </a:rPr>
+                        </m:ctrlPr>
+                      </m:fPr>
+                      <m:num>
+                        <m:r>
+                          <a:rPr lang="en-US" b="0" i="1" smtClean="0">
+                            <a:latin typeface="Cambria Math" panose="02040503050406030204" pitchFamily="18" charset="0"/>
+                          </a:rPr>
+                          <m:t>𝑆𝑝𝑒𝑛𝑑</m:t>
+                        </m:r>
+                      </m:num>
+                      <m:den>
+                        <m:r>
+                          <a:rPr lang="en-US" b="0" i="1" smtClean="0">
+                            <a:latin typeface="Cambria Math" panose="02040503050406030204" pitchFamily="18" charset="0"/>
+                          </a:rPr>
+                          <m:t>#</m:t>
+                        </m:r>
+                        <m:r>
+                          <a:rPr lang="en-US" b="0" i="1" smtClean="0">
+                            <a:latin typeface="Cambria Math" panose="02040503050406030204" pitchFamily="18" charset="0"/>
+                          </a:rPr>
+                          <m:t>𝐴𝑝𝑝𝑙𝑖𝑐𝑎𝑛𝑡𝑠</m:t>
+                        </m:r>
+                      </m:den>
+                    </m:f>
+                  </m:oMath>
+                </a14:m>
+                <a:r>
+                  <a:rPr lang="en-US" dirty="0"/>
+                  <a:t>  The average cost per applicant  </a:t>
+                </a:r>
+              </a:p>
+              <a:p>
+                <a:r>
+                  <a:rPr lang="en-US" dirty="0"/>
+                  <a:t> </a:t>
+                </a:r>
+                <a14:m>
+                  <m:oMath xmlns:m="http://schemas.openxmlformats.org/officeDocument/2006/math">
+                    <m:r>
+                      <a:rPr lang="en-US" b="0" i="1" smtClean="0">
+                        <a:latin typeface="Cambria Math" panose="02040503050406030204" pitchFamily="18" charset="0"/>
+                      </a:rPr>
+                      <m:t>𝐶𝑉𝑅</m:t>
+                    </m:r>
+                    <m:r>
+                      <a:rPr lang="en-US" b="0" i="1" smtClean="0">
+                        <a:latin typeface="Cambria Math" panose="02040503050406030204" pitchFamily="18" charset="0"/>
+                      </a:rPr>
+                      <m:t>=</m:t>
+                    </m:r>
+                    <m:f>
+                      <m:fPr>
+                        <m:ctrlPr>
+                          <a:rPr lang="en-US" b="0" i="1" smtClean="0">
+                            <a:latin typeface="Cambria Math" panose="02040503050406030204" pitchFamily="18" charset="0"/>
+                          </a:rPr>
+                        </m:ctrlPr>
+                      </m:fPr>
+                      <m:num>
+                        <m:r>
+                          <a:rPr lang="en-US" b="0" i="1" smtClean="0">
+                            <a:latin typeface="Cambria Math" panose="02040503050406030204" pitchFamily="18" charset="0"/>
+                          </a:rPr>
+                          <m:t>𝐴𝑝𝑝𝑙𝑖𝑐𝑎𝑛𝑡</m:t>
+                        </m:r>
+                      </m:num>
+                      <m:den>
+                        <m:r>
+                          <a:rPr lang="en-US" b="0" i="1" smtClean="0">
+                            <a:latin typeface="Cambria Math" panose="02040503050406030204" pitchFamily="18" charset="0"/>
+                          </a:rPr>
+                          <m:t>𝐶𝑙𝑖𝑐𝑘𝑠</m:t>
+                        </m:r>
+                      </m:den>
+                    </m:f>
+                  </m:oMath>
+                </a14:m>
+                <a:r>
+                  <a:rPr lang="en-US" dirty="0"/>
+                  <a:t>  The conversion rate of how many applicants out of clicks </a:t>
+                </a:r>
+              </a:p>
+              <a:p>
+                <a14:m>
+                  <m:oMath xmlns:m="http://schemas.openxmlformats.org/officeDocument/2006/math">
+                    <m:r>
+                      <a:rPr lang="en-US" b="0" i="1" smtClean="0">
+                        <a:latin typeface="Cambria Math" panose="02040503050406030204" pitchFamily="18" charset="0"/>
+                      </a:rPr>
+                      <m:t>𝐵𝑢𝑑𝑔𝑒𝑡</m:t>
+                    </m:r>
+                    <m:r>
+                      <a:rPr lang="en-US" b="0" i="1" smtClean="0">
+                        <a:latin typeface="Cambria Math" panose="02040503050406030204" pitchFamily="18" charset="0"/>
+                      </a:rPr>
+                      <m:t> </m:t>
+                    </m:r>
+                    <m:r>
+                      <a:rPr lang="en-US" b="0" i="1" smtClean="0">
+                        <a:latin typeface="Cambria Math" panose="02040503050406030204" pitchFamily="18" charset="0"/>
+                      </a:rPr>
+                      <m:t>𝑈𝑡𝑖𝑙𝑖𝑧𝑎𝑡𝑖𝑜𝑛</m:t>
+                    </m:r>
+                    <m:r>
+                      <a:rPr lang="en-US" b="0" i="1" smtClean="0">
+                        <a:latin typeface="Cambria Math" panose="02040503050406030204" pitchFamily="18" charset="0"/>
+                      </a:rPr>
+                      <m:t>=</m:t>
+                    </m:r>
+                    <m:f>
+                      <m:fPr>
+                        <m:ctrlPr>
+                          <a:rPr lang="en-US" b="0" i="1" smtClean="0">
+                            <a:latin typeface="Cambria Math" panose="02040503050406030204" pitchFamily="18" charset="0"/>
+                          </a:rPr>
+                        </m:ctrlPr>
+                      </m:fPr>
+                      <m:num>
+                        <m:r>
+                          <a:rPr lang="en-US" b="0" i="1" smtClean="0">
+                            <a:latin typeface="Cambria Math" panose="02040503050406030204" pitchFamily="18" charset="0"/>
+                          </a:rPr>
+                          <m:t>𝑆𝑝𝑒𝑛𝑑</m:t>
+                        </m:r>
+                      </m:num>
+                      <m:den>
+                        <m:r>
+                          <a:rPr lang="en-US" b="0" i="1" smtClean="0">
+                            <a:latin typeface="Cambria Math" panose="02040503050406030204" pitchFamily="18" charset="0"/>
+                          </a:rPr>
+                          <m:t>𝐵𝑢𝑑𝑔𝑒𝑡</m:t>
+                        </m:r>
+                      </m:den>
+                    </m:f>
+                  </m:oMath>
+                </a14:m>
+                <a:r>
+                  <a:rPr lang="en-US" b="0" dirty="0"/>
+                  <a:t>  How much we spent out of the budget?</a:t>
+                </a:r>
+              </a:p>
+              <a:p>
+                <a14:m>
+                  <m:oMath xmlns:m="http://schemas.openxmlformats.org/officeDocument/2006/math">
+                    <m:r>
+                      <a:rPr lang="en-US" b="0" i="1" smtClean="0">
+                        <a:latin typeface="Cambria Math" panose="02040503050406030204" pitchFamily="18" charset="0"/>
+                      </a:rPr>
+                      <m:t>𝐶𝑃𝐴</m:t>
+                    </m:r>
+                    <m:r>
+                      <a:rPr lang="en-US" b="0" i="1" smtClean="0">
+                        <a:latin typeface="Cambria Math" panose="02040503050406030204" pitchFamily="18" charset="0"/>
+                      </a:rPr>
+                      <m:t> </m:t>
+                    </m:r>
+                    <m:r>
+                      <a:rPr lang="en-US" b="0" i="1" smtClean="0">
+                        <a:latin typeface="Cambria Math" panose="02040503050406030204" pitchFamily="18" charset="0"/>
+                      </a:rPr>
+                      <m:t>𝐴𝑐</m:t>
+                    </m:r>
+                    <m:r>
+                      <a:rPr lang="en-US" b="0" i="1" smtClean="0">
+                        <a:latin typeface="Cambria Math" panose="02040503050406030204" pitchFamily="18" charset="0"/>
+                      </a:rPr>
+                      <m:t>h</m:t>
+                    </m:r>
+                    <m:r>
+                      <a:rPr lang="en-US" b="0" i="1" smtClean="0">
+                        <a:latin typeface="Cambria Math" panose="02040503050406030204" pitchFamily="18" charset="0"/>
+                      </a:rPr>
+                      <m:t>𝑖𝑒𝑣𝑒𝑚𝑒𝑛𝑡</m:t>
+                    </m:r>
+                    <m:r>
+                      <a:rPr lang="en-US" b="0" i="1" smtClean="0">
+                        <a:latin typeface="Cambria Math" panose="02040503050406030204" pitchFamily="18" charset="0"/>
+                      </a:rPr>
+                      <m:t>=</m:t>
+                    </m:r>
+                    <m:f>
+                      <m:fPr>
+                        <m:ctrlPr>
+                          <a:rPr lang="en-US" b="0" i="1" smtClean="0">
+                            <a:latin typeface="Cambria Math" panose="02040503050406030204" pitchFamily="18" charset="0"/>
+                          </a:rPr>
+                        </m:ctrlPr>
+                      </m:fPr>
+                      <m:num>
+                        <m:r>
+                          <a:rPr lang="en-US" b="0" i="1" smtClean="0">
+                            <a:latin typeface="Cambria Math" panose="02040503050406030204" pitchFamily="18" charset="0"/>
+                          </a:rPr>
+                          <m:t>𝐶𝑃𝐴</m:t>
+                        </m:r>
+                      </m:num>
+                      <m:den>
+                        <m:r>
+                          <a:rPr lang="en-US" b="0" i="1" smtClean="0">
+                            <a:latin typeface="Cambria Math" panose="02040503050406030204" pitchFamily="18" charset="0"/>
+                          </a:rPr>
+                          <m:t>𝐶𝑃𝐴</m:t>
+                        </m:r>
+                        <m:r>
+                          <a:rPr lang="en-US" b="0" i="1" smtClean="0">
+                            <a:latin typeface="Cambria Math" panose="02040503050406030204" pitchFamily="18" charset="0"/>
+                          </a:rPr>
+                          <m:t> </m:t>
+                        </m:r>
+                        <m:r>
+                          <a:rPr lang="en-US" b="0" i="1" smtClean="0">
+                            <a:latin typeface="Cambria Math" panose="02040503050406030204" pitchFamily="18" charset="0"/>
+                          </a:rPr>
+                          <m:t>𝑇𝑎𝑟𝑔𝑒𝑡</m:t>
+                        </m:r>
+                      </m:den>
+                    </m:f>
+                  </m:oMath>
+                </a14:m>
+                <a:r>
+                  <a:rPr lang="en-US" dirty="0"/>
+                  <a:t> How close are we to the campaign’s CPA target</a:t>
+                </a:r>
+                <a:endParaRPr lang="LID4096" dirty="0"/>
+              </a:p>
+            </p:txBody>
+          </p:sp>
+        </mc:Choice>
+        <mc:Fallback>
+          <p:sp>
+            <p:nvSpPr>
+              <p:cNvPr id="3" name="Content Placeholder 2">
+                <a:extLst>
+                  <a:ext uri="{FF2B5EF4-FFF2-40B4-BE49-F238E27FC236}">
+                    <a16:creationId xmlns:a16="http://schemas.microsoft.com/office/drawing/2014/main" id="{F74B7156-AAED-691E-89A1-E86514C58B2F}"/>
+                  </a:ext>
+                </a:extLst>
+              </p:cNvPr>
+              <p:cNvSpPr>
+                <a:spLocks noGrp="1" noRot="1" noChangeAspect="1" noMove="1" noResize="1" noEditPoints="1" noAdjustHandles="1" noChangeArrowheads="1" noChangeShapeType="1" noTextEdit="1"/>
+              </p:cNvSpPr>
+              <p:nvPr>
+                <p:ph idx="1"/>
+              </p:nvPr>
+            </p:nvSpPr>
+            <p:spPr>
+              <a:xfrm>
+                <a:off x="680321" y="2336872"/>
+                <a:ext cx="10816461" cy="4043379"/>
+              </a:xfrm>
+              <a:blipFill>
+                <a:blip r:embed="rId2"/>
+                <a:stretch>
+                  <a:fillRect l="-789" t="-4518"/>
+                </a:stretch>
+              </a:blipFill>
+            </p:spPr>
+            <p:txBody>
+              <a:bodyPr/>
+              <a:lstStyle/>
+              <a:p>
+                <a:r>
+                  <a:rPr lang="LID4096">
+                    <a:noFill/>
+                  </a:rPr>
+                  <a:t> </a:t>
+                </a:r>
+              </a:p>
+            </p:txBody>
+          </p:sp>
+        </mc:Fallback>
+      </mc:AlternateContent>
+    </p:spTree>
+    <p:extLst>
+      <p:ext uri="{BB962C8B-B14F-4D97-AF65-F5344CB8AC3E}">
+        <p14:creationId xmlns:p14="http://schemas.microsoft.com/office/powerpoint/2010/main" val="3825952787"/>
+      </p:ext>
+    </p:extLst>
+  </p:cSld>
+  <p:clrMapOvr>
+    <a:masterClrMapping/>
+  </p:clrMapOvr>
+</p:sld>
+</file>
+
+<file path=ppt/slides/slide6.xml><?xml version="1.0" encoding="utf-8"?>
+<p:sld xmlns:a="http://schemas.openxmlformats.org/drawingml/2006/main" xmlns:r="http://schemas.openxmlformats.org/officeDocument/2006/relationships" xmlns:p="http://schemas.openxmlformats.org/presentationml/2006/main">
+  <p:cSld>
+    <p:spTree>
+      <p:nvGrpSpPr>
+        <p:cNvPr id="1" name="">
+          <a:extLst>
+            <a:ext uri="{FF2B5EF4-FFF2-40B4-BE49-F238E27FC236}">
+              <a16:creationId xmlns:a16="http://schemas.microsoft.com/office/drawing/2014/main" id="{A2F0A582-3FAC-B451-D1D6-2D01DC84B72C}"/>
+            </a:ext>
+          </a:extLst>
+        </p:cNvPr>
+        <p:cNvGrpSpPr/>
+        <p:nvPr/>
+      </p:nvGrpSpPr>
+      <p:grpSpPr>
+        <a:xfrm>
+          <a:off x="0" y="0"/>
+          <a:ext cx="0" cy="0"/>
+          <a:chOff x="0" y="0"/>
+          <a:chExt cx="0" cy="0"/>
+        </a:xfrm>
+      </p:grpSpPr>
+      <p:sp>
+        <p:nvSpPr>
+          <p:cNvPr id="2" name="Title 1">
+            <a:extLst>
+              <a:ext uri="{FF2B5EF4-FFF2-40B4-BE49-F238E27FC236}">
+                <a16:creationId xmlns:a16="http://schemas.microsoft.com/office/drawing/2014/main" id="{EAC884C0-4DF4-7829-8B20-ABA0339A3612}"/>
+              </a:ext>
+            </a:extLst>
+          </p:cNvPr>
+          <p:cNvSpPr>
+            <a:spLocks noGrp="1"/>
+          </p:cNvSpPr>
+          <p:nvPr>
+            <p:ph type="title"/>
+          </p:nvPr>
+        </p:nvSpPr>
+        <p:spPr/>
+        <p:txBody>
+          <a:bodyPr/>
+          <a:lstStyle/>
+          <a:p>
+            <a:r>
+              <a:rPr lang="en-US" dirty="0"/>
+              <a:t>Metrics Example</a:t>
+            </a:r>
+            <a:endParaRPr lang="LID4096" dirty="0"/>
+          </a:p>
+        </p:txBody>
+      </p:sp>
+      <mc:AlternateContent xmlns:mc="http://schemas.openxmlformats.org/markup-compatibility/2006">
+        <mc:Choice xmlns:a14="http://schemas.microsoft.com/office/drawing/2010/main" Requires="a14">
+          <p:sp>
+            <p:nvSpPr>
+              <p:cNvPr id="3" name="Content Placeholder 2">
+                <a:extLst>
+                  <a:ext uri="{FF2B5EF4-FFF2-40B4-BE49-F238E27FC236}">
+                    <a16:creationId xmlns:a16="http://schemas.microsoft.com/office/drawing/2014/main" id="{C4F3DE5D-8398-80AE-0F0E-DF9A8970FBD3}"/>
+                  </a:ext>
+                </a:extLst>
+              </p:cNvPr>
+              <p:cNvSpPr>
+                <a:spLocks noGrp="1"/>
+              </p:cNvSpPr>
+              <p:nvPr>
+                <p:ph idx="1"/>
+              </p:nvPr>
+            </p:nvSpPr>
+            <p:spPr>
+              <a:xfrm>
+                <a:off x="680321" y="2336872"/>
+                <a:ext cx="10816461" cy="4043379"/>
+              </a:xfrm>
+            </p:spPr>
+            <p:txBody>
+              <a:bodyPr>
+                <a:normAutofit/>
+              </a:bodyPr>
+              <a:lstStyle/>
+              <a:p>
+                <a:r>
+                  <a:rPr lang="en-US" b="0" i="1" dirty="0">
+                    <a:latin typeface="Cambria Math" panose="02040503050406030204" pitchFamily="18" charset="0"/>
+                  </a:rPr>
+                  <a:t>Budget = 3500</a:t>
+                </a:r>
+              </a:p>
+              <a:p>
+                <a14:m>
+                  <m:oMath xmlns:m="http://schemas.openxmlformats.org/officeDocument/2006/math">
+                    <m:r>
+                      <a:rPr lang="en-US" b="0" i="1" smtClean="0">
+                        <a:latin typeface="Cambria Math" panose="02040503050406030204" pitchFamily="18" charset="0"/>
+                      </a:rPr>
+                      <m:t>𝑆𝑝𝑒𝑛𝑑</m:t>
+                    </m:r>
+                    <m:r>
+                      <a:rPr lang="en-US" i="1" smtClean="0">
+                        <a:latin typeface="Cambria Math" panose="02040503050406030204" pitchFamily="18" charset="0"/>
+                      </a:rPr>
+                      <m:t>=1</m:t>
+                    </m:r>
+                    <m:r>
+                      <a:rPr lang="en-US" b="0" i="1" smtClean="0">
+                        <a:latin typeface="Cambria Math" panose="02040503050406030204" pitchFamily="18" charset="0"/>
+                      </a:rPr>
+                      <m:t>00</m:t>
+                    </m:r>
+                  </m:oMath>
+                </a14:m>
+                <a:endParaRPr lang="en-US" b="0" dirty="0"/>
+              </a:p>
+              <a:p>
+                <a:r>
+                  <a:rPr lang="en-US" dirty="0"/>
+                  <a:t> </a:t>
+                </a:r>
+                <a14:m>
+                  <m:oMath xmlns:m="http://schemas.openxmlformats.org/officeDocument/2006/math">
+                    <m:r>
+                      <a:rPr lang="en-US" b="0" i="1" smtClean="0">
+                        <a:latin typeface="Cambria Math" panose="02040503050406030204" pitchFamily="18" charset="0"/>
+                      </a:rPr>
+                      <m:t>𝐶𝑃𝐶</m:t>
+                    </m:r>
+                    <m:r>
+                      <a:rPr lang="en-US" b="0" i="1" smtClean="0">
+                        <a:latin typeface="Cambria Math" panose="02040503050406030204" pitchFamily="18" charset="0"/>
+                      </a:rPr>
+                      <m:t>=</m:t>
+                    </m:r>
+                    <m:f>
+                      <m:fPr>
+                        <m:ctrlPr>
+                          <a:rPr lang="en-US" b="0" i="1" smtClean="0">
+                            <a:latin typeface="Cambria Math" panose="02040503050406030204" pitchFamily="18" charset="0"/>
+                          </a:rPr>
+                        </m:ctrlPr>
+                      </m:fPr>
+                      <m:num>
+                        <m:r>
+                          <a:rPr lang="en-US" b="0" i="1" smtClean="0">
+                            <a:latin typeface="Cambria Math" panose="02040503050406030204" pitchFamily="18" charset="0"/>
+                          </a:rPr>
+                          <m:t>𝑆𝑝𝑒𝑛𝑑</m:t>
+                        </m:r>
+                      </m:num>
+                      <m:den>
+                        <m:r>
+                          <a:rPr lang="en-US" b="0" i="1" smtClean="0">
+                            <a:latin typeface="Cambria Math" panose="02040503050406030204" pitchFamily="18" charset="0"/>
+                          </a:rPr>
+                          <m:t>#</m:t>
+                        </m:r>
+                        <m:r>
+                          <a:rPr lang="en-US" b="0" i="1" smtClean="0">
+                            <a:latin typeface="Cambria Math" panose="02040503050406030204" pitchFamily="18" charset="0"/>
+                          </a:rPr>
+                          <m:t>𝐶𝑙𝑖𝑐𝑘𝑠</m:t>
+                        </m:r>
+                      </m:den>
+                    </m:f>
+                    <m:r>
+                      <a:rPr lang="en-US" b="0" i="1" smtClean="0">
+                        <a:latin typeface="Cambria Math" panose="02040503050406030204" pitchFamily="18" charset="0"/>
+                      </a:rPr>
+                      <m:t>=</m:t>
+                    </m:r>
+                    <m:f>
+                      <m:fPr>
+                        <m:ctrlPr>
+                          <a:rPr lang="en-US" b="0" i="1" smtClean="0">
+                            <a:latin typeface="Cambria Math" panose="02040503050406030204" pitchFamily="18" charset="0"/>
+                          </a:rPr>
+                        </m:ctrlPr>
+                      </m:fPr>
+                      <m:num>
+                        <m:r>
+                          <a:rPr lang="en-US" b="0" i="1" smtClean="0">
+                            <a:latin typeface="Cambria Math" panose="02040503050406030204" pitchFamily="18" charset="0"/>
+                          </a:rPr>
+                          <m:t>100</m:t>
+                        </m:r>
+                      </m:num>
+                      <m:den>
+                        <m:r>
+                          <a:rPr lang="en-US" b="0" i="1" smtClean="0">
+                            <a:latin typeface="Cambria Math" panose="02040503050406030204" pitchFamily="18" charset="0"/>
+                          </a:rPr>
+                          <m:t>100</m:t>
+                        </m:r>
+                      </m:den>
+                    </m:f>
+                    <m:r>
+                      <a:rPr lang="en-US" b="0" i="1" smtClean="0">
+                        <a:latin typeface="Cambria Math" panose="02040503050406030204" pitchFamily="18" charset="0"/>
+                      </a:rPr>
+                      <m:t>=1</m:t>
+                    </m:r>
+                  </m:oMath>
+                </a14:m>
+                <a:r>
+                  <a:rPr lang="en-US" b="0" dirty="0"/>
+                  <a:t>   </a:t>
+                </a:r>
+              </a:p>
+              <a:p>
+                <a14:m>
+                  <m:oMath xmlns:m="http://schemas.openxmlformats.org/officeDocument/2006/math">
+                    <m:r>
+                      <a:rPr lang="en-US" b="0" i="1" smtClean="0">
+                        <a:latin typeface="Cambria Math" panose="02040503050406030204" pitchFamily="18" charset="0"/>
+                      </a:rPr>
+                      <m:t>𝐶𝑃𝐴</m:t>
+                    </m:r>
+                    <m:r>
+                      <a:rPr lang="en-US" b="0" i="1" smtClean="0">
+                        <a:latin typeface="Cambria Math" panose="02040503050406030204" pitchFamily="18" charset="0"/>
+                      </a:rPr>
+                      <m:t>=</m:t>
+                    </m:r>
+                    <m:f>
+                      <m:fPr>
+                        <m:ctrlPr>
+                          <a:rPr lang="en-US" b="0" i="1" smtClean="0">
+                            <a:latin typeface="Cambria Math" panose="02040503050406030204" pitchFamily="18" charset="0"/>
+                          </a:rPr>
+                        </m:ctrlPr>
+                      </m:fPr>
+                      <m:num>
+                        <m:r>
+                          <a:rPr lang="en-US" b="0" i="1" smtClean="0">
+                            <a:latin typeface="Cambria Math" panose="02040503050406030204" pitchFamily="18" charset="0"/>
+                          </a:rPr>
+                          <m:t>𝑆𝑝𝑒𝑛𝑑</m:t>
+                        </m:r>
+                      </m:num>
+                      <m:den>
+                        <m:r>
+                          <a:rPr lang="en-US" b="0" i="1" smtClean="0">
+                            <a:latin typeface="Cambria Math" panose="02040503050406030204" pitchFamily="18" charset="0"/>
+                          </a:rPr>
+                          <m:t>#</m:t>
+                        </m:r>
+                        <m:r>
+                          <a:rPr lang="en-US" b="0" i="1" smtClean="0">
+                            <a:latin typeface="Cambria Math" panose="02040503050406030204" pitchFamily="18" charset="0"/>
+                          </a:rPr>
+                          <m:t>𝐴𝑝𝑝𝑙𝑖𝑐𝑎𝑛𝑡𝑠</m:t>
+                        </m:r>
+                      </m:den>
+                    </m:f>
+                    <m:r>
+                      <a:rPr lang="en-US" b="0" i="1" smtClean="0">
+                        <a:latin typeface="Cambria Math" panose="02040503050406030204" pitchFamily="18" charset="0"/>
+                      </a:rPr>
+                      <m:t>=</m:t>
+                    </m:r>
+                    <m:f>
+                      <m:fPr>
+                        <m:ctrlPr>
+                          <a:rPr lang="en-US" b="0" i="1" smtClean="0">
+                            <a:latin typeface="Cambria Math" panose="02040503050406030204" pitchFamily="18" charset="0"/>
+                          </a:rPr>
+                        </m:ctrlPr>
+                      </m:fPr>
+                      <m:num>
+                        <m:r>
+                          <a:rPr lang="en-US" b="0" i="1" smtClean="0">
+                            <a:latin typeface="Cambria Math" panose="02040503050406030204" pitchFamily="18" charset="0"/>
+                          </a:rPr>
+                          <m:t>100</m:t>
+                        </m:r>
+                      </m:num>
+                      <m:den>
+                        <m:r>
+                          <a:rPr lang="en-US" b="0" i="1" smtClean="0">
+                            <a:latin typeface="Cambria Math" panose="02040503050406030204" pitchFamily="18" charset="0"/>
+                          </a:rPr>
+                          <m:t>3</m:t>
+                        </m:r>
+                      </m:den>
+                    </m:f>
+                    <m:r>
+                      <a:rPr lang="en-US" b="0" i="1" smtClean="0">
+                        <a:latin typeface="Cambria Math" panose="02040503050406030204" pitchFamily="18" charset="0"/>
+                      </a:rPr>
+                      <m:t>=33.33</m:t>
+                    </m:r>
+                  </m:oMath>
+                </a14:m>
+                <a:endParaRPr lang="en-US" dirty="0"/>
+              </a:p>
+              <a:p>
+                <a:r>
+                  <a:rPr lang="en-US" dirty="0"/>
+                  <a:t> </a:t>
+                </a:r>
+                <a14:m>
+                  <m:oMath xmlns:m="http://schemas.openxmlformats.org/officeDocument/2006/math">
+                    <m:r>
+                      <a:rPr lang="en-US" b="0" i="1" smtClean="0">
+                        <a:latin typeface="Cambria Math" panose="02040503050406030204" pitchFamily="18" charset="0"/>
+                      </a:rPr>
+                      <m:t>𝐶𝑉𝑅</m:t>
+                    </m:r>
+                    <m:r>
+                      <a:rPr lang="en-US" b="0" i="1" smtClean="0">
+                        <a:latin typeface="Cambria Math" panose="02040503050406030204" pitchFamily="18" charset="0"/>
+                      </a:rPr>
+                      <m:t>=</m:t>
+                    </m:r>
+                    <m:f>
+                      <m:fPr>
+                        <m:ctrlPr>
+                          <a:rPr lang="en-US" b="0" i="1" smtClean="0">
+                            <a:latin typeface="Cambria Math" panose="02040503050406030204" pitchFamily="18" charset="0"/>
+                          </a:rPr>
+                        </m:ctrlPr>
+                      </m:fPr>
+                      <m:num>
+                        <m:r>
+                          <a:rPr lang="en-US" b="0" i="1" smtClean="0">
+                            <a:latin typeface="Cambria Math" panose="02040503050406030204" pitchFamily="18" charset="0"/>
+                          </a:rPr>
+                          <m:t>𝐴𝑝𝑝𝑙𝑖𝑐𝑎𝑛𝑡</m:t>
+                        </m:r>
+                      </m:num>
+                      <m:den>
+                        <m:r>
+                          <a:rPr lang="en-US" b="0" i="1" smtClean="0">
+                            <a:latin typeface="Cambria Math" panose="02040503050406030204" pitchFamily="18" charset="0"/>
+                          </a:rPr>
+                          <m:t>𝐶𝑙𝑖𝑐𝑘𝑠</m:t>
+                        </m:r>
+                      </m:den>
+                    </m:f>
+                    <m:r>
+                      <a:rPr lang="en-US" b="0" i="1" smtClean="0">
+                        <a:latin typeface="Cambria Math" panose="02040503050406030204" pitchFamily="18" charset="0"/>
+                      </a:rPr>
+                      <m:t>=</m:t>
+                    </m:r>
+                    <m:f>
+                      <m:fPr>
+                        <m:ctrlPr>
+                          <a:rPr lang="en-US" b="0" i="1" smtClean="0">
+                            <a:latin typeface="Cambria Math" panose="02040503050406030204" pitchFamily="18" charset="0"/>
+                          </a:rPr>
+                        </m:ctrlPr>
+                      </m:fPr>
+                      <m:num>
+                        <m:r>
+                          <a:rPr lang="en-US" b="0" i="1" smtClean="0">
+                            <a:latin typeface="Cambria Math" panose="02040503050406030204" pitchFamily="18" charset="0"/>
+                          </a:rPr>
+                          <m:t>3</m:t>
+                        </m:r>
+                      </m:num>
+                      <m:den>
+                        <m:r>
+                          <a:rPr lang="en-US" b="0" i="1" smtClean="0">
+                            <a:latin typeface="Cambria Math" panose="02040503050406030204" pitchFamily="18" charset="0"/>
+                          </a:rPr>
+                          <m:t>100</m:t>
+                        </m:r>
+                      </m:den>
+                    </m:f>
+                    <m:r>
+                      <a:rPr lang="en-US" b="0" i="1" smtClean="0">
+                        <a:latin typeface="Cambria Math" panose="02040503050406030204" pitchFamily="18" charset="0"/>
+                      </a:rPr>
+                      <m:t>=0.03=3%</m:t>
+                    </m:r>
+                  </m:oMath>
+                </a14:m>
+                <a:r>
+                  <a:rPr lang="en-US" dirty="0"/>
+                  <a:t>   </a:t>
+                </a:r>
+              </a:p>
+              <a:p>
+                <a14:m>
+                  <m:oMath xmlns:m="http://schemas.openxmlformats.org/officeDocument/2006/math">
+                    <m:r>
+                      <a:rPr lang="en-US" b="0" i="1" smtClean="0">
+                        <a:latin typeface="Cambria Math" panose="02040503050406030204" pitchFamily="18" charset="0"/>
+                      </a:rPr>
+                      <m:t>𝐵𝑢𝑑𝑔𝑒𝑡</m:t>
+                    </m:r>
+                    <m:r>
+                      <a:rPr lang="en-US" b="0" i="1" smtClean="0">
+                        <a:latin typeface="Cambria Math" panose="02040503050406030204" pitchFamily="18" charset="0"/>
+                      </a:rPr>
+                      <m:t> </m:t>
+                    </m:r>
+                    <m:r>
+                      <a:rPr lang="en-US" b="0" i="1" smtClean="0">
+                        <a:latin typeface="Cambria Math" panose="02040503050406030204" pitchFamily="18" charset="0"/>
+                      </a:rPr>
+                      <m:t>𝑈𝑡𝑖𝑙𝑖𝑧𝑎𝑡𝑖𝑜𝑛</m:t>
+                    </m:r>
+                    <m:r>
+                      <a:rPr lang="en-US" b="0" i="1" smtClean="0">
+                        <a:latin typeface="Cambria Math" panose="02040503050406030204" pitchFamily="18" charset="0"/>
+                      </a:rPr>
+                      <m:t>=</m:t>
+                    </m:r>
+                    <m:f>
+                      <m:fPr>
+                        <m:ctrlPr>
+                          <a:rPr lang="en-US" b="0" i="1" smtClean="0">
+                            <a:latin typeface="Cambria Math" panose="02040503050406030204" pitchFamily="18" charset="0"/>
+                          </a:rPr>
+                        </m:ctrlPr>
+                      </m:fPr>
+                      <m:num>
+                        <m:r>
+                          <a:rPr lang="en-US" b="0" i="1" smtClean="0">
+                            <a:latin typeface="Cambria Math" panose="02040503050406030204" pitchFamily="18" charset="0"/>
+                          </a:rPr>
+                          <m:t>𝑆𝑝𝑒𝑛𝑑</m:t>
+                        </m:r>
+                      </m:num>
+                      <m:den>
+                        <m:r>
+                          <a:rPr lang="en-US" b="0" i="1" smtClean="0">
+                            <a:latin typeface="Cambria Math" panose="02040503050406030204" pitchFamily="18" charset="0"/>
+                          </a:rPr>
+                          <m:t>𝐵𝑢𝑑𝑔𝑒𝑡</m:t>
+                        </m:r>
+                      </m:den>
+                    </m:f>
+                    <m:r>
+                      <a:rPr lang="en-US" b="0" i="1" smtClean="0">
+                        <a:latin typeface="Cambria Math" panose="02040503050406030204" pitchFamily="18" charset="0"/>
+                      </a:rPr>
+                      <m:t>=</m:t>
+                    </m:r>
+                    <m:f>
+                      <m:fPr>
+                        <m:ctrlPr>
+                          <a:rPr lang="en-US" b="0" i="1" smtClean="0">
+                            <a:latin typeface="Cambria Math" panose="02040503050406030204" pitchFamily="18" charset="0"/>
+                          </a:rPr>
+                        </m:ctrlPr>
+                      </m:fPr>
+                      <m:num>
+                        <m:r>
+                          <a:rPr lang="en-US" b="0" i="1" smtClean="0">
+                            <a:latin typeface="Cambria Math" panose="02040503050406030204" pitchFamily="18" charset="0"/>
+                          </a:rPr>
+                          <m:t>100</m:t>
+                        </m:r>
+                      </m:num>
+                      <m:den>
+                        <m:r>
+                          <a:rPr lang="en-US" b="0" i="1" smtClean="0">
+                            <a:latin typeface="Cambria Math" panose="02040503050406030204" pitchFamily="18" charset="0"/>
+                          </a:rPr>
+                          <m:t>3500</m:t>
+                        </m:r>
+                      </m:den>
+                    </m:f>
+                  </m:oMath>
+                </a14:m>
+                <a:r>
+                  <a:rPr lang="en-US" b="0" dirty="0"/>
+                  <a:t>= 2.86%</a:t>
+                </a:r>
+              </a:p>
+              <a:p>
+                <a14:m>
+                  <m:oMath xmlns:m="http://schemas.openxmlformats.org/officeDocument/2006/math">
+                    <m:r>
+                      <a:rPr lang="en-US" b="0" i="1" smtClean="0">
+                        <a:latin typeface="Cambria Math" panose="02040503050406030204" pitchFamily="18" charset="0"/>
+                      </a:rPr>
+                      <m:t>𝐶𝑃𝐴</m:t>
+                    </m:r>
+                    <m:r>
+                      <a:rPr lang="en-US" b="0" i="1" smtClean="0">
+                        <a:latin typeface="Cambria Math" panose="02040503050406030204" pitchFamily="18" charset="0"/>
+                      </a:rPr>
+                      <m:t> </m:t>
+                    </m:r>
+                    <m:r>
+                      <a:rPr lang="en-US" b="0" i="1" smtClean="0">
+                        <a:latin typeface="Cambria Math" panose="02040503050406030204" pitchFamily="18" charset="0"/>
+                      </a:rPr>
+                      <m:t>𝐴𝑐h𝑖𝑒𝑣𝑒𝑚𝑒𝑛𝑡</m:t>
+                    </m:r>
+                    <m:r>
+                      <a:rPr lang="en-US" b="0" i="1" smtClean="0">
+                        <a:latin typeface="Cambria Math" panose="02040503050406030204" pitchFamily="18" charset="0"/>
+                      </a:rPr>
+                      <m:t>=</m:t>
+                    </m:r>
+                    <m:f>
+                      <m:fPr>
+                        <m:ctrlPr>
+                          <a:rPr lang="en-US" b="0" i="1" smtClean="0">
+                            <a:latin typeface="Cambria Math" panose="02040503050406030204" pitchFamily="18" charset="0"/>
+                          </a:rPr>
+                        </m:ctrlPr>
+                      </m:fPr>
+                      <m:num>
+                        <m:r>
+                          <a:rPr lang="en-US" b="0" i="1" smtClean="0">
+                            <a:latin typeface="Cambria Math" panose="02040503050406030204" pitchFamily="18" charset="0"/>
+                          </a:rPr>
+                          <m:t>𝐶𝑃𝐴</m:t>
+                        </m:r>
+                      </m:num>
+                      <m:den>
+                        <m:r>
+                          <a:rPr lang="en-US" b="0" i="1" smtClean="0">
+                            <a:latin typeface="Cambria Math" panose="02040503050406030204" pitchFamily="18" charset="0"/>
+                          </a:rPr>
+                          <m:t>𝐶𝑃𝐴</m:t>
+                        </m:r>
+                        <m:r>
+                          <a:rPr lang="en-US" b="0" i="1" smtClean="0">
+                            <a:latin typeface="Cambria Math" panose="02040503050406030204" pitchFamily="18" charset="0"/>
+                          </a:rPr>
+                          <m:t> </m:t>
+                        </m:r>
+                        <m:r>
+                          <a:rPr lang="en-US" b="0" i="1" smtClean="0">
+                            <a:latin typeface="Cambria Math" panose="02040503050406030204" pitchFamily="18" charset="0"/>
+                          </a:rPr>
+                          <m:t>𝑇𝑎𝑟𝑔𝑒𝑡</m:t>
+                        </m:r>
+                      </m:den>
+                    </m:f>
+                    <m:r>
+                      <a:rPr lang="en-US" b="0" i="1" smtClean="0">
+                        <a:latin typeface="Cambria Math" panose="02040503050406030204" pitchFamily="18" charset="0"/>
+                      </a:rPr>
+                      <m:t>=</m:t>
+                    </m:r>
+                    <m:f>
+                      <m:fPr>
+                        <m:ctrlPr>
+                          <a:rPr lang="en-US" b="0" i="1" smtClean="0">
+                            <a:latin typeface="Cambria Math" panose="02040503050406030204" pitchFamily="18" charset="0"/>
+                          </a:rPr>
+                        </m:ctrlPr>
+                      </m:fPr>
+                      <m:num>
+                        <m:r>
+                          <a:rPr lang="en-US" b="0" i="1" smtClean="0">
+                            <a:latin typeface="Cambria Math" panose="02040503050406030204" pitchFamily="18" charset="0"/>
+                          </a:rPr>
+                          <m:t>33.33</m:t>
+                        </m:r>
+                      </m:num>
+                      <m:den>
+                        <m:r>
+                          <a:rPr lang="en-US" b="0" i="1" smtClean="0">
+                            <a:latin typeface="Cambria Math" panose="02040503050406030204" pitchFamily="18" charset="0"/>
+                          </a:rPr>
+                          <m:t>25</m:t>
+                        </m:r>
+                      </m:den>
+                    </m:f>
+                    <m:r>
+                      <a:rPr lang="en-US" b="0" i="1" smtClean="0">
+                        <a:latin typeface="Cambria Math" panose="02040503050406030204" pitchFamily="18" charset="0"/>
+                      </a:rPr>
+                      <m:t>=133%</m:t>
+                    </m:r>
+                  </m:oMath>
+                </a14:m>
+                <a:endParaRPr lang="LID4096" dirty="0"/>
+              </a:p>
+            </p:txBody>
+          </p:sp>
+        </mc:Choice>
+        <mc:Fallback>
+          <p:sp>
+            <p:nvSpPr>
+              <p:cNvPr id="3" name="Content Placeholder 2">
+                <a:extLst>
+                  <a:ext uri="{FF2B5EF4-FFF2-40B4-BE49-F238E27FC236}">
+                    <a16:creationId xmlns:a16="http://schemas.microsoft.com/office/drawing/2014/main" id="{C4F3DE5D-8398-80AE-0F0E-DF9A8970FBD3}"/>
+                  </a:ext>
+                </a:extLst>
+              </p:cNvPr>
+              <p:cNvSpPr>
+                <a:spLocks noGrp="1" noRot="1" noChangeAspect="1" noMove="1" noResize="1" noEditPoints="1" noAdjustHandles="1" noChangeArrowheads="1" noChangeShapeType="1" noTextEdit="1"/>
+              </p:cNvSpPr>
+              <p:nvPr>
+                <p:ph idx="1"/>
+              </p:nvPr>
+            </p:nvSpPr>
+            <p:spPr>
+              <a:xfrm>
+                <a:off x="680321" y="2336872"/>
+                <a:ext cx="10816461" cy="4043379"/>
+              </a:xfrm>
+              <a:blipFill>
+                <a:blip r:embed="rId2"/>
+                <a:stretch>
+                  <a:fillRect l="-789" t="-2108"/>
+                </a:stretch>
+              </a:blipFill>
+            </p:spPr>
+            <p:txBody>
+              <a:bodyPr/>
+              <a:lstStyle/>
+              <a:p>
+                <a:r>
+                  <a:rPr lang="LID4096">
+                    <a:noFill/>
+                  </a:rPr>
+                  <a:t> </a:t>
+                </a:r>
+              </a:p>
+            </p:txBody>
+          </p:sp>
+        </mc:Fallback>
+      </mc:AlternateContent>
+    </p:spTree>
+    <p:extLst>
+      <p:ext uri="{BB962C8B-B14F-4D97-AF65-F5344CB8AC3E}">
+        <p14:creationId xmlns:p14="http://schemas.microsoft.com/office/powerpoint/2010/main" val="2273863775"/>
+      </p:ext>
+    </p:extLst>
+  </p:cSld>
+  <p:clrMapOvr>
+    <a:masterClrMapping/>
+  </p:clrMapOvr>
+</p:sld>
+</file>
+
+<file path=ppt/slides/slide7.xml><?xml version="1.0" encoding="utf-8"?>
+<p:sld xmlns:a="http://schemas.openxmlformats.org/drawingml/2006/main" xmlns:r="http://schemas.openxmlformats.org/officeDocument/2006/relationships" xmlns:p="http://schemas.openxmlformats.org/presentationml/2006/main">
+  <p:cSld>
+    <p:spTree>
+      <p:nvGrpSpPr>
         <p:cNvPr id="1" name="">
           <a:extLst>
             <a:ext uri="{FF2B5EF4-FFF2-40B4-BE49-F238E27FC236}">
@@ -15607,7 +17513,87 @@
 </p:sld>
 </file>
 
-<file path=ppt/slides/slide6.xml><?xml version="1.0" encoding="utf-8"?>
+<file path=ppt/slides/slide8.xml><?xml version="1.0" encoding="utf-8"?>
+<p:sld xmlns:a="http://schemas.openxmlformats.org/drawingml/2006/main" xmlns:r="http://schemas.openxmlformats.org/officeDocument/2006/relationships" xmlns:p="http://schemas.openxmlformats.org/presentationml/2006/main">
+  <p:cSld>
+    <p:spTree>
+      <p:nvGrpSpPr>
+        <p:cNvPr id="1" name=""/>
+        <p:cNvGrpSpPr/>
+        <p:nvPr/>
+      </p:nvGrpSpPr>
+      <p:grpSpPr>
+        <a:xfrm>
+          <a:off x="0" y="0"/>
+          <a:ext cx="0" cy="0"/>
+          <a:chOff x="0" y="0"/>
+          <a:chExt cx="0" cy="0"/>
+        </a:xfrm>
+      </p:grpSpPr>
+      <p:sp>
+        <p:nvSpPr>
+          <p:cNvPr id="2" name="Title 1">
+            <a:extLst>
+              <a:ext uri="{FF2B5EF4-FFF2-40B4-BE49-F238E27FC236}">
+                <a16:creationId xmlns:a16="http://schemas.microsoft.com/office/drawing/2014/main" id="{F31C4A32-AE9C-A28C-5721-60F02C6B71EE}"/>
+              </a:ext>
+            </a:extLst>
+          </p:cNvPr>
+          <p:cNvSpPr>
+            <a:spLocks noGrp="1"/>
+          </p:cNvSpPr>
+          <p:nvPr>
+            <p:ph type="title"/>
+          </p:nvPr>
+        </p:nvSpPr>
+        <p:spPr/>
+        <p:txBody>
+          <a:bodyPr/>
+          <a:lstStyle/>
+          <a:p>
+            <a:endParaRPr lang="LID4096"/>
+          </a:p>
+        </p:txBody>
+      </p:sp>
+      <p:sp>
+        <p:nvSpPr>
+          <p:cNvPr id="3" name="Content Placeholder 2">
+            <a:extLst>
+              <a:ext uri="{FF2B5EF4-FFF2-40B4-BE49-F238E27FC236}">
+                <a16:creationId xmlns:a16="http://schemas.microsoft.com/office/drawing/2014/main" id="{0B4C228E-CEF9-CAE6-F449-9FA5E64CF462}"/>
+              </a:ext>
+            </a:extLst>
+          </p:cNvPr>
+          <p:cNvSpPr>
+            <a:spLocks noGrp="1"/>
+          </p:cNvSpPr>
+          <p:nvPr>
+            <p:ph idx="1"/>
+          </p:nvPr>
+        </p:nvSpPr>
+        <p:spPr/>
+        <p:txBody>
+          <a:bodyPr/>
+          <a:lstStyle/>
+          <a:p>
+            <a:endParaRPr lang="LID4096" dirty="0"/>
+          </a:p>
+        </p:txBody>
+      </p:sp>
+    </p:spTree>
+    <p:extLst>
+      <p:ext uri="{BB962C8B-B14F-4D97-AF65-F5344CB8AC3E}">
+        <p14:creationId xmlns:p14="http://schemas.microsoft.com/office/powerpoint/2010/main" val="2798886802"/>
+      </p:ext>
+    </p:extLst>
+  </p:cSld>
+  <p:clrMapOvr>
+    <a:masterClrMapping/>
+  </p:clrMapOvr>
+</p:sld>
+</file>
+
+<file path=ppt/slides/slide9.xml><?xml version="1.0" encoding="utf-8"?>
 <p:sld xmlns:a="http://schemas.openxmlformats.org/drawingml/2006/main" xmlns:r="http://schemas.openxmlformats.org/officeDocument/2006/relationships" xmlns:p="http://schemas.openxmlformats.org/presentationml/2006/main">
   <p:cSld>
     <p:spTree>
@@ -15716,379 +17702,6 @@
     <p:extLst>
       <p:ext uri="{BB962C8B-B14F-4D97-AF65-F5344CB8AC3E}">
         <p14:creationId xmlns:p14="http://schemas.microsoft.com/office/powerpoint/2010/main" val="3618590667"/>
-      </p:ext>
-    </p:extLst>
-  </p:cSld>
-  <p:clrMapOvr>
-    <a:masterClrMapping/>
-  </p:clrMapOvr>
-</p:sld>
-</file>
-
-<file path=ppt/slides/slide7.xml><?xml version="1.0" encoding="utf-8"?>
-<p:sld xmlns:a="http://schemas.openxmlformats.org/drawingml/2006/main" xmlns:r="http://schemas.openxmlformats.org/officeDocument/2006/relationships" xmlns:p="http://schemas.openxmlformats.org/presentationml/2006/main">
-  <p:cSld>
-    <p:spTree>
-      <p:nvGrpSpPr>
-        <p:cNvPr id="1" name=""/>
-        <p:cNvGrpSpPr/>
-        <p:nvPr/>
-      </p:nvGrpSpPr>
-      <p:grpSpPr>
-        <a:xfrm>
-          <a:off x="0" y="0"/>
-          <a:ext cx="0" cy="0"/>
-          <a:chOff x="0" y="0"/>
-          <a:chExt cx="0" cy="0"/>
-        </a:xfrm>
-      </p:grpSpPr>
-      <p:sp>
-        <p:nvSpPr>
-          <p:cNvPr id="2" name="Title 1">
-            <a:extLst>
-              <a:ext uri="{FF2B5EF4-FFF2-40B4-BE49-F238E27FC236}">
-                <a16:creationId xmlns:a16="http://schemas.microsoft.com/office/drawing/2014/main" id="{0D817EB1-60C8-220C-C4FA-63AA71B98038}"/>
-              </a:ext>
-            </a:extLst>
-          </p:cNvPr>
-          <p:cNvSpPr>
-            <a:spLocks noGrp="1"/>
-          </p:cNvSpPr>
-          <p:nvPr>
-            <p:ph type="title"/>
-          </p:nvPr>
-        </p:nvSpPr>
-        <p:spPr/>
-        <p:txBody>
-          <a:bodyPr/>
-          <a:lstStyle/>
-          <a:p>
-            <a:r>
-              <a:rPr lang="en-US" dirty="0"/>
-              <a:t>Tech Stack</a:t>
-            </a:r>
-            <a:endParaRPr lang="LID4096" dirty="0"/>
-          </a:p>
-        </p:txBody>
-      </p:sp>
-      <p:sp>
-        <p:nvSpPr>
-          <p:cNvPr id="3" name="Content Placeholder 2">
-            <a:extLst>
-              <a:ext uri="{FF2B5EF4-FFF2-40B4-BE49-F238E27FC236}">
-                <a16:creationId xmlns:a16="http://schemas.microsoft.com/office/drawing/2014/main" id="{9B445F98-5C84-5DD1-8A68-CB25F8E6A70E}"/>
-              </a:ext>
-            </a:extLst>
-          </p:cNvPr>
-          <p:cNvSpPr>
-            <a:spLocks noGrp="1"/>
-          </p:cNvSpPr>
-          <p:nvPr>
-            <p:ph idx="1"/>
-          </p:nvPr>
-        </p:nvSpPr>
-        <p:spPr>
-          <a:xfrm>
-            <a:off x="680321" y="2336872"/>
-            <a:ext cx="9613861" cy="4096011"/>
-          </a:xfrm>
-        </p:spPr>
-        <p:txBody>
-          <a:bodyPr>
-            <a:normAutofit/>
-          </a:bodyPr>
-          <a:lstStyle/>
-          <a:p>
-            <a:r>
-              <a:rPr lang="en-US" b="1" dirty="0"/>
-              <a:t>Adzuna API</a:t>
-            </a:r>
-            <a:r>
-              <a:rPr lang="en-US" dirty="0"/>
-              <a:t> – Source of live job ads</a:t>
-            </a:r>
-          </a:p>
-          <a:p>
-            <a:r>
-              <a:rPr lang="en-US" b="1" dirty="0"/>
-              <a:t>Python</a:t>
-            </a:r>
-            <a:r>
-              <a:rPr lang="en-US" dirty="0"/>
-              <a:t> – Data extraction &amp; processing scripts</a:t>
-            </a:r>
-          </a:p>
-          <a:p>
-            <a:r>
-              <a:rPr lang="en-US" b="1" dirty="0"/>
-              <a:t>Amazon S3</a:t>
-            </a:r>
-            <a:r>
-              <a:rPr lang="en-US" dirty="0"/>
-              <a:t> – Storage for raw &amp; processed data</a:t>
-            </a:r>
-          </a:p>
-          <a:p>
-            <a:r>
-              <a:rPr lang="en-US" b="1" dirty="0" err="1"/>
-              <a:t>Nominatim</a:t>
-            </a:r>
-            <a:r>
-              <a:rPr lang="en-US" b="1" dirty="0"/>
-              <a:t> API</a:t>
-            </a:r>
-            <a:r>
-              <a:rPr lang="en-US" dirty="0"/>
-              <a:t> – Enrich missing location details</a:t>
-            </a:r>
-          </a:p>
-          <a:p>
-            <a:r>
-              <a:rPr lang="en-US" b="1" dirty="0" err="1"/>
-              <a:t>PySpark</a:t>
-            </a:r>
-            <a:r>
-              <a:rPr lang="en-US" dirty="0"/>
-              <a:t> – Large-scale data transformation</a:t>
-            </a:r>
-          </a:p>
-          <a:p>
-            <a:r>
-              <a:rPr lang="en-US" b="1" dirty="0"/>
-              <a:t>Amazon Glue</a:t>
-            </a:r>
-            <a:r>
-              <a:rPr lang="en-US" dirty="0"/>
-              <a:t> – Schema definition &amp; ETL support</a:t>
-            </a:r>
-          </a:p>
-          <a:p>
-            <a:r>
-              <a:rPr lang="en-US" b="1" dirty="0"/>
-              <a:t>Airflow</a:t>
-            </a:r>
-            <a:r>
-              <a:rPr lang="en-US" dirty="0"/>
-              <a:t> – Workflow orchestration &amp; scheduling</a:t>
-            </a:r>
-          </a:p>
-          <a:p>
-            <a:r>
-              <a:rPr lang="en-US" b="1" dirty="0"/>
-              <a:t>Amazon Redshift</a:t>
-            </a:r>
-            <a:r>
-              <a:rPr lang="en-US" dirty="0"/>
-              <a:t> – Data warehouse for analytics</a:t>
-            </a:r>
-          </a:p>
-          <a:p>
-            <a:r>
-              <a:rPr lang="en-US" b="1" dirty="0"/>
-              <a:t>Metabase</a:t>
-            </a:r>
-            <a:r>
-              <a:rPr lang="en-US" dirty="0"/>
-              <a:t> – Dashboard &amp; campaign insights</a:t>
-            </a:r>
-            <a:endParaRPr lang="LID4096" dirty="0"/>
-          </a:p>
-        </p:txBody>
-      </p:sp>
-    </p:spTree>
-    <p:extLst>
-      <p:ext uri="{BB962C8B-B14F-4D97-AF65-F5344CB8AC3E}">
-        <p14:creationId xmlns:p14="http://schemas.microsoft.com/office/powerpoint/2010/main" val="1123976496"/>
-      </p:ext>
-    </p:extLst>
-  </p:cSld>
-  <p:clrMapOvr>
-    <a:masterClrMapping/>
-  </p:clrMapOvr>
-</p:sld>
-</file>
-
-<file path=ppt/slides/slide8.xml><?xml version="1.0" encoding="utf-8"?>
-<p:sld xmlns:a="http://schemas.openxmlformats.org/drawingml/2006/main" xmlns:r="http://schemas.openxmlformats.org/officeDocument/2006/relationships" xmlns:p="http://schemas.openxmlformats.org/presentationml/2006/main">
-  <p:cSld>
-    <p:spTree>
-      <p:nvGrpSpPr>
-        <p:cNvPr id="1" name="">
-          <a:extLst>
-            <a:ext uri="{FF2B5EF4-FFF2-40B4-BE49-F238E27FC236}">
-              <a16:creationId xmlns:a16="http://schemas.microsoft.com/office/drawing/2014/main" id="{6CBC06C6-0E0A-F93F-1F94-39DAA97EDF38}"/>
-            </a:ext>
-          </a:extLst>
-        </p:cNvPr>
-        <p:cNvGrpSpPr/>
-        <p:nvPr/>
-      </p:nvGrpSpPr>
-      <p:grpSpPr>
-        <a:xfrm>
-          <a:off x="0" y="0"/>
-          <a:ext cx="0" cy="0"/>
-          <a:chOff x="0" y="0"/>
-          <a:chExt cx="0" cy="0"/>
-        </a:xfrm>
-      </p:grpSpPr>
-      <p:sp>
-        <p:nvSpPr>
-          <p:cNvPr id="2" name="Title 1">
-            <a:extLst>
-              <a:ext uri="{FF2B5EF4-FFF2-40B4-BE49-F238E27FC236}">
-                <a16:creationId xmlns:a16="http://schemas.microsoft.com/office/drawing/2014/main" id="{F172D6F8-18CF-2463-0AEB-6DA7D99A5774}"/>
-              </a:ext>
-            </a:extLst>
-          </p:cNvPr>
-          <p:cNvSpPr>
-            <a:spLocks noGrp="1"/>
-          </p:cNvSpPr>
-          <p:nvPr>
-            <p:ph type="title"/>
-          </p:nvPr>
-        </p:nvSpPr>
-        <p:spPr/>
-        <p:txBody>
-          <a:bodyPr/>
-          <a:lstStyle/>
-          <a:p>
-            <a:r>
-              <a:rPr lang="en-US" dirty="0"/>
-              <a:t>Flow</a:t>
-            </a:r>
-            <a:endParaRPr lang="LID4096" dirty="0"/>
-          </a:p>
-        </p:txBody>
-      </p:sp>
-      <p:pic>
-        <p:nvPicPr>
-          <p:cNvPr id="5" name="Content Placeholder 4">
-            <a:extLst>
-              <a:ext uri="{FF2B5EF4-FFF2-40B4-BE49-F238E27FC236}">
-                <a16:creationId xmlns:a16="http://schemas.microsoft.com/office/drawing/2014/main" id="{D23EFC53-A50D-E82D-3EF9-F29F4FACA2E6}"/>
-              </a:ext>
-            </a:extLst>
-          </p:cNvPr>
-          <p:cNvPicPr>
-            <a:picLocks noGrp="1" noChangeAspect="1"/>
-          </p:cNvPicPr>
-          <p:nvPr>
-            <p:ph idx="1"/>
-          </p:nvPr>
-        </p:nvPicPr>
-        <p:blipFill>
-          <a:blip r:embed="rId2">
-            <a:extLst>
-              <a:ext uri="{28A0092B-C50C-407E-A947-70E740481C1C}">
-                <a14:useLocalDpi xmlns:a14="http://schemas.microsoft.com/office/drawing/2010/main" val="0"/>
-              </a:ext>
-            </a:extLst>
-          </a:blip>
-          <a:stretch>
-            <a:fillRect/>
-          </a:stretch>
-        </p:blipFill>
-        <p:spPr>
-          <a:xfrm>
-            <a:off x="680321" y="2398013"/>
-            <a:ext cx="9730288" cy="3193796"/>
-          </a:xfrm>
-        </p:spPr>
-      </p:pic>
-    </p:spTree>
-    <p:extLst>
-      <p:ext uri="{BB962C8B-B14F-4D97-AF65-F5344CB8AC3E}">
-        <p14:creationId xmlns:p14="http://schemas.microsoft.com/office/powerpoint/2010/main" val="1374429016"/>
-      </p:ext>
-    </p:extLst>
-  </p:cSld>
-  <p:clrMapOvr>
-    <a:masterClrMapping/>
-  </p:clrMapOvr>
-</p:sld>
-</file>
-
-<file path=ppt/slides/slide9.xml><?xml version="1.0" encoding="utf-8"?>
-<p:sld xmlns:a="http://schemas.openxmlformats.org/drawingml/2006/main" xmlns:r="http://schemas.openxmlformats.org/officeDocument/2006/relationships" xmlns:p="http://schemas.openxmlformats.org/presentationml/2006/main">
-  <p:cSld>
-    <p:spTree>
-      <p:nvGrpSpPr>
-        <p:cNvPr id="1" name=""/>
-        <p:cNvGrpSpPr/>
-        <p:nvPr/>
-      </p:nvGrpSpPr>
-      <p:grpSpPr>
-        <a:xfrm>
-          <a:off x="0" y="0"/>
-          <a:ext cx="0" cy="0"/>
-          <a:chOff x="0" y="0"/>
-          <a:chExt cx="0" cy="0"/>
-        </a:xfrm>
-      </p:grpSpPr>
-      <p:sp>
-        <p:nvSpPr>
-          <p:cNvPr id="2" name="Title 1">
-            <a:extLst>
-              <a:ext uri="{FF2B5EF4-FFF2-40B4-BE49-F238E27FC236}">
-                <a16:creationId xmlns:a16="http://schemas.microsoft.com/office/drawing/2014/main" id="{5A14064E-C16E-77FE-8723-588C61713CBA}"/>
-              </a:ext>
-            </a:extLst>
-          </p:cNvPr>
-          <p:cNvSpPr>
-            <a:spLocks noGrp="1"/>
-          </p:cNvSpPr>
-          <p:nvPr>
-            <p:ph type="title"/>
-          </p:nvPr>
-        </p:nvSpPr>
-        <p:spPr/>
-        <p:txBody>
-          <a:bodyPr/>
-          <a:lstStyle/>
-          <a:p>
-            <a:r>
-              <a:rPr lang="en-US" dirty="0"/>
-              <a:t>ETL</a:t>
-            </a:r>
-            <a:endParaRPr lang="LID4096" dirty="0"/>
-          </a:p>
-        </p:txBody>
-      </p:sp>
-      <p:graphicFrame>
-        <p:nvGraphicFramePr>
-          <p:cNvPr id="4" name="Content Placeholder 3">
-            <a:extLst>
-              <a:ext uri="{FF2B5EF4-FFF2-40B4-BE49-F238E27FC236}">
-                <a16:creationId xmlns:a16="http://schemas.microsoft.com/office/drawing/2014/main" id="{D91AD47F-DAB7-4374-E609-85C9AD638F0B}"/>
-              </a:ext>
-            </a:extLst>
-          </p:cNvPr>
-          <p:cNvGraphicFramePr>
-            <a:graphicFrameLocks noGrp="1"/>
-          </p:cNvGraphicFramePr>
-          <p:nvPr>
-            <p:ph idx="1"/>
-            <p:extLst>
-              <p:ext uri="{D42A27DB-BD31-4B8C-83A1-F6EECF244321}">
-                <p14:modId xmlns:p14="http://schemas.microsoft.com/office/powerpoint/2010/main" val="2401761556"/>
-              </p:ext>
-            </p:extLst>
-          </p:nvPr>
-        </p:nvGraphicFramePr>
-        <p:xfrm>
-          <a:off x="112295" y="2053389"/>
-          <a:ext cx="12079705" cy="4668253"/>
-        </p:xfrm>
-        <a:graphic>
-          <a:graphicData uri="http://schemas.openxmlformats.org/drawingml/2006/diagram">
-            <dgm:relIds xmlns:dgm="http://schemas.openxmlformats.org/drawingml/2006/diagram" xmlns:r="http://schemas.openxmlformats.org/officeDocument/2006/relationships" r:dm="rId2" r:lo="rId3" r:qs="rId4" r:cs="rId5"/>
-          </a:graphicData>
-        </a:graphic>
-      </p:graphicFrame>
-    </p:spTree>
-    <p:extLst>
-      <p:ext uri="{BB962C8B-B14F-4D97-AF65-F5344CB8AC3E}">
-        <p14:creationId xmlns:p14="http://schemas.microsoft.com/office/powerpoint/2010/main" val="914173274"/>
       </p:ext>
     </p:extLst>
   </p:cSld>

--- a/doc/HireHeroes.pptx
+++ b/doc/HireHeroes.pptx
@@ -12,16 +12,16 @@
     <p:sldId id="274" r:id="rId6"/>
     <p:sldId id="275" r:id="rId7"/>
     <p:sldId id="269" r:id="rId8"/>
-    <p:sldId id="276" r:id="rId9"/>
-    <p:sldId id="262" r:id="rId10"/>
-    <p:sldId id="260" r:id="rId11"/>
-    <p:sldId id="261" r:id="rId12"/>
-    <p:sldId id="263" r:id="rId13"/>
-    <p:sldId id="266" r:id="rId14"/>
-    <p:sldId id="264" r:id="rId15"/>
-    <p:sldId id="265" r:id="rId16"/>
-    <p:sldId id="271" r:id="rId17"/>
-    <p:sldId id="272" r:id="rId18"/>
+    <p:sldId id="262" r:id="rId9"/>
+    <p:sldId id="260" r:id="rId10"/>
+    <p:sldId id="261" r:id="rId11"/>
+    <p:sldId id="263" r:id="rId12"/>
+    <p:sldId id="266" r:id="rId13"/>
+    <p:sldId id="264" r:id="rId14"/>
+    <p:sldId id="265" r:id="rId15"/>
+    <p:sldId id="271" r:id="rId16"/>
+    <p:sldId id="272" r:id="rId17"/>
+    <p:sldId id="277" r:id="rId18"/>
     <p:sldId id="273" r:id="rId19"/>
     <p:sldId id="267" r:id="rId20"/>
     <p:sldId id="270" r:id="rId21"/>
@@ -2085,7 +2085,7 @@
 <dgm:dataModel xmlns:dgm="http://schemas.openxmlformats.org/drawingml/2006/diagram" xmlns:a="http://schemas.openxmlformats.org/drawingml/2006/main">
   <dgm:ptLst>
     <dgm:pt modelId="{6CAB0D0A-0553-491F-A241-C5D2535C9337}" type="doc">
-      <dgm:prSet loTypeId="urn:microsoft.com/office/officeart/2005/8/layout/StepDownProcess" loCatId="process" qsTypeId="urn:microsoft.com/office/officeart/2005/8/quickstyle/simple1" qsCatId="simple" csTypeId="urn:microsoft.com/office/officeart/2005/8/colors/accent1_2" csCatId="accent1" phldr="1"/>
+      <dgm:prSet loTypeId="urn:microsoft.com/office/officeart/2005/8/layout/process1" loCatId="process" qsTypeId="urn:microsoft.com/office/officeart/2005/8/quickstyle/simple1" qsCatId="simple" csTypeId="urn:microsoft.com/office/officeart/2005/8/colors/accent1_2" csCatId="accent1" phldr="1"/>
       <dgm:spPr/>
       <dgm:t>
         <a:bodyPr/>
@@ -2129,39 +2129,6 @@
       </dgm:t>
     </dgm:pt>
     <dgm:pt modelId="{29A52637-7340-42A0-BA94-5B7AF342362B}" type="sibTrans" cxnId="{99D6A873-3F95-4973-8300-5E69235490AB}">
-      <dgm:prSet/>
-      <dgm:spPr/>
-      <dgm:t>
-        <a:bodyPr/>
-        <a:lstStyle/>
-        <a:p>
-          <a:endParaRPr lang="LID4096"/>
-        </a:p>
-      </dgm:t>
-    </dgm:pt>
-    <dgm:pt modelId="{C340DB21-FEB3-40FD-95A8-1766922CCBF2}">
-      <dgm:prSet phldrT="[Text]" phldr="1"/>
-      <dgm:spPr/>
-      <dgm:t>
-        <a:bodyPr/>
-        <a:lstStyle/>
-        <a:p>
-          <a:endParaRPr lang="LID4096" dirty="0"/>
-        </a:p>
-      </dgm:t>
-    </dgm:pt>
-    <dgm:pt modelId="{38C9B97C-37C2-4790-A3F2-C6C3A688CA95}" type="parTrans" cxnId="{185995EC-D698-4A66-8675-EF8D644F43A5}">
-      <dgm:prSet/>
-      <dgm:spPr/>
-      <dgm:t>
-        <a:bodyPr/>
-        <a:lstStyle/>
-        <a:p>
-          <a:endParaRPr lang="LID4096"/>
-        </a:p>
-      </dgm:t>
-    </dgm:pt>
-    <dgm:pt modelId="{FD708FBC-2067-4D6F-91D9-EDCA0FEC6B92}" type="sibTrans" cxnId="{185995EC-D698-4A66-8675-EF8D644F43A5}">
       <dgm:prSet/>
       <dgm:spPr/>
       <dgm:t>
@@ -2216,39 +2183,6 @@
         </a:p>
       </dgm:t>
     </dgm:pt>
-    <dgm:pt modelId="{6050D768-1B6C-4C23-A07D-0FD1DF62524F}">
-      <dgm:prSet phldrT="[Text]" phldr="1"/>
-      <dgm:spPr/>
-      <dgm:t>
-        <a:bodyPr/>
-        <a:lstStyle/>
-        <a:p>
-          <a:endParaRPr lang="LID4096"/>
-        </a:p>
-      </dgm:t>
-    </dgm:pt>
-    <dgm:pt modelId="{95B45ADB-75D0-4FBD-9374-A7085EB6033D}" type="parTrans" cxnId="{9383C26F-E54B-4B8D-8CB8-39642D3051DA}">
-      <dgm:prSet/>
-      <dgm:spPr/>
-      <dgm:t>
-        <a:bodyPr/>
-        <a:lstStyle/>
-        <a:p>
-          <a:endParaRPr lang="LID4096"/>
-        </a:p>
-      </dgm:t>
-    </dgm:pt>
-    <dgm:pt modelId="{D9DE8B1B-E24D-4C43-89D5-FF483550BBA8}" type="sibTrans" cxnId="{9383C26F-E54B-4B8D-8CB8-39642D3051DA}">
-      <dgm:prSet/>
-      <dgm:spPr/>
-      <dgm:t>
-        <a:bodyPr/>
-        <a:lstStyle/>
-        <a:p>
-          <a:endParaRPr lang="LID4096"/>
-        </a:p>
-      </dgm:t>
-    </dgm:pt>
     <dgm:pt modelId="{9702D32A-4D89-4A87-AF42-24F40FA5201E}">
       <dgm:prSet phldrT="[Text]" custT="1"/>
       <dgm:spPr/>
@@ -2287,39 +2221,6 @@
       </dgm:t>
     </dgm:pt>
     <dgm:pt modelId="{BDB002BB-2700-432E-93A8-9937434B07A9}" type="sibTrans" cxnId="{AB8E8B50-0806-45E5-9702-64810FFE7552}">
-      <dgm:prSet/>
-      <dgm:spPr/>
-      <dgm:t>
-        <a:bodyPr/>
-        <a:lstStyle/>
-        <a:p>
-          <a:endParaRPr lang="LID4096"/>
-        </a:p>
-      </dgm:t>
-    </dgm:pt>
-    <dgm:pt modelId="{3971C2C9-5161-48E1-BA74-88C9450AE083}">
-      <dgm:prSet phldrT="[Text]" phldr="1"/>
-      <dgm:spPr/>
-      <dgm:t>
-        <a:bodyPr/>
-        <a:lstStyle/>
-        <a:p>
-          <a:endParaRPr lang="LID4096" dirty="0"/>
-        </a:p>
-      </dgm:t>
-    </dgm:pt>
-    <dgm:pt modelId="{B61ADF1C-1F05-48C0-A954-DA151530AD88}" type="parTrans" cxnId="{254F4050-48A5-411D-807B-3C59F26FE644}">
-      <dgm:prSet/>
-      <dgm:spPr/>
-      <dgm:t>
-        <a:bodyPr/>
-        <a:lstStyle/>
-        <a:p>
-          <a:endParaRPr lang="LID4096"/>
-        </a:p>
-      </dgm:t>
-    </dgm:pt>
-    <dgm:pt modelId="{EB2CCF5C-35EA-4E84-B371-2114AE2B7493}" type="sibTrans" cxnId="{254F4050-48A5-411D-807B-3C59F26FE644}">
       <dgm:prSet/>
       <dgm:spPr/>
       <dgm:t>
@@ -2468,186 +2369,98 @@
         </a:p>
       </dgm:t>
     </dgm:pt>
-    <dgm:pt modelId="{A1CC5D6F-FDC5-4109-9DF1-32767631AF35}" type="pres">
-      <dgm:prSet presAssocID="{6CAB0D0A-0553-491F-A241-C5D2535C9337}" presName="rootnode" presStyleCnt="0">
+    <dgm:pt modelId="{7D36B663-7745-4A53-A974-030F2E60E8FA}" type="pres">
+      <dgm:prSet presAssocID="{6CAB0D0A-0553-491F-A241-C5D2535C9337}" presName="Name0" presStyleCnt="0">
         <dgm:presLayoutVars>
-          <dgm:chMax/>
-          <dgm:chPref/>
           <dgm:dir/>
-          <dgm:animLvl val="lvl"/>
+          <dgm:resizeHandles val="exact"/>
         </dgm:presLayoutVars>
       </dgm:prSet>
       <dgm:spPr/>
     </dgm:pt>
-    <dgm:pt modelId="{1825731D-AF1B-4F44-9701-65D52058ABF2}" type="pres">
-      <dgm:prSet presAssocID="{C54665E9-D174-40F9-935E-AA6886921371}" presName="composite" presStyleCnt="0"/>
-      <dgm:spPr/>
-    </dgm:pt>
-    <dgm:pt modelId="{B28123B3-AD0D-4916-AF17-C9EAE7AFA5A1}" type="pres">
-      <dgm:prSet presAssocID="{C54665E9-D174-40F9-935E-AA6886921371}" presName="bentUpArrow1" presStyleLbl="alignImgPlace1" presStyleIdx="0" presStyleCnt="5"/>
-      <dgm:spPr/>
-    </dgm:pt>
-    <dgm:pt modelId="{3222AD7E-93BF-42A2-A92F-5A17B3A028C1}" type="pres">
-      <dgm:prSet presAssocID="{C54665E9-D174-40F9-935E-AA6886921371}" presName="ParentText" presStyleLbl="node1" presStyleIdx="0" presStyleCnt="6" custScaleX="222427" custScaleY="94273">
+    <dgm:pt modelId="{B97D10DC-42F0-480E-9A11-620BD101B304}" type="pres">
+      <dgm:prSet presAssocID="{C54665E9-D174-40F9-935E-AA6886921371}" presName="node" presStyleLbl="node1" presStyleIdx="0" presStyleCnt="6">
         <dgm:presLayoutVars>
-          <dgm:chMax val="1"/>
-          <dgm:chPref val="1"/>
           <dgm:bulletEnabled val="1"/>
         </dgm:presLayoutVars>
       </dgm:prSet>
       <dgm:spPr/>
     </dgm:pt>
-    <dgm:pt modelId="{C8560F47-3E1D-4521-99E0-03FB4B4DBF80}" type="pres">
-      <dgm:prSet presAssocID="{C54665E9-D174-40F9-935E-AA6886921371}" presName="ChildText" presStyleLbl="revTx" presStyleIdx="0" presStyleCnt="5">
+    <dgm:pt modelId="{F8D8B46F-0EF0-4AE9-995A-FAD631FFCD8F}" type="pres">
+      <dgm:prSet presAssocID="{29A52637-7340-42A0-BA94-5B7AF342362B}" presName="sibTrans" presStyleLbl="sibTrans2D1" presStyleIdx="0" presStyleCnt="5"/>
+      <dgm:spPr/>
+    </dgm:pt>
+    <dgm:pt modelId="{63430C4F-B375-4D6B-8579-E1F3A65A64E2}" type="pres">
+      <dgm:prSet presAssocID="{29A52637-7340-42A0-BA94-5B7AF342362B}" presName="connectorText" presStyleLbl="sibTrans2D1" presStyleIdx="0" presStyleCnt="5"/>
+      <dgm:spPr/>
+    </dgm:pt>
+    <dgm:pt modelId="{135149C1-6C8B-40DF-953D-D5118C5CC264}" type="pres">
+      <dgm:prSet presAssocID="{D114DA6B-D512-40D2-A7E1-6D31F89143A9}" presName="node" presStyleLbl="node1" presStyleIdx="1" presStyleCnt="6">
         <dgm:presLayoutVars>
-          <dgm:chMax val="0"/>
-          <dgm:chPref val="0"/>
           <dgm:bulletEnabled val="1"/>
         </dgm:presLayoutVars>
       </dgm:prSet>
       <dgm:spPr/>
     </dgm:pt>
-    <dgm:pt modelId="{2390CA05-489B-4AE5-B469-F59DA226C299}" type="pres">
-      <dgm:prSet presAssocID="{29A52637-7340-42A0-BA94-5B7AF342362B}" presName="sibTrans" presStyleCnt="0"/>
+    <dgm:pt modelId="{1FD41C96-B4F7-4850-BA8C-DB232A09FA0C}" type="pres">
+      <dgm:prSet presAssocID="{70E8C14C-5605-475C-B3F4-D1BE3EA485A2}" presName="sibTrans" presStyleLbl="sibTrans2D1" presStyleIdx="1" presStyleCnt="5"/>
       <dgm:spPr/>
     </dgm:pt>
-    <dgm:pt modelId="{18C7A3A3-EABB-456B-AE62-ADC2D208DF61}" type="pres">
-      <dgm:prSet presAssocID="{D114DA6B-D512-40D2-A7E1-6D31F89143A9}" presName="composite" presStyleCnt="0"/>
+    <dgm:pt modelId="{D92F32E8-7826-4610-BD0D-989DEC1F1418}" type="pres">
+      <dgm:prSet presAssocID="{70E8C14C-5605-475C-B3F4-D1BE3EA485A2}" presName="connectorText" presStyleLbl="sibTrans2D1" presStyleIdx="1" presStyleCnt="5"/>
       <dgm:spPr/>
     </dgm:pt>
-    <dgm:pt modelId="{E8938D90-C5C1-49D6-9369-518D1B7B75AA}" type="pres">
-      <dgm:prSet presAssocID="{D114DA6B-D512-40D2-A7E1-6D31F89143A9}" presName="bentUpArrow1" presStyleLbl="alignImgPlace1" presStyleIdx="1" presStyleCnt="5"/>
-      <dgm:spPr/>
-    </dgm:pt>
-    <dgm:pt modelId="{DBECB7D1-6C27-4382-95E1-6A254D4DF3A8}" type="pres">
-      <dgm:prSet presAssocID="{D114DA6B-D512-40D2-A7E1-6D31F89143A9}" presName="ParentText" presStyleLbl="node1" presStyleIdx="1" presStyleCnt="6" custScaleX="222427" custScaleY="94273">
+    <dgm:pt modelId="{58CF4C48-D5C7-4EE0-8739-7B9FFCBBD997}" type="pres">
+      <dgm:prSet presAssocID="{9702D32A-4D89-4A87-AF42-24F40FA5201E}" presName="node" presStyleLbl="node1" presStyleIdx="2" presStyleCnt="6">
         <dgm:presLayoutVars>
-          <dgm:chMax val="1"/>
-          <dgm:chPref val="1"/>
           <dgm:bulletEnabled val="1"/>
         </dgm:presLayoutVars>
       </dgm:prSet>
       <dgm:spPr/>
     </dgm:pt>
-    <dgm:pt modelId="{02B37351-EAAB-413C-9BEC-C50F375547C4}" type="pres">
-      <dgm:prSet presAssocID="{D114DA6B-D512-40D2-A7E1-6D31F89143A9}" presName="ChildText" presStyleLbl="revTx" presStyleIdx="1" presStyleCnt="5">
+    <dgm:pt modelId="{167E28EB-5D8C-436D-B729-2D85223B3548}" type="pres">
+      <dgm:prSet presAssocID="{BDB002BB-2700-432E-93A8-9937434B07A9}" presName="sibTrans" presStyleLbl="sibTrans2D1" presStyleIdx="2" presStyleCnt="5"/>
+      <dgm:spPr/>
+    </dgm:pt>
+    <dgm:pt modelId="{AE201CAA-03AA-41E3-8F19-CBBF23CF918B}" type="pres">
+      <dgm:prSet presAssocID="{BDB002BB-2700-432E-93A8-9937434B07A9}" presName="connectorText" presStyleLbl="sibTrans2D1" presStyleIdx="2" presStyleCnt="5"/>
+      <dgm:spPr/>
+    </dgm:pt>
+    <dgm:pt modelId="{7DAC4B70-D408-40CE-A586-397A1E1CE8EF}" type="pres">
+      <dgm:prSet presAssocID="{FDBAD451-9C58-42CA-91AB-16818FB688F2}" presName="node" presStyleLbl="node1" presStyleIdx="3" presStyleCnt="6">
         <dgm:presLayoutVars>
-          <dgm:chMax val="0"/>
-          <dgm:chPref val="0"/>
           <dgm:bulletEnabled val="1"/>
         </dgm:presLayoutVars>
       </dgm:prSet>
       <dgm:spPr/>
     </dgm:pt>
-    <dgm:pt modelId="{A7A5863C-6E93-4727-B9AC-731E1340A1D7}" type="pres">
-      <dgm:prSet presAssocID="{70E8C14C-5605-475C-B3F4-D1BE3EA485A2}" presName="sibTrans" presStyleCnt="0"/>
+    <dgm:pt modelId="{BE855A72-0EB6-450B-A228-E8B35DB97E35}" type="pres">
+      <dgm:prSet presAssocID="{7993E163-635E-4CE9-8023-AD7A25F9F1E8}" presName="sibTrans" presStyleLbl="sibTrans2D1" presStyleIdx="3" presStyleCnt="5"/>
       <dgm:spPr/>
     </dgm:pt>
-    <dgm:pt modelId="{4789A812-74A7-4C58-B477-B85818A3D5BC}" type="pres">
-      <dgm:prSet presAssocID="{9702D32A-4D89-4A87-AF42-24F40FA5201E}" presName="composite" presStyleCnt="0"/>
+    <dgm:pt modelId="{2B5A4363-F294-4C0D-90AB-6C619B4106A6}" type="pres">
+      <dgm:prSet presAssocID="{7993E163-635E-4CE9-8023-AD7A25F9F1E8}" presName="connectorText" presStyleLbl="sibTrans2D1" presStyleIdx="3" presStyleCnt="5"/>
       <dgm:spPr/>
     </dgm:pt>
-    <dgm:pt modelId="{4F493A66-B9FB-4833-A198-5238CF0FC51D}" type="pres">
-      <dgm:prSet presAssocID="{9702D32A-4D89-4A87-AF42-24F40FA5201E}" presName="bentUpArrow1" presStyleLbl="alignImgPlace1" presStyleIdx="2" presStyleCnt="5"/>
-      <dgm:spPr/>
-    </dgm:pt>
-    <dgm:pt modelId="{4A3E8CB3-EBD7-48C6-AA58-7226C805E7B3}" type="pres">
-      <dgm:prSet presAssocID="{9702D32A-4D89-4A87-AF42-24F40FA5201E}" presName="ParentText" presStyleLbl="node1" presStyleIdx="2" presStyleCnt="6" custScaleX="222427" custScaleY="94273">
+    <dgm:pt modelId="{37C8193E-5CFD-47DD-BDD2-18BAE06F19B3}" type="pres">
+      <dgm:prSet presAssocID="{606B7E3A-ED15-4CBF-A8B5-084F44DE47B6}" presName="node" presStyleLbl="node1" presStyleIdx="4" presStyleCnt="6">
         <dgm:presLayoutVars>
-          <dgm:chMax val="1"/>
-          <dgm:chPref val="1"/>
           <dgm:bulletEnabled val="1"/>
         </dgm:presLayoutVars>
       </dgm:prSet>
       <dgm:spPr/>
     </dgm:pt>
-    <dgm:pt modelId="{F58EE575-F457-4EC2-9B42-03A61CC42259}" type="pres">
-      <dgm:prSet presAssocID="{9702D32A-4D89-4A87-AF42-24F40FA5201E}" presName="ChildText" presStyleLbl="revTx" presStyleIdx="2" presStyleCnt="5">
-        <dgm:presLayoutVars>
-          <dgm:chMax val="0"/>
-          <dgm:chPref val="0"/>
-          <dgm:bulletEnabled val="1"/>
-        </dgm:presLayoutVars>
-      </dgm:prSet>
+    <dgm:pt modelId="{FB925A65-47C0-451E-BB33-C3A36F74F9D7}" type="pres">
+      <dgm:prSet presAssocID="{F2F0F3CB-78CC-4B98-AF14-5F9C902B766E}" presName="sibTrans" presStyleLbl="sibTrans2D1" presStyleIdx="4" presStyleCnt="5"/>
       <dgm:spPr/>
     </dgm:pt>
-    <dgm:pt modelId="{4AE11D2C-ED83-48C1-8BAA-1ED9A1DCBA5E}" type="pres">
-      <dgm:prSet presAssocID="{BDB002BB-2700-432E-93A8-9937434B07A9}" presName="sibTrans" presStyleCnt="0"/>
+    <dgm:pt modelId="{41D9C2B9-D7BD-46BA-AF5D-D658DF658808}" type="pres">
+      <dgm:prSet presAssocID="{F2F0F3CB-78CC-4B98-AF14-5F9C902B766E}" presName="connectorText" presStyleLbl="sibTrans2D1" presStyleIdx="4" presStyleCnt="5"/>
       <dgm:spPr/>
     </dgm:pt>
-    <dgm:pt modelId="{B54B7411-71D8-41CA-96F4-980FB6A0E3BF}" type="pres">
-      <dgm:prSet presAssocID="{FDBAD451-9C58-42CA-91AB-16818FB688F2}" presName="composite" presStyleCnt="0"/>
-      <dgm:spPr/>
-    </dgm:pt>
-    <dgm:pt modelId="{890E13E0-4C61-4EE8-A12C-245088BDC87F}" type="pres">
-      <dgm:prSet presAssocID="{FDBAD451-9C58-42CA-91AB-16818FB688F2}" presName="bentUpArrow1" presStyleLbl="alignImgPlace1" presStyleIdx="3" presStyleCnt="5"/>
-      <dgm:spPr/>
-    </dgm:pt>
-    <dgm:pt modelId="{3E5821E5-B754-45F3-9797-7BB86376F5B3}" type="pres">
-      <dgm:prSet presAssocID="{FDBAD451-9C58-42CA-91AB-16818FB688F2}" presName="ParentText" presStyleLbl="node1" presStyleIdx="3" presStyleCnt="6" custScaleX="222427" custScaleY="94273">
+    <dgm:pt modelId="{5D74786E-BE3B-414B-9B10-318AD4F6995D}" type="pres">
+      <dgm:prSet presAssocID="{97902DD5-0ED7-4EB0-B3C0-505A0F866896}" presName="node" presStyleLbl="node1" presStyleIdx="5" presStyleCnt="6">
         <dgm:presLayoutVars>
-          <dgm:chMax val="1"/>
-          <dgm:chPref val="1"/>
-          <dgm:bulletEnabled val="1"/>
-        </dgm:presLayoutVars>
-      </dgm:prSet>
-      <dgm:spPr/>
-    </dgm:pt>
-    <dgm:pt modelId="{F0284499-8EA5-4208-A7A1-5F28F5495669}" type="pres">
-      <dgm:prSet presAssocID="{FDBAD451-9C58-42CA-91AB-16818FB688F2}" presName="ChildText" presStyleLbl="revTx" presStyleIdx="3" presStyleCnt="5">
-        <dgm:presLayoutVars>
-          <dgm:chMax val="0"/>
-          <dgm:chPref val="0"/>
-          <dgm:bulletEnabled val="1"/>
-        </dgm:presLayoutVars>
-      </dgm:prSet>
-      <dgm:spPr/>
-    </dgm:pt>
-    <dgm:pt modelId="{A2D10FBA-804A-453F-8E24-5B560FF9E865}" type="pres">
-      <dgm:prSet presAssocID="{7993E163-635E-4CE9-8023-AD7A25F9F1E8}" presName="sibTrans" presStyleCnt="0"/>
-      <dgm:spPr/>
-    </dgm:pt>
-    <dgm:pt modelId="{1EF95261-4526-46EE-A8AD-E7A5297D247D}" type="pres">
-      <dgm:prSet presAssocID="{606B7E3A-ED15-4CBF-A8B5-084F44DE47B6}" presName="composite" presStyleCnt="0"/>
-      <dgm:spPr/>
-    </dgm:pt>
-    <dgm:pt modelId="{200AFA04-229D-4119-98E0-C73E4C2A2DB7}" type="pres">
-      <dgm:prSet presAssocID="{606B7E3A-ED15-4CBF-A8B5-084F44DE47B6}" presName="bentUpArrow1" presStyleLbl="alignImgPlace1" presStyleIdx="4" presStyleCnt="5"/>
-      <dgm:spPr/>
-    </dgm:pt>
-    <dgm:pt modelId="{57E999AE-52E5-47CD-96DE-37CFA7A8F4FB}" type="pres">
-      <dgm:prSet presAssocID="{606B7E3A-ED15-4CBF-A8B5-084F44DE47B6}" presName="ParentText" presStyleLbl="node1" presStyleIdx="4" presStyleCnt="6" custScaleX="222427" custScaleY="94273">
-        <dgm:presLayoutVars>
-          <dgm:chMax val="1"/>
-          <dgm:chPref val="1"/>
-          <dgm:bulletEnabled val="1"/>
-        </dgm:presLayoutVars>
-      </dgm:prSet>
-      <dgm:spPr/>
-    </dgm:pt>
-    <dgm:pt modelId="{D0381662-9BD9-4E1D-AEDC-C7C5001C46BB}" type="pres">
-      <dgm:prSet presAssocID="{606B7E3A-ED15-4CBF-A8B5-084F44DE47B6}" presName="ChildText" presStyleLbl="revTx" presStyleIdx="4" presStyleCnt="5">
-        <dgm:presLayoutVars>
-          <dgm:chMax val="0"/>
-          <dgm:chPref val="0"/>
-          <dgm:bulletEnabled val="1"/>
-        </dgm:presLayoutVars>
-      </dgm:prSet>
-      <dgm:spPr/>
-    </dgm:pt>
-    <dgm:pt modelId="{1D3EED7A-40D0-480C-B98B-7C09CAA1589A}" type="pres">
-      <dgm:prSet presAssocID="{F2F0F3CB-78CC-4B98-AF14-5F9C902B766E}" presName="sibTrans" presStyleCnt="0"/>
-      <dgm:spPr/>
-    </dgm:pt>
-    <dgm:pt modelId="{8FE45D5D-C713-41F3-B59A-575423F8AFEB}" type="pres">
-      <dgm:prSet presAssocID="{97902DD5-0ED7-4EB0-B3C0-505A0F866896}" presName="composite" presStyleCnt="0"/>
-      <dgm:spPr/>
-    </dgm:pt>
-    <dgm:pt modelId="{A9514D8D-8E1B-460D-AAF0-63E53EBC31A0}" type="pres">
-      <dgm:prSet presAssocID="{97902DD5-0ED7-4EB0-B3C0-505A0F866896}" presName="ParentText" presStyleLbl="node1" presStyleIdx="5" presStyleCnt="6" custScaleX="222427" custScaleY="94273">
-        <dgm:presLayoutVars>
-          <dgm:chMax val="1"/>
-          <dgm:chPref val="1"/>
           <dgm:bulletEnabled val="1"/>
         </dgm:presLayoutVars>
       </dgm:prSet>
@@ -2655,52 +2468,45 @@
     </dgm:pt>
   </dgm:ptLst>
   <dgm:cxnLst>
-    <dgm:cxn modelId="{C94DA714-B1C8-437F-B97E-BBFEB9181E8D}" type="presOf" srcId="{C54665E9-D174-40F9-935E-AA6886921371}" destId="{3222AD7E-93BF-42A2-A92F-5A17B3A028C1}" srcOrd="0" destOrd="0" presId="urn:microsoft.com/office/officeart/2005/8/layout/StepDownProcess"/>
-    <dgm:cxn modelId="{43AB0A28-E84D-4A2B-87C3-AC761D58492F}" type="presOf" srcId="{3971C2C9-5161-48E1-BA74-88C9450AE083}" destId="{F58EE575-F457-4EC2-9B42-03A61CC42259}" srcOrd="0" destOrd="0" presId="urn:microsoft.com/office/officeart/2005/8/layout/StepDownProcess"/>
+    <dgm:cxn modelId="{4351BF2D-C1DC-46A3-ABCA-3A580055EC07}" type="presOf" srcId="{FDBAD451-9C58-42CA-91AB-16818FB688F2}" destId="{7DAC4B70-D408-40CE-A586-397A1E1CE8EF}" srcOrd="0" destOrd="0" presId="urn:microsoft.com/office/officeart/2005/8/layout/process1"/>
+    <dgm:cxn modelId="{9CBA9D38-1F19-426C-9C83-C20818B1CF98}" type="presOf" srcId="{BDB002BB-2700-432E-93A8-9937434B07A9}" destId="{167E28EB-5D8C-436D-B729-2D85223B3548}" srcOrd="0" destOrd="0" presId="urn:microsoft.com/office/officeart/2005/8/layout/process1"/>
     <dgm:cxn modelId="{86F9265C-D2C3-4FEC-A420-AD96B862DAE4}" srcId="{6CAB0D0A-0553-491F-A241-C5D2535C9337}" destId="{D114DA6B-D512-40D2-A7E1-6D31F89143A9}" srcOrd="1" destOrd="0" parTransId="{A35E008B-E6BF-4F26-A638-796347DC1BF7}" sibTransId="{70E8C14C-5605-475C-B3F4-D1BE3EA485A2}"/>
-    <dgm:cxn modelId="{5E339264-EEFA-4437-BA8D-70C19AA0E4A7}" type="presOf" srcId="{FDBAD451-9C58-42CA-91AB-16818FB688F2}" destId="{3E5821E5-B754-45F3-9797-7BB86376F5B3}" srcOrd="0" destOrd="0" presId="urn:microsoft.com/office/officeart/2005/8/layout/StepDownProcess"/>
     <dgm:cxn modelId="{283ACC45-6D58-469D-98F9-B744B3B41280}" srcId="{6CAB0D0A-0553-491F-A241-C5D2535C9337}" destId="{FDBAD451-9C58-42CA-91AB-16818FB688F2}" srcOrd="3" destOrd="0" parTransId="{72378F35-FD0D-4858-8C12-EB465DAD1D66}" sibTransId="{7993E163-635E-4CE9-8023-AD7A25F9F1E8}"/>
-    <dgm:cxn modelId="{7DD5896C-5259-4657-A028-48149AE0E9CA}" type="presOf" srcId="{97902DD5-0ED7-4EB0-B3C0-505A0F866896}" destId="{A9514D8D-8E1B-460D-AAF0-63E53EBC31A0}" srcOrd="0" destOrd="0" presId="urn:microsoft.com/office/officeart/2005/8/layout/StepDownProcess"/>
+    <dgm:cxn modelId="{11994469-BDA9-4A37-961D-081678852415}" type="presOf" srcId="{70E8C14C-5605-475C-B3F4-D1BE3EA485A2}" destId="{1FD41C96-B4F7-4850-BA8C-DB232A09FA0C}" srcOrd="0" destOrd="0" presId="urn:microsoft.com/office/officeart/2005/8/layout/process1"/>
+    <dgm:cxn modelId="{7226076A-F281-4A49-ADC3-2B634B157D3B}" type="presOf" srcId="{C54665E9-D174-40F9-935E-AA6886921371}" destId="{B97D10DC-42F0-480E-9A11-620BD101B304}" srcOrd="0" destOrd="0" presId="urn:microsoft.com/office/officeart/2005/8/layout/process1"/>
     <dgm:cxn modelId="{8439EA6C-21C2-497D-8FC4-98A1F4E57648}" srcId="{6CAB0D0A-0553-491F-A241-C5D2535C9337}" destId="{606B7E3A-ED15-4CBF-A8B5-084F44DE47B6}" srcOrd="4" destOrd="0" parTransId="{733414EB-DFC2-41D4-8D0C-5E0D0F2CB083}" sibTransId="{F2F0F3CB-78CC-4B98-AF14-5F9C902B766E}"/>
-    <dgm:cxn modelId="{9383C26F-E54B-4B8D-8CB8-39642D3051DA}" srcId="{D114DA6B-D512-40D2-A7E1-6D31F89143A9}" destId="{6050D768-1B6C-4C23-A07D-0FD1DF62524F}" srcOrd="0" destOrd="0" parTransId="{95B45ADB-75D0-4FBD-9374-A7085EB6033D}" sibTransId="{D9DE8B1B-E24D-4C43-89D5-FF483550BBA8}"/>
-    <dgm:cxn modelId="{F768F34F-607A-4957-A021-FF8ABAD42F52}" type="presOf" srcId="{9702D32A-4D89-4A87-AF42-24F40FA5201E}" destId="{4A3E8CB3-EBD7-48C6-AA58-7226C805E7B3}" srcOrd="0" destOrd="0" presId="urn:microsoft.com/office/officeart/2005/8/layout/StepDownProcess"/>
-    <dgm:cxn modelId="{254F4050-48A5-411D-807B-3C59F26FE644}" srcId="{9702D32A-4D89-4A87-AF42-24F40FA5201E}" destId="{3971C2C9-5161-48E1-BA74-88C9450AE083}" srcOrd="0" destOrd="0" parTransId="{B61ADF1C-1F05-48C0-A954-DA151530AD88}" sibTransId="{EB2CCF5C-35EA-4E84-B371-2114AE2B7493}"/>
     <dgm:cxn modelId="{AB8E8B50-0806-45E5-9702-64810FFE7552}" srcId="{6CAB0D0A-0553-491F-A241-C5D2535C9337}" destId="{9702D32A-4D89-4A87-AF42-24F40FA5201E}" srcOrd="2" destOrd="0" parTransId="{5B3F3EA0-5FFA-4A8E-A1A5-09B70F6D9C27}" sibTransId="{BDB002BB-2700-432E-93A8-9937434B07A9}"/>
     <dgm:cxn modelId="{99D6A873-3F95-4973-8300-5E69235490AB}" srcId="{6CAB0D0A-0553-491F-A241-C5D2535C9337}" destId="{C54665E9-D174-40F9-935E-AA6886921371}" srcOrd="0" destOrd="0" parTransId="{85AEB2B3-3AA4-4CD2-A2F6-6DF737A6BAE7}" sibTransId="{29A52637-7340-42A0-BA94-5B7AF342362B}"/>
-    <dgm:cxn modelId="{63DDD795-2615-4335-A6AB-4314B1A18751}" type="presOf" srcId="{C340DB21-FEB3-40FD-95A8-1766922CCBF2}" destId="{C8560F47-3E1D-4521-99E0-03FB4B4DBF80}" srcOrd="0" destOrd="0" presId="urn:microsoft.com/office/officeart/2005/8/layout/StepDownProcess"/>
-    <dgm:cxn modelId="{3E895396-4856-445F-A854-726A93391048}" type="presOf" srcId="{606B7E3A-ED15-4CBF-A8B5-084F44DE47B6}" destId="{57E999AE-52E5-47CD-96DE-37CFA7A8F4FB}" srcOrd="0" destOrd="0" presId="urn:microsoft.com/office/officeart/2005/8/layout/StepDownProcess"/>
-    <dgm:cxn modelId="{E406ED9B-FDF9-47DB-B69E-110D17961068}" type="presOf" srcId="{D114DA6B-D512-40D2-A7E1-6D31F89143A9}" destId="{DBECB7D1-6C27-4382-95E1-6A254D4DF3A8}" srcOrd="0" destOrd="0" presId="urn:microsoft.com/office/officeart/2005/8/layout/StepDownProcess"/>
+    <dgm:cxn modelId="{2D44048C-6440-4E21-A6F3-8C43A2D8F323}" type="presOf" srcId="{7993E163-635E-4CE9-8023-AD7A25F9F1E8}" destId="{BE855A72-0EB6-450B-A228-E8B35DB97E35}" srcOrd="0" destOrd="0" presId="urn:microsoft.com/office/officeart/2005/8/layout/process1"/>
+    <dgm:cxn modelId="{0454678D-0A61-45F8-8239-39040D0CD6EE}" type="presOf" srcId="{9702D32A-4D89-4A87-AF42-24F40FA5201E}" destId="{58CF4C48-D5C7-4EE0-8739-7B9FFCBBD997}" srcOrd="0" destOrd="0" presId="urn:microsoft.com/office/officeart/2005/8/layout/process1"/>
+    <dgm:cxn modelId="{FB64ED94-11AA-45C4-ADBE-967661B7796A}" type="presOf" srcId="{7993E163-635E-4CE9-8023-AD7A25F9F1E8}" destId="{2B5A4363-F294-4C0D-90AB-6C619B4106A6}" srcOrd="1" destOrd="0" presId="urn:microsoft.com/office/officeart/2005/8/layout/process1"/>
+    <dgm:cxn modelId="{552F5295-FC9A-434B-A25C-E98ECB19C579}" type="presOf" srcId="{70E8C14C-5605-475C-B3F4-D1BE3EA485A2}" destId="{D92F32E8-7826-4610-BD0D-989DEC1F1418}" srcOrd="1" destOrd="0" presId="urn:microsoft.com/office/officeart/2005/8/layout/process1"/>
     <dgm:cxn modelId="{3AF53FA7-3497-4192-B6B4-A2755DBF8A80}" srcId="{6CAB0D0A-0553-491F-A241-C5D2535C9337}" destId="{97902DD5-0ED7-4EB0-B3C0-505A0F866896}" srcOrd="5" destOrd="0" parTransId="{DC4B6119-5775-4912-AE4A-35A000077F6C}" sibTransId="{3BE0EB31-9DEC-4F1A-BFC2-EBF9F077F160}"/>
-    <dgm:cxn modelId="{F8193EE0-76F4-4698-A7BD-6189D85A4B50}" type="presOf" srcId="{6050D768-1B6C-4C23-A07D-0FD1DF62524F}" destId="{02B37351-EAAB-413C-9BEC-C50F375547C4}" srcOrd="0" destOrd="0" presId="urn:microsoft.com/office/officeart/2005/8/layout/StepDownProcess"/>
-    <dgm:cxn modelId="{185995EC-D698-4A66-8675-EF8D644F43A5}" srcId="{C54665E9-D174-40F9-935E-AA6886921371}" destId="{C340DB21-FEB3-40FD-95A8-1766922CCBF2}" srcOrd="0" destOrd="0" parTransId="{38C9B97C-37C2-4790-A3F2-C6C3A688CA95}" sibTransId="{FD708FBC-2067-4D6F-91D9-EDCA0FEC6B92}"/>
-    <dgm:cxn modelId="{0613EDEC-410C-4FB3-B56C-D3585B1AEBF5}" type="presOf" srcId="{6CAB0D0A-0553-491F-A241-C5D2535C9337}" destId="{A1CC5D6F-FDC5-4109-9DF1-32767631AF35}" srcOrd="0" destOrd="0" presId="urn:microsoft.com/office/officeart/2005/8/layout/StepDownProcess"/>
-    <dgm:cxn modelId="{F13CEA7C-2934-43A7-A436-FE0EA0B35DCC}" type="presParOf" srcId="{A1CC5D6F-FDC5-4109-9DF1-32767631AF35}" destId="{1825731D-AF1B-4F44-9701-65D52058ABF2}" srcOrd="0" destOrd="0" presId="urn:microsoft.com/office/officeart/2005/8/layout/StepDownProcess"/>
-    <dgm:cxn modelId="{5F2173AC-65B2-4B85-8E7D-62BF03E0D29D}" type="presParOf" srcId="{1825731D-AF1B-4F44-9701-65D52058ABF2}" destId="{B28123B3-AD0D-4916-AF17-C9EAE7AFA5A1}" srcOrd="0" destOrd="0" presId="urn:microsoft.com/office/officeart/2005/8/layout/StepDownProcess"/>
-    <dgm:cxn modelId="{700025EF-4102-4881-A5E0-9C0776BA607F}" type="presParOf" srcId="{1825731D-AF1B-4F44-9701-65D52058ABF2}" destId="{3222AD7E-93BF-42A2-A92F-5A17B3A028C1}" srcOrd="1" destOrd="0" presId="urn:microsoft.com/office/officeart/2005/8/layout/StepDownProcess"/>
-    <dgm:cxn modelId="{7A74994E-CA13-4A41-B25E-9E89F6DAA22B}" type="presParOf" srcId="{1825731D-AF1B-4F44-9701-65D52058ABF2}" destId="{C8560F47-3E1D-4521-99E0-03FB4B4DBF80}" srcOrd="2" destOrd="0" presId="urn:microsoft.com/office/officeart/2005/8/layout/StepDownProcess"/>
-    <dgm:cxn modelId="{B164A485-8113-46A2-A2E6-A0E73A5A1F42}" type="presParOf" srcId="{A1CC5D6F-FDC5-4109-9DF1-32767631AF35}" destId="{2390CA05-489B-4AE5-B469-F59DA226C299}" srcOrd="1" destOrd="0" presId="urn:microsoft.com/office/officeart/2005/8/layout/StepDownProcess"/>
-    <dgm:cxn modelId="{960335F3-2510-4953-AE2A-D6635339DE05}" type="presParOf" srcId="{A1CC5D6F-FDC5-4109-9DF1-32767631AF35}" destId="{18C7A3A3-EABB-456B-AE62-ADC2D208DF61}" srcOrd="2" destOrd="0" presId="urn:microsoft.com/office/officeart/2005/8/layout/StepDownProcess"/>
-    <dgm:cxn modelId="{8E138C71-F337-4B39-8B40-A112170D29A5}" type="presParOf" srcId="{18C7A3A3-EABB-456B-AE62-ADC2D208DF61}" destId="{E8938D90-C5C1-49D6-9369-518D1B7B75AA}" srcOrd="0" destOrd="0" presId="urn:microsoft.com/office/officeart/2005/8/layout/StepDownProcess"/>
-    <dgm:cxn modelId="{B0167780-3BC4-4566-8AAE-EE16090D1DD3}" type="presParOf" srcId="{18C7A3A3-EABB-456B-AE62-ADC2D208DF61}" destId="{DBECB7D1-6C27-4382-95E1-6A254D4DF3A8}" srcOrd="1" destOrd="0" presId="urn:microsoft.com/office/officeart/2005/8/layout/StepDownProcess"/>
-    <dgm:cxn modelId="{85656B81-D7F7-4FE2-8347-337EE68D71D1}" type="presParOf" srcId="{18C7A3A3-EABB-456B-AE62-ADC2D208DF61}" destId="{02B37351-EAAB-413C-9BEC-C50F375547C4}" srcOrd="2" destOrd="0" presId="urn:microsoft.com/office/officeart/2005/8/layout/StepDownProcess"/>
-    <dgm:cxn modelId="{3CA8BC7A-7EA3-47ED-B2BF-ADCD464404BA}" type="presParOf" srcId="{A1CC5D6F-FDC5-4109-9DF1-32767631AF35}" destId="{A7A5863C-6E93-4727-B9AC-731E1340A1D7}" srcOrd="3" destOrd="0" presId="urn:microsoft.com/office/officeart/2005/8/layout/StepDownProcess"/>
-    <dgm:cxn modelId="{0BAB1F0A-1B38-4BBA-8D76-0A1412A20564}" type="presParOf" srcId="{A1CC5D6F-FDC5-4109-9DF1-32767631AF35}" destId="{4789A812-74A7-4C58-B477-B85818A3D5BC}" srcOrd="4" destOrd="0" presId="urn:microsoft.com/office/officeart/2005/8/layout/StepDownProcess"/>
-    <dgm:cxn modelId="{1433AB15-490C-4098-BE9C-C5C24722416A}" type="presParOf" srcId="{4789A812-74A7-4C58-B477-B85818A3D5BC}" destId="{4F493A66-B9FB-4833-A198-5238CF0FC51D}" srcOrd="0" destOrd="0" presId="urn:microsoft.com/office/officeart/2005/8/layout/StepDownProcess"/>
-    <dgm:cxn modelId="{89C8223C-3131-46F5-8E0F-D16D37DBC210}" type="presParOf" srcId="{4789A812-74A7-4C58-B477-B85818A3D5BC}" destId="{4A3E8CB3-EBD7-48C6-AA58-7226C805E7B3}" srcOrd="1" destOrd="0" presId="urn:microsoft.com/office/officeart/2005/8/layout/StepDownProcess"/>
-    <dgm:cxn modelId="{93055F46-86AB-4256-9307-AE5FD6059DC9}" type="presParOf" srcId="{4789A812-74A7-4C58-B477-B85818A3D5BC}" destId="{F58EE575-F457-4EC2-9B42-03A61CC42259}" srcOrd="2" destOrd="0" presId="urn:microsoft.com/office/officeart/2005/8/layout/StepDownProcess"/>
-    <dgm:cxn modelId="{D4A341A5-8BBA-4C07-A072-700F26E79C1B}" type="presParOf" srcId="{A1CC5D6F-FDC5-4109-9DF1-32767631AF35}" destId="{4AE11D2C-ED83-48C1-8BAA-1ED9A1DCBA5E}" srcOrd="5" destOrd="0" presId="urn:microsoft.com/office/officeart/2005/8/layout/StepDownProcess"/>
-    <dgm:cxn modelId="{49C2D39F-68FB-4D07-ABF2-A221B7A748C4}" type="presParOf" srcId="{A1CC5D6F-FDC5-4109-9DF1-32767631AF35}" destId="{B54B7411-71D8-41CA-96F4-980FB6A0E3BF}" srcOrd="6" destOrd="0" presId="urn:microsoft.com/office/officeart/2005/8/layout/StepDownProcess"/>
-    <dgm:cxn modelId="{2289F184-1790-495A-9881-25DED60E9611}" type="presParOf" srcId="{B54B7411-71D8-41CA-96F4-980FB6A0E3BF}" destId="{890E13E0-4C61-4EE8-A12C-245088BDC87F}" srcOrd="0" destOrd="0" presId="urn:microsoft.com/office/officeart/2005/8/layout/StepDownProcess"/>
-    <dgm:cxn modelId="{1E73C609-C95B-4E4A-8456-CD1C8FAE606E}" type="presParOf" srcId="{B54B7411-71D8-41CA-96F4-980FB6A0E3BF}" destId="{3E5821E5-B754-45F3-9797-7BB86376F5B3}" srcOrd="1" destOrd="0" presId="urn:microsoft.com/office/officeart/2005/8/layout/StepDownProcess"/>
-    <dgm:cxn modelId="{21838091-FD3C-4599-9F2A-37C54BC8D3D1}" type="presParOf" srcId="{B54B7411-71D8-41CA-96F4-980FB6A0E3BF}" destId="{F0284499-8EA5-4208-A7A1-5F28F5495669}" srcOrd="2" destOrd="0" presId="urn:microsoft.com/office/officeart/2005/8/layout/StepDownProcess"/>
-    <dgm:cxn modelId="{CB5DC1C4-BF72-4F6B-8719-B18902ED3FBE}" type="presParOf" srcId="{A1CC5D6F-FDC5-4109-9DF1-32767631AF35}" destId="{A2D10FBA-804A-453F-8E24-5B560FF9E865}" srcOrd="7" destOrd="0" presId="urn:microsoft.com/office/officeart/2005/8/layout/StepDownProcess"/>
-    <dgm:cxn modelId="{1C48FB96-C3CC-4BF5-BD06-8DDE06DDD067}" type="presParOf" srcId="{A1CC5D6F-FDC5-4109-9DF1-32767631AF35}" destId="{1EF95261-4526-46EE-A8AD-E7A5297D247D}" srcOrd="8" destOrd="0" presId="urn:microsoft.com/office/officeart/2005/8/layout/StepDownProcess"/>
-    <dgm:cxn modelId="{73339049-2D4F-455E-8119-FF1F29D2F0C3}" type="presParOf" srcId="{1EF95261-4526-46EE-A8AD-E7A5297D247D}" destId="{200AFA04-229D-4119-98E0-C73E4C2A2DB7}" srcOrd="0" destOrd="0" presId="urn:microsoft.com/office/officeart/2005/8/layout/StepDownProcess"/>
-    <dgm:cxn modelId="{3432677A-175F-4ECE-9901-9F61C1C3BE61}" type="presParOf" srcId="{1EF95261-4526-46EE-A8AD-E7A5297D247D}" destId="{57E999AE-52E5-47CD-96DE-37CFA7A8F4FB}" srcOrd="1" destOrd="0" presId="urn:microsoft.com/office/officeart/2005/8/layout/StepDownProcess"/>
-    <dgm:cxn modelId="{4B949A05-B3A7-45B9-8185-14E9F8F9EC26}" type="presParOf" srcId="{1EF95261-4526-46EE-A8AD-E7A5297D247D}" destId="{D0381662-9BD9-4E1D-AEDC-C7C5001C46BB}" srcOrd="2" destOrd="0" presId="urn:microsoft.com/office/officeart/2005/8/layout/StepDownProcess"/>
-    <dgm:cxn modelId="{1888098D-E232-4421-ADB7-46EABD9E447D}" type="presParOf" srcId="{A1CC5D6F-FDC5-4109-9DF1-32767631AF35}" destId="{1D3EED7A-40D0-480C-B98B-7C09CAA1589A}" srcOrd="9" destOrd="0" presId="urn:microsoft.com/office/officeart/2005/8/layout/StepDownProcess"/>
-    <dgm:cxn modelId="{674D92A5-92C5-429D-8FD1-9C56EEA5AE3D}" type="presParOf" srcId="{A1CC5D6F-FDC5-4109-9DF1-32767631AF35}" destId="{8FE45D5D-C713-41F3-B59A-575423F8AFEB}" srcOrd="10" destOrd="0" presId="urn:microsoft.com/office/officeart/2005/8/layout/StepDownProcess"/>
-    <dgm:cxn modelId="{7739BE77-2E22-4698-862B-FC0ECCB8229F}" type="presParOf" srcId="{8FE45D5D-C713-41F3-B59A-575423F8AFEB}" destId="{A9514D8D-8E1B-460D-AAF0-63E53EBC31A0}" srcOrd="0" destOrd="0" presId="urn:microsoft.com/office/officeart/2005/8/layout/StepDownProcess"/>
+    <dgm:cxn modelId="{DD9C34BB-D2AD-44AE-8B94-DEDEAE07EFBE}" type="presOf" srcId="{F2F0F3CB-78CC-4B98-AF14-5F9C902B766E}" destId="{41D9C2B9-D7BD-46BA-AF5D-D658DF658808}" srcOrd="1" destOrd="0" presId="urn:microsoft.com/office/officeart/2005/8/layout/process1"/>
+    <dgm:cxn modelId="{D50EAACA-06AE-4180-B062-B432204A7AC2}" type="presOf" srcId="{6CAB0D0A-0553-491F-A241-C5D2535C9337}" destId="{7D36B663-7745-4A53-A974-030F2E60E8FA}" srcOrd="0" destOrd="0" presId="urn:microsoft.com/office/officeart/2005/8/layout/process1"/>
+    <dgm:cxn modelId="{68D176CB-69F6-4D4F-94EC-49507F9669BB}" type="presOf" srcId="{D114DA6B-D512-40D2-A7E1-6D31F89143A9}" destId="{135149C1-6C8B-40DF-953D-D5118C5CC264}" srcOrd="0" destOrd="0" presId="urn:microsoft.com/office/officeart/2005/8/layout/process1"/>
+    <dgm:cxn modelId="{50AE5ED2-7742-459F-93C0-51BE6BD1D4D7}" type="presOf" srcId="{29A52637-7340-42A0-BA94-5B7AF342362B}" destId="{F8D8B46F-0EF0-4AE9-995A-FAD631FFCD8F}" srcOrd="0" destOrd="0" presId="urn:microsoft.com/office/officeart/2005/8/layout/process1"/>
+    <dgm:cxn modelId="{E6ACBADD-2E74-4B17-AA19-771DD8BCC3E2}" type="presOf" srcId="{F2F0F3CB-78CC-4B98-AF14-5F9C902B766E}" destId="{FB925A65-47C0-451E-BB33-C3A36F74F9D7}" srcOrd="0" destOrd="0" presId="urn:microsoft.com/office/officeart/2005/8/layout/process1"/>
+    <dgm:cxn modelId="{76B973DE-DE87-4DFB-8F57-7B2DDDA9FD6E}" type="presOf" srcId="{29A52637-7340-42A0-BA94-5B7AF342362B}" destId="{63430C4F-B375-4D6B-8579-E1F3A65A64E2}" srcOrd="1" destOrd="0" presId="urn:microsoft.com/office/officeart/2005/8/layout/process1"/>
+    <dgm:cxn modelId="{642293E3-37E3-4056-8662-3D48EFCD533E}" type="presOf" srcId="{606B7E3A-ED15-4CBF-A8B5-084F44DE47B6}" destId="{37C8193E-5CFD-47DD-BDD2-18BAE06F19B3}" srcOrd="0" destOrd="0" presId="urn:microsoft.com/office/officeart/2005/8/layout/process1"/>
+    <dgm:cxn modelId="{ED5F23F6-FADE-4A84-A44D-D497A2CE84F8}" type="presOf" srcId="{BDB002BB-2700-432E-93A8-9937434B07A9}" destId="{AE201CAA-03AA-41E3-8F19-CBBF23CF918B}" srcOrd="1" destOrd="0" presId="urn:microsoft.com/office/officeart/2005/8/layout/process1"/>
+    <dgm:cxn modelId="{728B07FB-9493-4AF7-9B94-4A578E53B6CD}" type="presOf" srcId="{97902DD5-0ED7-4EB0-B3C0-505A0F866896}" destId="{5D74786E-BE3B-414B-9B10-318AD4F6995D}" srcOrd="0" destOrd="0" presId="urn:microsoft.com/office/officeart/2005/8/layout/process1"/>
+    <dgm:cxn modelId="{7850F921-458B-43DD-9DEA-379389F0F53B}" type="presParOf" srcId="{7D36B663-7745-4A53-A974-030F2E60E8FA}" destId="{B97D10DC-42F0-480E-9A11-620BD101B304}" srcOrd="0" destOrd="0" presId="urn:microsoft.com/office/officeart/2005/8/layout/process1"/>
+    <dgm:cxn modelId="{7EC9E0DD-0022-4374-B125-99958EE8F359}" type="presParOf" srcId="{7D36B663-7745-4A53-A974-030F2E60E8FA}" destId="{F8D8B46F-0EF0-4AE9-995A-FAD631FFCD8F}" srcOrd="1" destOrd="0" presId="urn:microsoft.com/office/officeart/2005/8/layout/process1"/>
+    <dgm:cxn modelId="{0F98B884-658B-4DA9-95AB-82EA050CB587}" type="presParOf" srcId="{F8D8B46F-0EF0-4AE9-995A-FAD631FFCD8F}" destId="{63430C4F-B375-4D6B-8579-E1F3A65A64E2}" srcOrd="0" destOrd="0" presId="urn:microsoft.com/office/officeart/2005/8/layout/process1"/>
+    <dgm:cxn modelId="{034DD5B8-86C8-41FA-98CF-914CC1DFD495}" type="presParOf" srcId="{7D36B663-7745-4A53-A974-030F2E60E8FA}" destId="{135149C1-6C8B-40DF-953D-D5118C5CC264}" srcOrd="2" destOrd="0" presId="urn:microsoft.com/office/officeart/2005/8/layout/process1"/>
+    <dgm:cxn modelId="{439470F2-8189-4617-B6EE-D28943F82E6C}" type="presParOf" srcId="{7D36B663-7745-4A53-A974-030F2E60E8FA}" destId="{1FD41C96-B4F7-4850-BA8C-DB232A09FA0C}" srcOrd="3" destOrd="0" presId="urn:microsoft.com/office/officeart/2005/8/layout/process1"/>
+    <dgm:cxn modelId="{EE1EAB4B-D97A-429D-84BA-140408770189}" type="presParOf" srcId="{1FD41C96-B4F7-4850-BA8C-DB232A09FA0C}" destId="{D92F32E8-7826-4610-BD0D-989DEC1F1418}" srcOrd="0" destOrd="0" presId="urn:microsoft.com/office/officeart/2005/8/layout/process1"/>
+    <dgm:cxn modelId="{C0B353BC-9656-4F88-9892-4147F6CB8BA6}" type="presParOf" srcId="{7D36B663-7745-4A53-A974-030F2E60E8FA}" destId="{58CF4C48-D5C7-4EE0-8739-7B9FFCBBD997}" srcOrd="4" destOrd="0" presId="urn:microsoft.com/office/officeart/2005/8/layout/process1"/>
+    <dgm:cxn modelId="{6147F738-0BBE-47EA-98EB-667681BFD068}" type="presParOf" srcId="{7D36B663-7745-4A53-A974-030F2E60E8FA}" destId="{167E28EB-5D8C-436D-B729-2D85223B3548}" srcOrd="5" destOrd="0" presId="urn:microsoft.com/office/officeart/2005/8/layout/process1"/>
+    <dgm:cxn modelId="{DFF30E61-BA5E-4EC8-AC17-AC4407339A88}" type="presParOf" srcId="{167E28EB-5D8C-436D-B729-2D85223B3548}" destId="{AE201CAA-03AA-41E3-8F19-CBBF23CF918B}" srcOrd="0" destOrd="0" presId="urn:microsoft.com/office/officeart/2005/8/layout/process1"/>
+    <dgm:cxn modelId="{873C53ED-72BB-40B7-8DA4-0AF5EC6C8261}" type="presParOf" srcId="{7D36B663-7745-4A53-A974-030F2E60E8FA}" destId="{7DAC4B70-D408-40CE-A586-397A1E1CE8EF}" srcOrd="6" destOrd="0" presId="urn:microsoft.com/office/officeart/2005/8/layout/process1"/>
+    <dgm:cxn modelId="{68CA5DE8-2F90-49FA-BF72-E717D1B6FDBB}" type="presParOf" srcId="{7D36B663-7745-4A53-A974-030F2E60E8FA}" destId="{BE855A72-0EB6-450B-A228-E8B35DB97E35}" srcOrd="7" destOrd="0" presId="urn:microsoft.com/office/officeart/2005/8/layout/process1"/>
+    <dgm:cxn modelId="{C1B4DECF-1D46-4B27-9ECE-353D516335AD}" type="presParOf" srcId="{BE855A72-0EB6-450B-A228-E8B35DB97E35}" destId="{2B5A4363-F294-4C0D-90AB-6C619B4106A6}" srcOrd="0" destOrd="0" presId="urn:microsoft.com/office/officeart/2005/8/layout/process1"/>
+    <dgm:cxn modelId="{0AD0DFE5-7016-4C34-8BE8-EA0620EE7B24}" type="presParOf" srcId="{7D36B663-7745-4A53-A974-030F2E60E8FA}" destId="{37C8193E-5CFD-47DD-BDD2-18BAE06F19B3}" srcOrd="8" destOrd="0" presId="urn:microsoft.com/office/officeart/2005/8/layout/process1"/>
+    <dgm:cxn modelId="{A9345B07-EC44-4EFD-83F7-1F12B5C0F600}" type="presParOf" srcId="{7D36B663-7745-4A53-A974-030F2E60E8FA}" destId="{FB925A65-47C0-451E-BB33-C3A36F74F9D7}" srcOrd="9" destOrd="0" presId="urn:microsoft.com/office/officeart/2005/8/layout/process1"/>
+    <dgm:cxn modelId="{1A0481B5-C618-4F43-B5C8-75A994EAE5F4}" type="presParOf" srcId="{FB925A65-47C0-451E-BB33-C3A36F74F9D7}" destId="{41D9C2B9-D7BD-46BA-AF5D-D658DF658808}" srcOrd="0" destOrd="0" presId="urn:microsoft.com/office/officeart/2005/8/layout/process1"/>
+    <dgm:cxn modelId="{54A56EF1-0729-4277-B77B-86BD00B18E17}" type="presParOf" srcId="{7D36B663-7745-4A53-A974-030F2E60E8FA}" destId="{5D74786E-BE3B-414B-9B10-318AD4F6995D}" srcOrd="10" destOrd="0" presId="urn:microsoft.com/office/officeart/2005/8/layout/process1"/>
   </dgm:cxnLst>
   <dgm:bg/>
   <dgm:whole/>
@@ -3356,71 +3162,19 @@
       <dsp:cNvGrpSpPr/>
     </dsp:nvGrpSpPr>
     <dsp:grpSpPr/>
-    <dsp:sp modelId="{B28123B3-AD0D-4916-AF17-C9EAE7AFA5A1}">
-      <dsp:nvSpPr>
-        <dsp:cNvPr id="0" name=""/>
-        <dsp:cNvSpPr/>
-      </dsp:nvSpPr>
-      <dsp:spPr>
-        <a:xfrm rot="5400000">
-          <a:off x="2811179" y="686844"/>
-          <a:ext cx="608878" cy="693186"/>
-        </a:xfrm>
-        <a:prstGeom prst="bentUpArrow">
-          <a:avLst>
-            <a:gd name="adj1" fmla="val 32840"/>
-            <a:gd name="adj2" fmla="val 25000"/>
-            <a:gd name="adj3" fmla="val 35780"/>
-          </a:avLst>
-        </a:prstGeom>
-        <a:solidFill>
-          <a:schemeClr val="accent1">
-            <a:tint val="50000"/>
-            <a:hueOff val="0"/>
-            <a:satOff val="0"/>
-            <a:lumOff val="0"/>
-            <a:alphaOff val="0"/>
-          </a:schemeClr>
-        </a:solidFill>
-        <a:ln w="12700" cap="flat" cmpd="sng" algn="ctr">
-          <a:solidFill>
-            <a:schemeClr val="lt1">
-              <a:hueOff val="0"/>
-              <a:satOff val="0"/>
-              <a:lumOff val="0"/>
-              <a:alphaOff val="0"/>
-            </a:schemeClr>
-          </a:solidFill>
-          <a:prstDash val="solid"/>
-        </a:ln>
-        <a:effectLst/>
-      </dsp:spPr>
-      <dsp:style>
-        <a:lnRef idx="2">
-          <a:scrgbClr r="0" g="0" b="0"/>
-        </a:lnRef>
-        <a:fillRef idx="1">
-          <a:scrgbClr r="0" g="0" b="0"/>
-        </a:fillRef>
-        <a:effectRef idx="0">
-          <a:scrgbClr r="0" g="0" b="0"/>
-        </a:effectRef>
-        <a:fontRef idx="minor"/>
-      </dsp:style>
-    </dsp:sp>
-    <dsp:sp modelId="{3222AD7E-93BF-42A2-A92F-5A17B3A028C1}">
+    <dsp:sp modelId="{B97D10DC-42F0-480E-9A11-620BD101B304}">
       <dsp:nvSpPr>
         <dsp:cNvPr id="0" name=""/>
         <dsp:cNvSpPr/>
       </dsp:nvSpPr>
       <dsp:spPr>
         <a:xfrm>
-          <a:off x="2022428" y="32434"/>
-          <a:ext cx="2279862" cy="676373"/>
+          <a:off x="0" y="1881137"/>
+          <a:ext cx="1509963" cy="905977"/>
         </a:xfrm>
         <a:prstGeom prst="roundRect">
           <a:avLst>
-            <a:gd name="adj" fmla="val 16670"/>
+            <a:gd name="adj" fmla="val 10000"/>
           </a:avLst>
         </a:prstGeom>
         <a:solidFill>
@@ -3488,24 +3242,35 @@
         </a:p>
       </dsp:txBody>
       <dsp:txXfrm>
-        <a:off x="2055452" y="65458"/>
-        <a:ext cx="2213814" cy="610325"/>
+        <a:off x="26535" y="1907672"/>
+        <a:ext cx="1456893" cy="852907"/>
       </dsp:txXfrm>
     </dsp:sp>
-    <dsp:sp modelId="{C8560F47-3E1D-4521-99E0-03FB4B4DBF80}">
+    <dsp:sp modelId="{F8D8B46F-0EF0-4AE9-995A-FAD631FFCD8F}">
       <dsp:nvSpPr>
         <dsp:cNvPr id="0" name=""/>
         <dsp:cNvSpPr/>
       </dsp:nvSpPr>
       <dsp:spPr>
         <a:xfrm>
-          <a:off x="3674856" y="80316"/>
-          <a:ext cx="745482" cy="579884"/>
+          <a:off x="1660959" y="2146891"/>
+          <a:ext cx="320112" cy="374470"/>
         </a:xfrm>
-        <a:prstGeom prst="rect">
-          <a:avLst/>
+        <a:prstGeom prst="rightArrow">
+          <a:avLst>
+            <a:gd name="adj1" fmla="val 60000"/>
+            <a:gd name="adj2" fmla="val 50000"/>
+          </a:avLst>
         </a:prstGeom>
-        <a:noFill/>
+        <a:solidFill>
+          <a:schemeClr val="accent1">
+            <a:tint val="60000"/>
+            <a:hueOff val="0"/>
+            <a:satOff val="0"/>
+            <a:lumOff val="0"/>
+            <a:alphaOff val="0"/>
+          </a:schemeClr>
+        </a:solidFill>
         <a:ln>
           <a:noFill/>
         </a:ln>
@@ -3515,21 +3280,23 @@
         <a:lnRef idx="0">
           <a:scrgbClr r="0" g="0" b="0"/>
         </a:lnRef>
-        <a:fillRef idx="0">
+        <a:fillRef idx="1">
           <a:scrgbClr r="0" g="0" b="0"/>
         </a:fillRef>
         <a:effectRef idx="0">
           <a:scrgbClr r="0" g="0" b="0"/>
         </a:effectRef>
-        <a:fontRef idx="minor"/>
+        <a:fontRef idx="minor">
+          <a:schemeClr val="lt1"/>
+        </a:fontRef>
       </dsp:style>
       <dsp:txBody>
-        <a:bodyPr spcFirstLastPara="0" vert="horz" wrap="square" lIns="72390" tIns="72390" rIns="72390" bIns="72390" numCol="1" spcCol="1270" anchor="ctr" anchorCtr="0">
+        <a:bodyPr spcFirstLastPara="0" vert="horz" wrap="square" lIns="0" tIns="0" rIns="0" bIns="0" numCol="1" spcCol="1270" anchor="ctr" anchorCtr="0">
           <a:noAutofit/>
         </a:bodyPr>
         <a:lstStyle/>
         <a:p>
-          <a:pPr marL="114300" lvl="1" indent="-114300" algn="l" defTabSz="666750">
+          <a:pPr marL="0" lvl="0" indent="0" algn="ctr" defTabSz="711200">
             <a:lnSpc>
               <a:spcPct val="90000"/>
             </a:lnSpc>
@@ -3537,83 +3304,31 @@
               <a:spcPct val="0"/>
             </a:spcBef>
             <a:spcAft>
-              <a:spcPct val="15000"/>
+              <a:spcPct val="35000"/>
             </a:spcAft>
-            <a:buChar char="•"/>
+            <a:buNone/>
           </a:pPr>
-          <a:endParaRPr lang="LID4096" sz="1500" kern="1200" dirty="0"/>
+          <a:endParaRPr lang="LID4096" sz="1600" kern="1200"/>
         </a:p>
       </dsp:txBody>
       <dsp:txXfrm>
-        <a:off x="3674856" y="80316"/>
-        <a:ext cx="745482" cy="579884"/>
+        <a:off x="1660959" y="2221785"/>
+        <a:ext cx="224078" cy="224682"/>
       </dsp:txXfrm>
     </dsp:sp>
-    <dsp:sp modelId="{E8938D90-C5C1-49D6-9369-518D1B7B75AA}">
-      <dsp:nvSpPr>
-        <dsp:cNvPr id="0" name=""/>
-        <dsp:cNvSpPr/>
-      </dsp:nvSpPr>
-      <dsp:spPr>
-        <a:xfrm rot="5400000">
-          <a:off x="3962176" y="1472246"/>
-          <a:ext cx="608878" cy="693186"/>
-        </a:xfrm>
-        <a:prstGeom prst="bentUpArrow">
-          <a:avLst>
-            <a:gd name="adj1" fmla="val 32840"/>
-            <a:gd name="adj2" fmla="val 25000"/>
-            <a:gd name="adj3" fmla="val 35780"/>
-          </a:avLst>
-        </a:prstGeom>
-        <a:solidFill>
-          <a:schemeClr val="accent1">
-            <a:tint val="50000"/>
-            <a:hueOff val="0"/>
-            <a:satOff val="0"/>
-            <a:lumOff val="0"/>
-            <a:alphaOff val="0"/>
-          </a:schemeClr>
-        </a:solidFill>
-        <a:ln w="12700" cap="flat" cmpd="sng" algn="ctr">
-          <a:solidFill>
-            <a:schemeClr val="lt1">
-              <a:hueOff val="0"/>
-              <a:satOff val="0"/>
-              <a:lumOff val="0"/>
-              <a:alphaOff val="0"/>
-            </a:schemeClr>
-          </a:solidFill>
-          <a:prstDash val="solid"/>
-        </a:ln>
-        <a:effectLst/>
-      </dsp:spPr>
-      <dsp:style>
-        <a:lnRef idx="2">
-          <a:scrgbClr r="0" g="0" b="0"/>
-        </a:lnRef>
-        <a:fillRef idx="1">
-          <a:scrgbClr r="0" g="0" b="0"/>
-        </a:fillRef>
-        <a:effectRef idx="0">
-          <a:scrgbClr r="0" g="0" b="0"/>
-        </a:effectRef>
-        <a:fontRef idx="minor"/>
-      </dsp:style>
-    </dsp:sp>
-    <dsp:sp modelId="{DBECB7D1-6C27-4382-95E1-6A254D4DF3A8}">
+    <dsp:sp modelId="{135149C1-6C8B-40DF-953D-D5118C5CC264}">
       <dsp:nvSpPr>
         <dsp:cNvPr id="0" name=""/>
         <dsp:cNvSpPr/>
       </dsp:nvSpPr>
       <dsp:spPr>
         <a:xfrm>
-          <a:off x="3173425" y="817836"/>
-          <a:ext cx="2279862" cy="676373"/>
+          <a:off x="2113948" y="1881137"/>
+          <a:ext cx="1509963" cy="905977"/>
         </a:xfrm>
         <a:prstGeom prst="roundRect">
           <a:avLst>
-            <a:gd name="adj" fmla="val 16670"/>
+            <a:gd name="adj" fmla="val 10000"/>
           </a:avLst>
         </a:prstGeom>
         <a:solidFill>
@@ -3681,24 +3396,35 @@
         </a:p>
       </dsp:txBody>
       <dsp:txXfrm>
-        <a:off x="3206449" y="850860"/>
-        <a:ext cx="2213814" cy="610325"/>
+        <a:off x="2140483" y="1907672"/>
+        <a:ext cx="1456893" cy="852907"/>
       </dsp:txXfrm>
     </dsp:sp>
-    <dsp:sp modelId="{02B37351-EAAB-413C-9BEC-C50F375547C4}">
+    <dsp:sp modelId="{1FD41C96-B4F7-4850-BA8C-DB232A09FA0C}">
       <dsp:nvSpPr>
         <dsp:cNvPr id="0" name=""/>
         <dsp:cNvSpPr/>
       </dsp:nvSpPr>
       <dsp:spPr>
         <a:xfrm>
-          <a:off x="4825853" y="865718"/>
-          <a:ext cx="745482" cy="579884"/>
+          <a:off x="3774907" y="2146891"/>
+          <a:ext cx="320112" cy="374470"/>
         </a:xfrm>
-        <a:prstGeom prst="rect">
-          <a:avLst/>
+        <a:prstGeom prst="rightArrow">
+          <a:avLst>
+            <a:gd name="adj1" fmla="val 60000"/>
+            <a:gd name="adj2" fmla="val 50000"/>
+          </a:avLst>
         </a:prstGeom>
-        <a:noFill/>
+        <a:solidFill>
+          <a:schemeClr val="accent1">
+            <a:tint val="60000"/>
+            <a:hueOff val="0"/>
+            <a:satOff val="0"/>
+            <a:lumOff val="0"/>
+            <a:alphaOff val="0"/>
+          </a:schemeClr>
+        </a:solidFill>
         <a:ln>
           <a:noFill/>
         </a:ln>
@@ -3708,21 +3434,23 @@
         <a:lnRef idx="0">
           <a:scrgbClr r="0" g="0" b="0"/>
         </a:lnRef>
-        <a:fillRef idx="0">
+        <a:fillRef idx="1">
           <a:scrgbClr r="0" g="0" b="0"/>
         </a:fillRef>
         <a:effectRef idx="0">
           <a:scrgbClr r="0" g="0" b="0"/>
         </a:effectRef>
-        <a:fontRef idx="minor"/>
+        <a:fontRef idx="minor">
+          <a:schemeClr val="lt1"/>
+        </a:fontRef>
       </dsp:style>
       <dsp:txBody>
-        <a:bodyPr spcFirstLastPara="0" vert="horz" wrap="square" lIns="72390" tIns="72390" rIns="72390" bIns="72390" numCol="1" spcCol="1270" anchor="ctr" anchorCtr="0">
+        <a:bodyPr spcFirstLastPara="0" vert="horz" wrap="square" lIns="0" tIns="0" rIns="0" bIns="0" numCol="1" spcCol="1270" anchor="ctr" anchorCtr="0">
           <a:noAutofit/>
         </a:bodyPr>
         <a:lstStyle/>
         <a:p>
-          <a:pPr marL="114300" lvl="1" indent="-114300" algn="l" defTabSz="666750">
+          <a:pPr marL="0" lvl="0" indent="0" algn="ctr" defTabSz="711200">
             <a:lnSpc>
               <a:spcPct val="90000"/>
             </a:lnSpc>
@@ -3730,83 +3458,31 @@
               <a:spcPct val="0"/>
             </a:spcBef>
             <a:spcAft>
-              <a:spcPct val="15000"/>
+              <a:spcPct val="35000"/>
             </a:spcAft>
-            <a:buChar char="•"/>
+            <a:buNone/>
           </a:pPr>
-          <a:endParaRPr lang="LID4096" sz="1500" kern="1200"/>
+          <a:endParaRPr lang="LID4096" sz="1600" kern="1200"/>
         </a:p>
       </dsp:txBody>
       <dsp:txXfrm>
-        <a:off x="4825853" y="865718"/>
-        <a:ext cx="745482" cy="579884"/>
+        <a:off x="3774907" y="2221785"/>
+        <a:ext cx="224078" cy="224682"/>
       </dsp:txXfrm>
     </dsp:sp>
-    <dsp:sp modelId="{4F493A66-B9FB-4833-A198-5238CF0FC51D}">
-      <dsp:nvSpPr>
-        <dsp:cNvPr id="0" name=""/>
-        <dsp:cNvSpPr/>
-      </dsp:nvSpPr>
-      <dsp:spPr>
-        <a:xfrm rot="5400000">
-          <a:off x="5113173" y="2257648"/>
-          <a:ext cx="608878" cy="693186"/>
-        </a:xfrm>
-        <a:prstGeom prst="bentUpArrow">
-          <a:avLst>
-            <a:gd name="adj1" fmla="val 32840"/>
-            <a:gd name="adj2" fmla="val 25000"/>
-            <a:gd name="adj3" fmla="val 35780"/>
-          </a:avLst>
-        </a:prstGeom>
-        <a:solidFill>
-          <a:schemeClr val="accent1">
-            <a:tint val="50000"/>
-            <a:hueOff val="0"/>
-            <a:satOff val="0"/>
-            <a:lumOff val="0"/>
-            <a:alphaOff val="0"/>
-          </a:schemeClr>
-        </a:solidFill>
-        <a:ln w="12700" cap="flat" cmpd="sng" algn="ctr">
-          <a:solidFill>
-            <a:schemeClr val="lt1">
-              <a:hueOff val="0"/>
-              <a:satOff val="0"/>
-              <a:lumOff val="0"/>
-              <a:alphaOff val="0"/>
-            </a:schemeClr>
-          </a:solidFill>
-          <a:prstDash val="solid"/>
-        </a:ln>
-        <a:effectLst/>
-      </dsp:spPr>
-      <dsp:style>
-        <a:lnRef idx="2">
-          <a:scrgbClr r="0" g="0" b="0"/>
-        </a:lnRef>
-        <a:fillRef idx="1">
-          <a:scrgbClr r="0" g="0" b="0"/>
-        </a:fillRef>
-        <a:effectRef idx="0">
-          <a:scrgbClr r="0" g="0" b="0"/>
-        </a:effectRef>
-        <a:fontRef idx="minor"/>
-      </dsp:style>
-    </dsp:sp>
-    <dsp:sp modelId="{4A3E8CB3-EBD7-48C6-AA58-7226C805E7B3}">
+    <dsp:sp modelId="{58CF4C48-D5C7-4EE0-8739-7B9FFCBBD997}">
       <dsp:nvSpPr>
         <dsp:cNvPr id="0" name=""/>
         <dsp:cNvSpPr/>
       </dsp:nvSpPr>
       <dsp:spPr>
         <a:xfrm>
-          <a:off x="4324422" y="1603238"/>
-          <a:ext cx="2279862" cy="676373"/>
+          <a:off x="4227896" y="1881137"/>
+          <a:ext cx="1509963" cy="905977"/>
         </a:xfrm>
         <a:prstGeom prst="roundRect">
           <a:avLst>
-            <a:gd name="adj" fmla="val 16670"/>
+            <a:gd name="adj" fmla="val 10000"/>
           </a:avLst>
         </a:prstGeom>
         <a:solidFill>
@@ -3878,24 +3554,35 @@
         </a:p>
       </dsp:txBody>
       <dsp:txXfrm>
-        <a:off x="4357446" y="1636262"/>
-        <a:ext cx="2213814" cy="610325"/>
+        <a:off x="4254431" y="1907672"/>
+        <a:ext cx="1456893" cy="852907"/>
       </dsp:txXfrm>
     </dsp:sp>
-    <dsp:sp modelId="{F58EE575-F457-4EC2-9B42-03A61CC42259}">
+    <dsp:sp modelId="{167E28EB-5D8C-436D-B729-2D85223B3548}">
       <dsp:nvSpPr>
         <dsp:cNvPr id="0" name=""/>
         <dsp:cNvSpPr/>
       </dsp:nvSpPr>
       <dsp:spPr>
         <a:xfrm>
-          <a:off x="5976850" y="1651120"/>
-          <a:ext cx="745482" cy="579884"/>
+          <a:off x="5888856" y="2146891"/>
+          <a:ext cx="320112" cy="374470"/>
         </a:xfrm>
-        <a:prstGeom prst="rect">
-          <a:avLst/>
+        <a:prstGeom prst="rightArrow">
+          <a:avLst>
+            <a:gd name="adj1" fmla="val 60000"/>
+            <a:gd name="adj2" fmla="val 50000"/>
+          </a:avLst>
         </a:prstGeom>
-        <a:noFill/>
+        <a:solidFill>
+          <a:schemeClr val="accent1">
+            <a:tint val="60000"/>
+            <a:hueOff val="0"/>
+            <a:satOff val="0"/>
+            <a:lumOff val="0"/>
+            <a:alphaOff val="0"/>
+          </a:schemeClr>
+        </a:solidFill>
         <a:ln>
           <a:noFill/>
         </a:ln>
@@ -3905,21 +3592,23 @@
         <a:lnRef idx="0">
           <a:scrgbClr r="0" g="0" b="0"/>
         </a:lnRef>
-        <a:fillRef idx="0">
+        <a:fillRef idx="1">
           <a:scrgbClr r="0" g="0" b="0"/>
         </a:fillRef>
         <a:effectRef idx="0">
           <a:scrgbClr r="0" g="0" b="0"/>
         </a:effectRef>
-        <a:fontRef idx="minor"/>
+        <a:fontRef idx="minor">
+          <a:schemeClr val="lt1"/>
+        </a:fontRef>
       </dsp:style>
       <dsp:txBody>
-        <a:bodyPr spcFirstLastPara="0" vert="horz" wrap="square" lIns="72390" tIns="72390" rIns="72390" bIns="72390" numCol="1" spcCol="1270" anchor="ctr" anchorCtr="0">
+        <a:bodyPr spcFirstLastPara="0" vert="horz" wrap="square" lIns="0" tIns="0" rIns="0" bIns="0" numCol="1" spcCol="1270" anchor="ctr" anchorCtr="0">
           <a:noAutofit/>
         </a:bodyPr>
         <a:lstStyle/>
         <a:p>
-          <a:pPr marL="114300" lvl="1" indent="-114300" algn="l" defTabSz="666750">
+          <a:pPr marL="0" lvl="0" indent="0" algn="ctr" defTabSz="711200">
             <a:lnSpc>
               <a:spcPct val="90000"/>
             </a:lnSpc>
@@ -3927,83 +3616,31 @@
               <a:spcPct val="0"/>
             </a:spcBef>
             <a:spcAft>
-              <a:spcPct val="15000"/>
+              <a:spcPct val="35000"/>
             </a:spcAft>
-            <a:buChar char="•"/>
+            <a:buNone/>
           </a:pPr>
-          <a:endParaRPr lang="LID4096" sz="1500" kern="1200" dirty="0"/>
+          <a:endParaRPr lang="LID4096" sz="1600" kern="1200"/>
         </a:p>
       </dsp:txBody>
       <dsp:txXfrm>
-        <a:off x="5976850" y="1651120"/>
-        <a:ext cx="745482" cy="579884"/>
+        <a:off x="5888856" y="2221785"/>
+        <a:ext cx="224078" cy="224682"/>
       </dsp:txXfrm>
     </dsp:sp>
-    <dsp:sp modelId="{890E13E0-4C61-4EE8-A12C-245088BDC87F}">
-      <dsp:nvSpPr>
-        <dsp:cNvPr id="0" name=""/>
-        <dsp:cNvSpPr/>
-      </dsp:nvSpPr>
-      <dsp:spPr>
-        <a:xfrm rot="5400000">
-          <a:off x="6264170" y="3043050"/>
-          <a:ext cx="608878" cy="693186"/>
-        </a:xfrm>
-        <a:prstGeom prst="bentUpArrow">
-          <a:avLst>
-            <a:gd name="adj1" fmla="val 32840"/>
-            <a:gd name="adj2" fmla="val 25000"/>
-            <a:gd name="adj3" fmla="val 35780"/>
-          </a:avLst>
-        </a:prstGeom>
-        <a:solidFill>
-          <a:schemeClr val="accent1">
-            <a:tint val="50000"/>
-            <a:hueOff val="0"/>
-            <a:satOff val="0"/>
-            <a:lumOff val="0"/>
-            <a:alphaOff val="0"/>
-          </a:schemeClr>
-        </a:solidFill>
-        <a:ln w="12700" cap="flat" cmpd="sng" algn="ctr">
-          <a:solidFill>
-            <a:schemeClr val="lt1">
-              <a:hueOff val="0"/>
-              <a:satOff val="0"/>
-              <a:lumOff val="0"/>
-              <a:alphaOff val="0"/>
-            </a:schemeClr>
-          </a:solidFill>
-          <a:prstDash val="solid"/>
-        </a:ln>
-        <a:effectLst/>
-      </dsp:spPr>
-      <dsp:style>
-        <a:lnRef idx="2">
-          <a:scrgbClr r="0" g="0" b="0"/>
-        </a:lnRef>
-        <a:fillRef idx="1">
-          <a:scrgbClr r="0" g="0" b="0"/>
-        </a:fillRef>
-        <a:effectRef idx="0">
-          <a:scrgbClr r="0" g="0" b="0"/>
-        </a:effectRef>
-        <a:fontRef idx="minor"/>
-      </dsp:style>
-    </dsp:sp>
-    <dsp:sp modelId="{3E5821E5-B754-45F3-9797-7BB86376F5B3}">
+    <dsp:sp modelId="{7DAC4B70-D408-40CE-A586-397A1E1CE8EF}">
       <dsp:nvSpPr>
         <dsp:cNvPr id="0" name=""/>
         <dsp:cNvSpPr/>
       </dsp:nvSpPr>
       <dsp:spPr>
         <a:xfrm>
-          <a:off x="5475419" y="2388641"/>
-          <a:ext cx="2279862" cy="676373"/>
+          <a:off x="6341845" y="1881137"/>
+          <a:ext cx="1509963" cy="905977"/>
         </a:xfrm>
         <a:prstGeom prst="roundRect">
           <a:avLst>
-            <a:gd name="adj" fmla="val 16670"/>
+            <a:gd name="adj" fmla="val 10000"/>
           </a:avLst>
         </a:prstGeom>
         <a:solidFill>
@@ -4071,24 +3708,35 @@
         </a:p>
       </dsp:txBody>
       <dsp:txXfrm>
-        <a:off x="5508443" y="2421665"/>
-        <a:ext cx="2213814" cy="610325"/>
+        <a:off x="6368380" y="1907672"/>
+        <a:ext cx="1456893" cy="852907"/>
       </dsp:txXfrm>
     </dsp:sp>
-    <dsp:sp modelId="{F0284499-8EA5-4208-A7A1-5F28F5495669}">
+    <dsp:sp modelId="{BE855A72-0EB6-450B-A228-E8B35DB97E35}">
       <dsp:nvSpPr>
         <dsp:cNvPr id="0" name=""/>
         <dsp:cNvSpPr/>
       </dsp:nvSpPr>
       <dsp:spPr>
         <a:xfrm>
-          <a:off x="7127847" y="2436522"/>
-          <a:ext cx="745482" cy="579884"/>
+          <a:off x="8002804" y="2146891"/>
+          <a:ext cx="320112" cy="374470"/>
         </a:xfrm>
-        <a:prstGeom prst="rect">
-          <a:avLst/>
+        <a:prstGeom prst="rightArrow">
+          <a:avLst>
+            <a:gd name="adj1" fmla="val 60000"/>
+            <a:gd name="adj2" fmla="val 50000"/>
+          </a:avLst>
         </a:prstGeom>
-        <a:noFill/>
+        <a:solidFill>
+          <a:schemeClr val="accent1">
+            <a:tint val="60000"/>
+            <a:hueOff val="0"/>
+            <a:satOff val="0"/>
+            <a:lumOff val="0"/>
+            <a:alphaOff val="0"/>
+          </a:schemeClr>
+        </a:solidFill>
         <a:ln>
           <a:noFill/>
         </a:ln>
@@ -4098,80 +3746,55 @@
         <a:lnRef idx="0">
           <a:scrgbClr r="0" g="0" b="0"/>
         </a:lnRef>
-        <a:fillRef idx="0">
-          <a:scrgbClr r="0" g="0" b="0"/>
-        </a:fillRef>
-        <a:effectRef idx="0">
-          <a:scrgbClr r="0" g="0" b="0"/>
-        </a:effectRef>
-        <a:fontRef idx="minor"/>
-      </dsp:style>
-    </dsp:sp>
-    <dsp:sp modelId="{200AFA04-229D-4119-98E0-C73E4C2A2DB7}">
-      <dsp:nvSpPr>
-        <dsp:cNvPr id="0" name=""/>
-        <dsp:cNvSpPr/>
-      </dsp:nvSpPr>
-      <dsp:spPr>
-        <a:xfrm rot="5400000">
-          <a:off x="7415167" y="3828453"/>
-          <a:ext cx="608878" cy="693186"/>
-        </a:xfrm>
-        <a:prstGeom prst="bentUpArrow">
-          <a:avLst>
-            <a:gd name="adj1" fmla="val 32840"/>
-            <a:gd name="adj2" fmla="val 25000"/>
-            <a:gd name="adj3" fmla="val 35780"/>
-          </a:avLst>
-        </a:prstGeom>
-        <a:solidFill>
-          <a:schemeClr val="accent1">
-            <a:tint val="50000"/>
-            <a:hueOff val="0"/>
-            <a:satOff val="0"/>
-            <a:lumOff val="0"/>
-            <a:alphaOff val="0"/>
-          </a:schemeClr>
-        </a:solidFill>
-        <a:ln w="12700" cap="flat" cmpd="sng" algn="ctr">
-          <a:solidFill>
-            <a:schemeClr val="lt1">
-              <a:hueOff val="0"/>
-              <a:satOff val="0"/>
-              <a:lumOff val="0"/>
-              <a:alphaOff val="0"/>
-            </a:schemeClr>
-          </a:solidFill>
-          <a:prstDash val="solid"/>
-        </a:ln>
-        <a:effectLst/>
-      </dsp:spPr>
-      <dsp:style>
-        <a:lnRef idx="2">
-          <a:scrgbClr r="0" g="0" b="0"/>
-        </a:lnRef>
         <a:fillRef idx="1">
           <a:scrgbClr r="0" g="0" b="0"/>
         </a:fillRef>
         <a:effectRef idx="0">
           <a:scrgbClr r="0" g="0" b="0"/>
         </a:effectRef>
-        <a:fontRef idx="minor"/>
+        <a:fontRef idx="minor">
+          <a:schemeClr val="lt1"/>
+        </a:fontRef>
       </dsp:style>
+      <dsp:txBody>
+        <a:bodyPr spcFirstLastPara="0" vert="horz" wrap="square" lIns="0" tIns="0" rIns="0" bIns="0" numCol="1" spcCol="1270" anchor="ctr" anchorCtr="0">
+          <a:noAutofit/>
+        </a:bodyPr>
+        <a:lstStyle/>
+        <a:p>
+          <a:pPr marL="0" lvl="0" indent="0" algn="ctr" defTabSz="711200">
+            <a:lnSpc>
+              <a:spcPct val="90000"/>
+            </a:lnSpc>
+            <a:spcBef>
+              <a:spcPct val="0"/>
+            </a:spcBef>
+            <a:spcAft>
+              <a:spcPct val="35000"/>
+            </a:spcAft>
+            <a:buNone/>
+          </a:pPr>
+          <a:endParaRPr lang="LID4096" sz="1600" kern="1200"/>
+        </a:p>
+      </dsp:txBody>
+      <dsp:txXfrm>
+        <a:off x="8002804" y="2221785"/>
+        <a:ext cx="224078" cy="224682"/>
+      </dsp:txXfrm>
     </dsp:sp>
-    <dsp:sp modelId="{57E999AE-52E5-47CD-96DE-37CFA7A8F4FB}">
+    <dsp:sp modelId="{37C8193E-5CFD-47DD-BDD2-18BAE06F19B3}">
       <dsp:nvSpPr>
         <dsp:cNvPr id="0" name=""/>
         <dsp:cNvSpPr/>
       </dsp:nvSpPr>
       <dsp:spPr>
         <a:xfrm>
-          <a:off x="6626416" y="3174043"/>
-          <a:ext cx="2279862" cy="676373"/>
+          <a:off x="8455793" y="1881137"/>
+          <a:ext cx="1509963" cy="905977"/>
         </a:xfrm>
         <a:prstGeom prst="roundRect">
           <a:avLst>
-            <a:gd name="adj" fmla="val 16670"/>
+            <a:gd name="adj" fmla="val 10000"/>
           </a:avLst>
         </a:prstGeom>
         <a:solidFill>
@@ -4239,24 +3862,35 @@
         </a:p>
       </dsp:txBody>
       <dsp:txXfrm>
-        <a:off x="6659440" y="3207067"/>
-        <a:ext cx="2213814" cy="610325"/>
+        <a:off x="8482328" y="1907672"/>
+        <a:ext cx="1456893" cy="852907"/>
       </dsp:txXfrm>
     </dsp:sp>
-    <dsp:sp modelId="{D0381662-9BD9-4E1D-AEDC-C7C5001C46BB}">
+    <dsp:sp modelId="{FB925A65-47C0-451E-BB33-C3A36F74F9D7}">
       <dsp:nvSpPr>
         <dsp:cNvPr id="0" name=""/>
         <dsp:cNvSpPr/>
       </dsp:nvSpPr>
       <dsp:spPr>
         <a:xfrm>
-          <a:off x="8278844" y="3221925"/>
-          <a:ext cx="745482" cy="579884"/>
+          <a:off x="10116752" y="2146891"/>
+          <a:ext cx="320112" cy="374470"/>
         </a:xfrm>
-        <a:prstGeom prst="rect">
-          <a:avLst/>
+        <a:prstGeom prst="rightArrow">
+          <a:avLst>
+            <a:gd name="adj1" fmla="val 60000"/>
+            <a:gd name="adj2" fmla="val 50000"/>
+          </a:avLst>
         </a:prstGeom>
-        <a:noFill/>
+        <a:solidFill>
+          <a:schemeClr val="accent1">
+            <a:tint val="60000"/>
+            <a:hueOff val="0"/>
+            <a:satOff val="0"/>
+            <a:lumOff val="0"/>
+            <a:alphaOff val="0"/>
+          </a:schemeClr>
+        </a:solidFill>
         <a:ln>
           <a:noFill/>
         </a:ln>
@@ -4266,28 +3900,55 @@
         <a:lnRef idx="0">
           <a:scrgbClr r="0" g="0" b="0"/>
         </a:lnRef>
-        <a:fillRef idx="0">
+        <a:fillRef idx="1">
           <a:scrgbClr r="0" g="0" b="0"/>
         </a:fillRef>
         <a:effectRef idx="0">
           <a:scrgbClr r="0" g="0" b="0"/>
         </a:effectRef>
-        <a:fontRef idx="minor"/>
+        <a:fontRef idx="minor">
+          <a:schemeClr val="lt1"/>
+        </a:fontRef>
       </dsp:style>
+      <dsp:txBody>
+        <a:bodyPr spcFirstLastPara="0" vert="horz" wrap="square" lIns="0" tIns="0" rIns="0" bIns="0" numCol="1" spcCol="1270" anchor="ctr" anchorCtr="0">
+          <a:noAutofit/>
+        </a:bodyPr>
+        <a:lstStyle/>
+        <a:p>
+          <a:pPr marL="0" lvl="0" indent="0" algn="ctr" defTabSz="711200">
+            <a:lnSpc>
+              <a:spcPct val="90000"/>
+            </a:lnSpc>
+            <a:spcBef>
+              <a:spcPct val="0"/>
+            </a:spcBef>
+            <a:spcAft>
+              <a:spcPct val="35000"/>
+            </a:spcAft>
+            <a:buNone/>
+          </a:pPr>
+          <a:endParaRPr lang="LID4096" sz="1600" kern="1200"/>
+        </a:p>
+      </dsp:txBody>
+      <dsp:txXfrm>
+        <a:off x="10116752" y="2221785"/>
+        <a:ext cx="224078" cy="224682"/>
+      </dsp:txXfrm>
     </dsp:sp>
-    <dsp:sp modelId="{A9514D8D-8E1B-460D-AAF0-63E53EBC31A0}">
+    <dsp:sp modelId="{5D74786E-BE3B-414B-9B10-318AD4F6995D}">
       <dsp:nvSpPr>
         <dsp:cNvPr id="0" name=""/>
         <dsp:cNvSpPr/>
       </dsp:nvSpPr>
       <dsp:spPr>
         <a:xfrm>
-          <a:off x="7777413" y="3959445"/>
-          <a:ext cx="2279862" cy="676373"/>
+          <a:off x="10569741" y="1881137"/>
+          <a:ext cx="1509963" cy="905977"/>
         </a:xfrm>
         <a:prstGeom prst="roundRect">
           <a:avLst>
-            <a:gd name="adj" fmla="val 16670"/>
+            <a:gd name="adj" fmla="val 10000"/>
           </a:avLst>
         </a:prstGeom>
         <a:solidFill>
@@ -4361,8 +4022,8 @@
         </a:p>
       </dsp:txBody>
       <dsp:txXfrm>
-        <a:off x="7810437" y="3992469"/>
-        <a:ext cx="2213814" cy="610325"/>
+        <a:off x="10596276" y="1907672"/>
+        <a:ext cx="1456893" cy="852907"/>
       </dsp:txXfrm>
     </dsp:sp>
   </dsp:spTree>
@@ -4517,43 +4178,16 @@
 </file>
 
 <file path=ppt/diagrams/layout2.xml><?xml version="1.0" encoding="utf-8"?>
-<dgm:layoutDef xmlns:dgm="http://schemas.openxmlformats.org/drawingml/2006/diagram" xmlns:a="http://schemas.openxmlformats.org/drawingml/2006/main" uniqueId="urn:microsoft.com/office/officeart/2005/8/layout/StepDownProcess">
+<dgm:layoutDef xmlns:dgm="http://schemas.openxmlformats.org/drawingml/2006/diagram" xmlns:a="http://schemas.openxmlformats.org/drawingml/2006/main" uniqueId="urn:microsoft.com/office/officeart/2005/8/layout/process1">
   <dgm:title val=""/>
   <dgm:desc val=""/>
   <dgm:catLst>
-    <dgm:cat type="process" pri="1600"/>
+    <dgm:cat type="process" pri="1000"/>
+    <dgm:cat type="convert" pri="15000"/>
   </dgm:catLst>
-  <dgm:sampData>
+  <dgm:sampData useDef="1">
     <dgm:dataModel>
-      <dgm:ptLst>
-        <dgm:pt modelId="0" type="doc"/>
-        <dgm:pt modelId="10">
-          <dgm:prSet phldr="1"/>
-        </dgm:pt>
-        <dgm:pt modelId="11">
-          <dgm:prSet phldr="1"/>
-        </dgm:pt>
-        <dgm:pt modelId="20">
-          <dgm:prSet phldr="1"/>
-        </dgm:pt>
-        <dgm:pt modelId="21">
-          <dgm:prSet phldr="1"/>
-        </dgm:pt>
-        <dgm:pt modelId="30">
-          <dgm:prSet phldr="1"/>
-        </dgm:pt>
-        <dgm:pt modelId="31">
-          <dgm:prSet phldr="1"/>
-        </dgm:pt>
-      </dgm:ptLst>
-      <dgm:cxnLst>
-        <dgm:cxn modelId="60" srcId="0" destId="10" srcOrd="0" destOrd="0"/>
-        <dgm:cxn modelId="12" srcId="10" destId="11" srcOrd="0" destOrd="0"/>
-        <dgm:cxn modelId="70" srcId="0" destId="20" srcOrd="1" destOrd="0"/>
-        <dgm:cxn modelId="22" srcId="20" destId="21" srcOrd="0" destOrd="0"/>
-        <dgm:cxn modelId="80" srcId="0" destId="30" srcOrd="2" destOrd="0"/>
-        <dgm:cxn modelId="32" srcId="30" destId="31" srcOrd="0" destOrd="0"/>
-      </dgm:cxnLst>
+      <dgm:ptLst/>
       <dgm:bg/>
       <dgm:whole/>
     </dgm:dataModel>
@@ -4562,16 +4196,12 @@
     <dgm:dataModel>
       <dgm:ptLst>
         <dgm:pt modelId="0" type="doc"/>
-        <dgm:pt modelId="10">
-          <dgm:prSet phldr="1"/>
-        </dgm:pt>
-        <dgm:pt modelId="20">
-          <dgm:prSet phldr="1"/>
-        </dgm:pt>
+        <dgm:pt modelId="1"/>
+        <dgm:pt modelId="2"/>
       </dgm:ptLst>
       <dgm:cxnLst>
-        <dgm:cxn modelId="60" srcId="0" destId="10" srcOrd="0" destOrd="0"/>
-        <dgm:cxn modelId="70" srcId="0" destId="20" srcOrd="1" destOrd="0"/>
+        <dgm:cxn modelId="3" srcId="0" destId="1" srcOrd="0" destOrd="0"/>
+        <dgm:cxn modelId="4" srcId="0" destId="2" srcOrd="1" destOrd="0"/>
       </dgm:cxnLst>
       <dgm:bg/>
       <dgm:whole/>
@@ -4581,252 +4211,111 @@
     <dgm:dataModel>
       <dgm:ptLst>
         <dgm:pt modelId="0" type="doc"/>
-        <dgm:pt modelId="10">
-          <dgm:prSet phldr="1"/>
-        </dgm:pt>
-        <dgm:pt modelId="20">
-          <dgm:prSet phldr="1"/>
-        </dgm:pt>
-        <dgm:pt modelId="30">
-          <dgm:prSet phldr="1"/>
-        </dgm:pt>
-        <dgm:pt modelId="40">
-          <dgm:prSet phldr="1"/>
-        </dgm:pt>
+        <dgm:pt modelId="1"/>
+        <dgm:pt modelId="2"/>
+        <dgm:pt modelId="3"/>
+        <dgm:pt modelId="4"/>
       </dgm:ptLst>
       <dgm:cxnLst>
-        <dgm:cxn modelId="60" srcId="0" destId="10" srcOrd="0" destOrd="0"/>
-        <dgm:cxn modelId="70" srcId="0" destId="20" srcOrd="1" destOrd="0"/>
-        <dgm:cxn modelId="80" srcId="0" destId="30" srcOrd="2" destOrd="0"/>
-        <dgm:cxn modelId="90" srcId="0" destId="40" srcOrd="3" destOrd="0"/>
+        <dgm:cxn modelId="5" srcId="0" destId="1" srcOrd="0" destOrd="0"/>
+        <dgm:cxn modelId="6" srcId="0" destId="2" srcOrd="1" destOrd="0"/>
+        <dgm:cxn modelId="7" srcId="0" destId="3" srcOrd="2" destOrd="0"/>
+        <dgm:cxn modelId="8" srcId="0" destId="4" srcOrd="3" destOrd="0"/>
       </dgm:cxnLst>
       <dgm:bg/>
       <dgm:whole/>
     </dgm:dataModel>
   </dgm:clrData>
-  <dgm:layoutNode name="rootnode">
+  <dgm:layoutNode name="Name0">
     <dgm:varLst>
-      <dgm:chMax/>
-      <dgm:chPref/>
       <dgm:dir/>
-      <dgm:animLvl val="lvl"/>
+      <dgm:resizeHandles val="exact"/>
     </dgm:varLst>
-    <dgm:choose name="Name0">
-      <dgm:if name="Name1" func="var" arg="dir" op="equ" val="norm">
-        <dgm:alg type="snake">
-          <dgm:param type="grDir" val="tL"/>
-          <dgm:param type="flowDir" val="row"/>
-          <dgm:param type="off" val="off"/>
-          <dgm:param type="bkpt" val="fixed"/>
-          <dgm:param type="bkPtFixedVal" val="1"/>
-        </dgm:alg>
+    <dgm:choose name="Name1">
+      <dgm:if name="Name2" func="var" arg="dir" op="equ" val="norm">
+        <dgm:alg type="lin"/>
       </dgm:if>
-      <dgm:else name="Name2">
-        <dgm:alg type="snake">
-          <dgm:param type="grDir" val="tR"/>
-          <dgm:param type="flowDir" val="row"/>
-          <dgm:param type="off" val="off"/>
-          <dgm:param type="bkpt" val="fixed"/>
-          <dgm:param type="bkPtFixedVal" val="1"/>
+      <dgm:else name="Name3">
+        <dgm:alg type="lin">
+          <dgm:param type="linDir" val="fromR"/>
         </dgm:alg>
       </dgm:else>
     </dgm:choose>
     <dgm:shape xmlns:r="http://schemas.openxmlformats.org/officeDocument/2006/relationships" r:blip="">
       <dgm:adjLst/>
     </dgm:shape>
-    <dgm:choose name="Name3">
-      <dgm:if name="Name4" func="var" arg="dir" op="equ" val="norm">
+    <dgm:presOf/>
+    <dgm:constrLst>
+      <dgm:constr type="w" for="ch" ptType="node" refType="w"/>
+      <dgm:constr type="h" for="ch" ptType="node" op="equ"/>
+      <dgm:constr type="primFontSz" for="ch" ptType="node" op="equ" val="65"/>
+      <dgm:constr type="w" for="ch" ptType="sibTrans" refType="w" refFor="ch" refPtType="node" op="equ" fact="0.4"/>
+      <dgm:constr type="h" for="ch" ptType="sibTrans" op="equ"/>
+      <dgm:constr type="primFontSz" for="des" forName="connectorText" op="equ" val="55"/>
+      <dgm:constr type="primFontSz" for="des" forName="connectorText" refType="primFontSz" refFor="ch" refPtType="node" op="lte" fact="0.8"/>
+    </dgm:constrLst>
+    <dgm:ruleLst/>
+    <dgm:forEach name="nodesForEach" axis="ch" ptType="node">
+      <dgm:layoutNode name="node">
+        <dgm:varLst>
+          <dgm:bulletEnabled val="1"/>
+        </dgm:varLst>
+        <dgm:alg type="tx"/>
+        <dgm:shape xmlns:r="http://schemas.openxmlformats.org/officeDocument/2006/relationships" type="roundRect" r:blip="">
+          <dgm:adjLst>
+            <dgm:adj idx="1" val="0.1"/>
+          </dgm:adjLst>
+        </dgm:shape>
+        <dgm:presOf axis="desOrSelf" ptType="node"/>
         <dgm:constrLst>
-          <dgm:constr type="alignOff" forName="rootnode" val="0.48"/>
-          <dgm:constr type="primFontSz" for="des" forName="ParentText" val="65"/>
-          <dgm:constr type="primFontSz" for="des" forName="ChildText" refType="primFontSz" refFor="des" refForName="ParentText" op="lte"/>
-          <dgm:constr type="w" for="ch" forName="composite" refType="w"/>
-          <dgm:constr type="h" for="ch" forName="composite" refType="h"/>
-          <dgm:constr type="sp" refType="h" refFor="ch" refForName="composite" op="equ" fact="-0.38"/>
+          <dgm:constr type="h" refType="w" fact="0.6"/>
+          <dgm:constr type="tMarg" refType="primFontSz" fact="0.3"/>
+          <dgm:constr type="bMarg" refType="primFontSz" fact="0.3"/>
+          <dgm:constr type="lMarg" refType="primFontSz" fact="0.3"/>
+          <dgm:constr type="rMarg" refType="primFontSz" fact="0.3"/>
         </dgm:constrLst>
-      </dgm:if>
-      <dgm:else name="Name5">
-        <dgm:constrLst>
-          <dgm:constr type="alignOff" forName="rootnode" val="0.48"/>
-          <dgm:constr type="primFontSz" for="des" forName="ParentText" val="65"/>
-          <dgm:constr type="primFontSz" for="des" forName="ChildText" refType="primFontSz" refFor="des" refForName="ParentText" op="lte"/>
-          <dgm:constr type="w" for="ch" forName="composite" refType="w"/>
-          <dgm:constr type="h" for="ch" forName="composite" refType="h"/>
-          <dgm:constr type="sp" refType="h" refFor="ch" refForName="composite" op="equ" fact="-0.38"/>
-        </dgm:constrLst>
-      </dgm:else>
-    </dgm:choose>
-    <dgm:forEach name="nodesForEach" axis="ch" ptType="node">
-      <dgm:layoutNode name="composite">
-        <dgm:alg type="composite">
-          <dgm:param type="ar" val="1.2439"/>
-        </dgm:alg>
-        <dgm:shape xmlns:r="http://schemas.openxmlformats.org/officeDocument/2006/relationships" r:blip="">
-          <dgm:adjLst/>
-        </dgm:shape>
-        <dgm:choose name="Name6">
-          <dgm:if name="Name7" func="var" arg="dir" op="equ" val="norm">
-            <dgm:constrLst>
-              <dgm:constr type="l" for="ch" forName="bentUpArrow1" refType="w" fact="0.07"/>
-              <dgm:constr type="t" for="ch" forName="bentUpArrow1" refType="h" fact="0.524"/>
-              <dgm:constr type="w" for="ch" forName="bentUpArrow1" refType="w" fact="0.3844"/>
-              <dgm:constr type="h" for="ch" forName="bentUpArrow1" refType="h" fact="0.42"/>
-              <dgm:constr type="l" for="ch" forName="ParentText" refType="w" fact="0"/>
-              <dgm:constr type="t" for="ch" forName="ParentText" refType="h" fact="0"/>
-              <dgm:constr type="w" for="ch" forName="ParentText" refType="w" fact="0.5684"/>
-              <dgm:constr type="h" for="ch" forName="ParentText" refType="h" fact="0.4949"/>
-              <dgm:constr type="l" for="ch" forName="ChildText" refType="w" refFor="ch" refForName="ParentText"/>
-              <dgm:constr type="t" for="ch" forName="ChildText" refType="h" fact="0.05"/>
-              <dgm:constr type="w" for="ch" forName="ChildText" refType="w" fact="0.4134"/>
-              <dgm:constr type="h" for="ch" forName="ChildText" refType="h" fact="0.4"/>
-              <dgm:constr type="l" for="ch" forName="FinalChildText" refType="w" refFor="ch" refForName="ParentText"/>
-              <dgm:constr type="t" for="ch" forName="FinalChildText" refType="h" fact="0.05"/>
-              <dgm:constr type="w" for="ch" forName="FinalChildText" refType="w" fact="0.4134"/>
-              <dgm:constr type="h" for="ch" forName="FinalChildText" refType="h" fact="0.4"/>
-            </dgm:constrLst>
-          </dgm:if>
-          <dgm:else name="Name8">
-            <dgm:constrLst>
-              <dgm:constr type="r" for="ch" forName="bentUpArrow1" refType="w" fact="0.97"/>
-              <dgm:constr type="t" for="ch" forName="bentUpArrow1" refType="h" fact="0.524"/>
-              <dgm:constr type="w" for="ch" forName="bentUpArrow1" refType="w" fact="0.3844"/>
-              <dgm:constr type="h" for="ch" forName="bentUpArrow1" refType="h" fact="0.42"/>
-              <dgm:constr type="l" for="ch" forName="ParentText" refType="w" fact="0.4316"/>
-              <dgm:constr type="t" for="ch" forName="ParentText" refType="h" fact="0"/>
-              <dgm:constr type="w" for="ch" forName="ParentText" refType="w" fact="0.5684"/>
-              <dgm:constr type="h" for="ch" forName="ParentText" refType="h" fact="0.4949"/>
-              <dgm:constr type="l" for="ch" forName="ChildText" refType="w" fact="0"/>
-              <dgm:constr type="t" for="ch" forName="ChildText" refType="h" fact="0.05"/>
-              <dgm:constr type="w" for="ch" forName="ChildText" refType="w" fact="0.4134"/>
-              <dgm:constr type="h" for="ch" forName="ChildText" refType="h" fact="0.4"/>
-              <dgm:constr type="l" for="ch" forName="FinalChildText" refType="w" fact="0"/>
-              <dgm:constr type="t" for="ch" forName="FinalChildText" refType="h" fact="0.05"/>
-              <dgm:constr type="w" for="ch" forName="FinalChildText" refType="w" fact="0.4134"/>
-              <dgm:constr type="h" for="ch" forName="FinalChildText" refType="h" fact="0.4"/>
-            </dgm:constrLst>
-          </dgm:else>
-        </dgm:choose>
-        <dgm:choose name="Name9">
-          <dgm:if name="Name10" axis="followSib" ptType="node" func="cnt" op="gte" val="1">
-            <dgm:layoutNode name="bentUpArrow1" styleLbl="alignImgPlace1">
-              <dgm:alg type="sp"/>
-              <dgm:choose name="Name11">
-                <dgm:if name="Name12" func="var" arg="dir" op="equ" val="norm">
-                  <dgm:shape xmlns:r="http://schemas.openxmlformats.org/officeDocument/2006/relationships" rot="90" type="bentUpArrow" r:blip="">
-                    <dgm:adjLst>
-                      <dgm:adj idx="1" val="0.3284"/>
-                      <dgm:adj idx="2" val="0.25"/>
-                      <dgm:adj idx="3" val="0.3578"/>
-                    </dgm:adjLst>
-                  </dgm:shape>
-                </dgm:if>
-                <dgm:else name="Name13">
-                  <dgm:shape xmlns:r="http://schemas.openxmlformats.org/officeDocument/2006/relationships" rot="180" type="bentArrow" r:blip="">
-                    <dgm:adjLst>
-                      <dgm:adj idx="1" val="0.3284"/>
-                      <dgm:adj idx="2" val="0.25"/>
-                      <dgm:adj idx="3" val="0.3578"/>
-                      <dgm:adj idx="4" val="0"/>
-                    </dgm:adjLst>
-                  </dgm:shape>
-                </dgm:else>
-              </dgm:choose>
-              <dgm:presOf/>
-            </dgm:layoutNode>
-          </dgm:if>
-          <dgm:else name="Name14"/>
-        </dgm:choose>
-        <dgm:layoutNode name="ParentText" styleLbl="node1">
-          <dgm:varLst>
-            <dgm:chMax val="1"/>
-            <dgm:chPref val="1"/>
-            <dgm:bulletEnabled val="1"/>
-          </dgm:varLst>
-          <dgm:alg type="tx"/>
-          <dgm:shape xmlns:r="http://schemas.openxmlformats.org/officeDocument/2006/relationships" type="roundRect" r:blip="">
-            <dgm:adjLst>
-              <dgm:adj idx="1" val="0.1667"/>
-            </dgm:adjLst>
-          </dgm:shape>
-          <dgm:presOf axis="self" ptType="node"/>
-          <dgm:constrLst>
-            <dgm:constr type="lMarg" refType="primFontSz" fact="0.3"/>
-            <dgm:constr type="rMarg" refType="primFontSz" fact="0.3"/>
-            <dgm:constr type="tMarg" refType="primFontSz" fact="0.3"/>
-            <dgm:constr type="bMarg" refType="primFontSz" fact="0.3"/>
-          </dgm:constrLst>
-          <dgm:ruleLst>
-            <dgm:rule type="primFontSz" val="5" fact="NaN" max="NaN"/>
-          </dgm:ruleLst>
-        </dgm:layoutNode>
-        <dgm:choose name="Name15">
-          <dgm:if name="Name16" axis="followSib" ptType="node" func="cnt" op="equ" val="0">
-            <dgm:choose name="Name17">
-              <dgm:if name="Name18" axis="ch" ptType="node" func="cnt" op="gte" val="1">
-                <dgm:layoutNode name="FinalChildText" styleLbl="revTx">
-                  <dgm:varLst>
-                    <dgm:chMax val="0"/>
-                    <dgm:chPref val="0"/>
-                    <dgm:bulletEnabled val="1"/>
-                  </dgm:varLst>
-                  <dgm:alg type="tx">
-                    <dgm:param type="stBulletLvl" val="1"/>
-                    <dgm:param type="txAnchorVertCh" val="mid"/>
-                    <dgm:param type="parTxLTRAlign" val="l"/>
-                  </dgm:alg>
-                  <dgm:shape xmlns:r="http://schemas.openxmlformats.org/officeDocument/2006/relationships" type="rect" r:blip="">
-                    <dgm:adjLst/>
-                  </dgm:shape>
-                  <dgm:presOf axis="des" ptType="node"/>
-                  <dgm:constrLst>
-                    <dgm:constr type="lMarg" refType="primFontSz" fact="0.3"/>
-                    <dgm:constr type="rMarg" refType="primFontSz" fact="0.3"/>
-                    <dgm:constr type="tMarg" refType="primFontSz" fact="0.3"/>
-                    <dgm:constr type="bMarg" refType="primFontSz" fact="0.3"/>
-                  </dgm:constrLst>
-                  <dgm:ruleLst>
-                    <dgm:rule type="primFontSz" val="5" fact="NaN" max="NaN"/>
-                  </dgm:ruleLst>
-                </dgm:layoutNode>
-              </dgm:if>
-              <dgm:else name="Name19"/>
-            </dgm:choose>
-          </dgm:if>
-          <dgm:else name="Name20">
-            <dgm:layoutNode name="ChildText" styleLbl="revTx">
-              <dgm:varLst>
-                <dgm:chMax val="0"/>
-                <dgm:chPref val="0"/>
-                <dgm:bulletEnabled val="1"/>
-              </dgm:varLst>
-              <dgm:alg type="tx">
-                <dgm:param type="stBulletLvl" val="1"/>
-                <dgm:param type="txAnchorVertCh" val="mid"/>
-                <dgm:param type="parTxLTRAlign" val="l"/>
-              </dgm:alg>
-              <dgm:shape xmlns:r="http://schemas.openxmlformats.org/officeDocument/2006/relationships" type="rect" r:blip="">
-                <dgm:adjLst/>
-              </dgm:shape>
-              <dgm:presOf axis="des" ptType="node"/>
-              <dgm:constrLst>
-                <dgm:constr type="lMarg" refType="primFontSz" fact="0.3"/>
-                <dgm:constr type="rMarg" refType="primFontSz" fact="0.3"/>
-                <dgm:constr type="tMarg" refType="primFontSz" fact="0.3"/>
-                <dgm:constr type="bMarg" refType="primFontSz" fact="0.3"/>
-              </dgm:constrLst>
-              <dgm:ruleLst>
-                <dgm:rule type="primFontSz" val="5" fact="NaN" max="NaN"/>
-              </dgm:ruleLst>
-            </dgm:layoutNode>
-          </dgm:else>
-        </dgm:choose>
+        <dgm:ruleLst>
+          <dgm:rule type="primFontSz" val="18" fact="NaN" max="NaN"/>
+          <dgm:rule type="h" val="NaN" fact="1.5" max="NaN"/>
+          <dgm:rule type="primFontSz" val="5" fact="NaN" max="NaN"/>
+          <dgm:rule type="h" val="INF" fact="NaN" max="NaN"/>
+        </dgm:ruleLst>
       </dgm:layoutNode>
       <dgm:forEach name="sibTransForEach" axis="followSib" ptType="sibTrans" cnt="1">
         <dgm:layoutNode name="sibTrans">
-          <dgm:alg type="sp"/>
-          <dgm:shape xmlns:r="http://schemas.openxmlformats.org/officeDocument/2006/relationships" r:blip="">
+          <dgm:alg type="conn">
+            <dgm:param type="begPts" val="auto"/>
+            <dgm:param type="endPts" val="auto"/>
+          </dgm:alg>
+          <dgm:shape xmlns:r="http://schemas.openxmlformats.org/officeDocument/2006/relationships" type="conn" r:blip="">
             <dgm:adjLst/>
           </dgm:shape>
+          <dgm:presOf axis="self"/>
+          <dgm:constrLst>
+            <dgm:constr type="h" refType="w" fact="0.62"/>
+            <dgm:constr type="connDist"/>
+            <dgm:constr type="begPad" refType="connDist" fact="0.25"/>
+            <dgm:constr type="endPad" refType="connDist" fact="0.22"/>
+          </dgm:constrLst>
+          <dgm:ruleLst/>
+          <dgm:layoutNode name="connectorText">
+            <dgm:alg type="tx">
+              <dgm:param type="autoTxRot" val="grav"/>
+            </dgm:alg>
+            <dgm:shape xmlns:r="http://schemas.openxmlformats.org/officeDocument/2006/relationships" type="conn" r:blip="" hideGeom="1">
+              <dgm:adjLst/>
+            </dgm:shape>
+            <dgm:presOf axis="self"/>
+            <dgm:constrLst>
+              <dgm:constr type="lMarg"/>
+              <dgm:constr type="rMarg"/>
+              <dgm:constr type="tMarg"/>
+              <dgm:constr type="bMarg"/>
+            </dgm:constrLst>
+            <dgm:ruleLst>
+              <dgm:rule type="primFontSz" val="5" fact="NaN" max="NaN"/>
+            </dgm:ruleLst>
+          </dgm:layoutNode>
         </dgm:layoutNode>
       </dgm:forEach>
     </dgm:forEach>
@@ -14588,7 +14077,17 @@
           <a:bodyPr/>
           <a:lstStyle/>
           <a:p>
-            <a:endParaRPr lang="LID4096"/>
+            <a:r>
+              <a:rPr lang="en-US" dirty="0"/>
+              <a:t>Matan Tzur</a:t>
+            </a:r>
+          </a:p>
+          <a:p>
+            <a:r>
+              <a:rPr lang="en-US" dirty="0"/>
+              <a:t>Avital Hozeh Itshar</a:t>
+            </a:r>
+            <a:endParaRPr lang="LID4096" dirty="0"/>
           </a:p>
         </p:txBody>
       </p:sp>
@@ -14606,189 +14105,6 @@
 </file>
 
 <file path=ppt/slides/slide10.xml><?xml version="1.0" encoding="utf-8"?>
-<p:sld xmlns:a="http://schemas.openxmlformats.org/drawingml/2006/main" xmlns:r="http://schemas.openxmlformats.org/officeDocument/2006/relationships" xmlns:p="http://schemas.openxmlformats.org/presentationml/2006/main">
-  <p:cSld>
-    <p:spTree>
-      <p:nvGrpSpPr>
-        <p:cNvPr id="1" name=""/>
-        <p:cNvGrpSpPr/>
-        <p:nvPr/>
-      </p:nvGrpSpPr>
-      <p:grpSpPr>
-        <a:xfrm>
-          <a:off x="0" y="0"/>
-          <a:ext cx="0" cy="0"/>
-          <a:chOff x="0" y="0"/>
-          <a:chExt cx="0" cy="0"/>
-        </a:xfrm>
-      </p:grpSpPr>
-      <p:sp>
-        <p:nvSpPr>
-          <p:cNvPr id="2" name="Title 1">
-            <a:extLst>
-              <a:ext uri="{FF2B5EF4-FFF2-40B4-BE49-F238E27FC236}">
-                <a16:creationId xmlns:a16="http://schemas.microsoft.com/office/drawing/2014/main" id="{0D817EB1-60C8-220C-C4FA-63AA71B98038}"/>
-              </a:ext>
-            </a:extLst>
-          </p:cNvPr>
-          <p:cNvSpPr>
-            <a:spLocks noGrp="1"/>
-          </p:cNvSpPr>
-          <p:nvPr>
-            <p:ph type="title"/>
-          </p:nvPr>
-        </p:nvSpPr>
-        <p:spPr/>
-        <p:txBody>
-          <a:bodyPr/>
-          <a:lstStyle/>
-          <a:p>
-            <a:r>
-              <a:rPr lang="en-US" dirty="0"/>
-              <a:t>Tech Stack</a:t>
-            </a:r>
-            <a:endParaRPr lang="LID4096" dirty="0"/>
-          </a:p>
-        </p:txBody>
-      </p:sp>
-      <p:sp>
-        <p:nvSpPr>
-          <p:cNvPr id="3" name="Content Placeholder 2">
-            <a:extLst>
-              <a:ext uri="{FF2B5EF4-FFF2-40B4-BE49-F238E27FC236}">
-                <a16:creationId xmlns:a16="http://schemas.microsoft.com/office/drawing/2014/main" id="{9B445F98-5C84-5DD1-8A68-CB25F8E6A70E}"/>
-              </a:ext>
-            </a:extLst>
-          </p:cNvPr>
-          <p:cNvSpPr>
-            <a:spLocks noGrp="1"/>
-          </p:cNvSpPr>
-          <p:nvPr>
-            <p:ph idx="1"/>
-          </p:nvPr>
-        </p:nvSpPr>
-        <p:spPr>
-          <a:xfrm>
-            <a:off x="680321" y="2336872"/>
-            <a:ext cx="9613861" cy="4096011"/>
-          </a:xfrm>
-        </p:spPr>
-        <p:txBody>
-          <a:bodyPr>
-            <a:normAutofit/>
-          </a:bodyPr>
-          <a:lstStyle/>
-          <a:p>
-            <a:r>
-              <a:rPr lang="en-US" b="1" dirty="0"/>
-              <a:t>Adzuna API</a:t>
-            </a:r>
-            <a:r>
-              <a:rPr lang="en-US" dirty="0"/>
-              <a:t> – Source of live job ads</a:t>
-            </a:r>
-          </a:p>
-          <a:p>
-            <a:r>
-              <a:rPr lang="en-US" b="1" dirty="0"/>
-              <a:t>Python</a:t>
-            </a:r>
-            <a:r>
-              <a:rPr lang="en-US" dirty="0"/>
-              <a:t> – Data extraction &amp; processing scripts</a:t>
-            </a:r>
-          </a:p>
-          <a:p>
-            <a:r>
-              <a:rPr lang="en-US" b="1" dirty="0"/>
-              <a:t>Amazon S3</a:t>
-            </a:r>
-            <a:r>
-              <a:rPr lang="en-US" dirty="0"/>
-              <a:t> – Storage for raw &amp; processed data</a:t>
-            </a:r>
-          </a:p>
-          <a:p>
-            <a:r>
-              <a:rPr lang="en-US" b="1" dirty="0" err="1"/>
-              <a:t>Nominatim</a:t>
-            </a:r>
-            <a:r>
-              <a:rPr lang="en-US" b="1" dirty="0"/>
-              <a:t> API</a:t>
-            </a:r>
-            <a:r>
-              <a:rPr lang="en-US" dirty="0"/>
-              <a:t> – Enrich missing location details</a:t>
-            </a:r>
-          </a:p>
-          <a:p>
-            <a:r>
-              <a:rPr lang="en-US" b="1" dirty="0" err="1"/>
-              <a:t>PySpark</a:t>
-            </a:r>
-            <a:r>
-              <a:rPr lang="en-US" dirty="0"/>
-              <a:t> – Large-scale data transformation</a:t>
-            </a:r>
-          </a:p>
-          <a:p>
-            <a:r>
-              <a:rPr lang="en-US" b="1" dirty="0"/>
-              <a:t>Amazon Glue</a:t>
-            </a:r>
-            <a:r>
-              <a:rPr lang="en-US" dirty="0"/>
-              <a:t> – Schema definition &amp; ETL support</a:t>
-            </a:r>
-          </a:p>
-          <a:p>
-            <a:r>
-              <a:rPr lang="en-US" b="1" dirty="0"/>
-              <a:t>Airflow</a:t>
-            </a:r>
-            <a:r>
-              <a:rPr lang="en-US" dirty="0"/>
-              <a:t> – Workflow orchestration &amp; scheduling</a:t>
-            </a:r>
-          </a:p>
-          <a:p>
-            <a:r>
-              <a:rPr lang="en-US" b="1" dirty="0"/>
-              <a:t>Amazon Redshift</a:t>
-            </a:r>
-            <a:r>
-              <a:rPr lang="en-US" dirty="0"/>
-              <a:t> – Data warehouse for analytics</a:t>
-            </a:r>
-          </a:p>
-          <a:p>
-            <a:r>
-              <a:rPr lang="en-US" b="1" dirty="0"/>
-              <a:t>Metabase</a:t>
-            </a:r>
-            <a:r>
-              <a:rPr lang="en-US" dirty="0"/>
-              <a:t> – Dashboard &amp; campaign insights</a:t>
-            </a:r>
-            <a:endParaRPr lang="LID4096" dirty="0"/>
-          </a:p>
-        </p:txBody>
-      </p:sp>
-    </p:spTree>
-    <p:extLst>
-      <p:ext uri="{BB962C8B-B14F-4D97-AF65-F5344CB8AC3E}">
-        <p14:creationId xmlns:p14="http://schemas.microsoft.com/office/powerpoint/2010/main" val="1123976496"/>
-      </p:ext>
-    </p:extLst>
-  </p:cSld>
-  <p:clrMapOvr>
-    <a:masterClrMapping/>
-  </p:clrMapOvr>
-</p:sld>
-</file>
-
-<file path=ppt/slides/slide11.xml><?xml version="1.0" encoding="utf-8"?>
 <p:sld xmlns:a="http://schemas.openxmlformats.org/drawingml/2006/main" xmlns:r="http://schemas.openxmlformats.org/officeDocument/2006/relationships" xmlns:p="http://schemas.openxmlformats.org/presentationml/2006/main">
   <p:cSld>
     <p:spTree>
@@ -14888,7 +14204,7 @@
 </p:sld>
 </file>
 
-<file path=ppt/slides/slide12.xml><?xml version="1.0" encoding="utf-8"?>
+<file path=ppt/slides/slide11.xml><?xml version="1.0" encoding="utf-8"?>
 <p:sld xmlns:a="http://schemas.openxmlformats.org/drawingml/2006/main" xmlns:r="http://schemas.openxmlformats.org/officeDocument/2006/relationships" xmlns:p="http://schemas.openxmlformats.org/presentationml/2006/main">
   <p:cSld>
     <p:spTree>
@@ -14950,13 +14266,13 @@
             <p:ph idx="1"/>
             <p:extLst>
               <p:ext uri="{D42A27DB-BD31-4B8C-83A1-F6EECF244321}">
-                <p14:modId xmlns:p14="http://schemas.microsoft.com/office/powerpoint/2010/main" val="2401761556"/>
+                <p14:modId xmlns:p14="http://schemas.microsoft.com/office/powerpoint/2010/main" val="520657936"/>
               </p:ext>
             </p:extLst>
           </p:nvPr>
         </p:nvGraphicFramePr>
         <p:xfrm>
-          <a:off x="112295" y="2053389"/>
+          <a:off x="59029" y="2053389"/>
           <a:ext cx="12079705" cy="4668253"/>
         </p:xfrm>
         <a:graphic>
@@ -14978,7 +14294,7 @@
 </p:sld>
 </file>
 
-<file path=ppt/slides/slide13.xml><?xml version="1.0" encoding="utf-8"?>
+<file path=ppt/slides/slide12.xml><?xml version="1.0" encoding="utf-8"?>
 <p:sld xmlns:a="http://schemas.openxmlformats.org/drawingml/2006/main" xmlns:r="http://schemas.openxmlformats.org/officeDocument/2006/relationships" xmlns:p="http://schemas.openxmlformats.org/presentationml/2006/main">
   <p:cSld>
     <p:spTree>
@@ -15108,7 +14424,7 @@
 </p:sld>
 </file>
 
-<file path=ppt/slides/slide14.xml><?xml version="1.0" encoding="utf-8"?>
+<file path=ppt/slides/slide13.xml><?xml version="1.0" encoding="utf-8"?>
 <p:sld xmlns:a="http://schemas.openxmlformats.org/drawingml/2006/main" xmlns:r="http://schemas.openxmlformats.org/officeDocument/2006/relationships" xmlns:p="http://schemas.openxmlformats.org/presentationml/2006/main">
   <p:cSld>
     <p:spTree>
@@ -15238,7 +14554,7 @@
 </p:sld>
 </file>
 
-<file path=ppt/slides/slide15.xml><?xml version="1.0" encoding="utf-8"?>
+<file path=ppt/slides/slide14.xml><?xml version="1.0" encoding="utf-8"?>
 <p:sld xmlns:a="http://schemas.openxmlformats.org/drawingml/2006/main" xmlns:r="http://schemas.openxmlformats.org/officeDocument/2006/relationships" xmlns:p="http://schemas.openxmlformats.org/presentationml/2006/main">
   <p:cSld>
     <p:spTree>
@@ -15368,7 +14684,7 @@
 </p:sld>
 </file>
 
-<file path=ppt/slides/slide16.xml><?xml version="1.0" encoding="utf-8"?>
+<file path=ppt/slides/slide15.xml><?xml version="1.0" encoding="utf-8"?>
 <p:sld xmlns:a="http://schemas.openxmlformats.org/drawingml/2006/main" xmlns:r="http://schemas.openxmlformats.org/officeDocument/2006/relationships" xmlns:p="http://schemas.openxmlformats.org/presentationml/2006/main">
   <p:cSld>
     <p:spTree>
@@ -15462,7 +14778,7 @@
 </p:sld>
 </file>
 
-<file path=ppt/slides/slide17.xml><?xml version="1.0" encoding="utf-8"?>
+<file path=ppt/slides/slide16.xml><?xml version="1.0" encoding="utf-8"?>
 <p:sld xmlns:a="http://schemas.openxmlformats.org/drawingml/2006/main" xmlns:r="http://schemas.openxmlformats.org/officeDocument/2006/relationships" xmlns:p="http://schemas.openxmlformats.org/presentationml/2006/main">
   <p:cSld>
     <p:spTree>
@@ -15547,6 +14863,100 @@
     <p:extLst>
       <p:ext uri="{BB962C8B-B14F-4D97-AF65-F5344CB8AC3E}">
         <p14:creationId xmlns:p14="http://schemas.microsoft.com/office/powerpoint/2010/main" val="3237825461"/>
+      </p:ext>
+    </p:extLst>
+  </p:cSld>
+  <p:clrMapOvr>
+    <a:masterClrMapping/>
+  </p:clrMapOvr>
+</p:sld>
+</file>
+
+<file path=ppt/slides/slide17.xml><?xml version="1.0" encoding="utf-8"?>
+<p:sld xmlns:a="http://schemas.openxmlformats.org/drawingml/2006/main" xmlns:r="http://schemas.openxmlformats.org/officeDocument/2006/relationships" xmlns:p="http://schemas.openxmlformats.org/presentationml/2006/main">
+  <p:cSld>
+    <p:spTree>
+      <p:nvGrpSpPr>
+        <p:cNvPr id="1" name=""/>
+        <p:cNvGrpSpPr/>
+        <p:nvPr/>
+      </p:nvGrpSpPr>
+      <p:grpSpPr>
+        <a:xfrm>
+          <a:off x="0" y="0"/>
+          <a:ext cx="0" cy="0"/>
+          <a:chOff x="0" y="0"/>
+          <a:chExt cx="0" cy="0"/>
+        </a:xfrm>
+      </p:grpSpPr>
+      <p:sp>
+        <p:nvSpPr>
+          <p:cNvPr id="2" name="כותרת 1">
+            <a:extLst>
+              <a:ext uri="{FF2B5EF4-FFF2-40B4-BE49-F238E27FC236}">
+                <a16:creationId xmlns:a16="http://schemas.microsoft.com/office/drawing/2014/main" id="{238199A5-38CD-E188-0678-5146D9C495F0}"/>
+              </a:ext>
+            </a:extLst>
+          </p:cNvPr>
+          <p:cNvSpPr>
+            <a:spLocks noGrp="1"/>
+          </p:cNvSpPr>
+          <p:nvPr>
+            <p:ph type="title"/>
+          </p:nvPr>
+        </p:nvSpPr>
+        <p:spPr/>
+        <p:txBody>
+          <a:bodyPr/>
+          <a:lstStyle/>
+          <a:p>
+            <a:r>
+              <a:rPr lang="en-US" dirty="0"/>
+              <a:t>S3 Buckets</a:t>
+            </a:r>
+            <a:endParaRPr lang="he-IL" dirty="0"/>
+          </a:p>
+        </p:txBody>
+      </p:sp>
+      <p:pic>
+        <p:nvPicPr>
+          <p:cNvPr id="5" name="מציין מיקום תוכן 4">
+            <a:extLst>
+              <a:ext uri="{FF2B5EF4-FFF2-40B4-BE49-F238E27FC236}">
+                <a16:creationId xmlns:a16="http://schemas.microsoft.com/office/drawing/2014/main" id="{CF891455-E417-0E52-4E7D-12ABED743854}"/>
+              </a:ext>
+            </a:extLst>
+          </p:cNvPr>
+          <p:cNvPicPr>
+            <a:picLocks noGrp="1" noChangeAspect="1"/>
+          </p:cNvPicPr>
+          <p:nvPr>
+            <p:ph idx="1"/>
+          </p:nvPr>
+        </p:nvPicPr>
+        <p:blipFill>
+          <a:blip r:embed="rId2">
+            <a:extLst>
+              <a:ext uri="{28A0092B-C50C-407E-A947-70E740481C1C}">
+                <a14:useLocalDpi xmlns:a14="http://schemas.microsoft.com/office/drawing/2010/main" val="0"/>
+              </a:ext>
+            </a:extLst>
+          </a:blip>
+          <a:stretch>
+            <a:fillRect/>
+          </a:stretch>
+        </p:blipFill>
+        <p:spPr>
+          <a:xfrm>
+            <a:off x="665829" y="1964941"/>
+            <a:ext cx="10256625" cy="4759715"/>
+          </a:xfrm>
+        </p:spPr>
+      </p:pic>
+    </p:spTree>
+    <p:extLst>
+      <p:ext uri="{BB962C8B-B14F-4D97-AF65-F5344CB8AC3E}">
+        <p14:creationId xmlns:p14="http://schemas.microsoft.com/office/powerpoint/2010/main" val="1601060444"/>
       </p:ext>
     </p:extLst>
   </p:cSld>
@@ -15877,31 +15287,6 @@
           <a:chExt cx="0" cy="0"/>
         </a:xfrm>
       </p:grpSpPr>
-      <p:sp>
-        <p:nvSpPr>
-          <p:cNvPr id="2" name="Title 1">
-            <a:extLst>
-              <a:ext uri="{FF2B5EF4-FFF2-40B4-BE49-F238E27FC236}">
-                <a16:creationId xmlns:a16="http://schemas.microsoft.com/office/drawing/2014/main" id="{72BB9D77-76E0-9610-AF3C-DDBA00B3039A}"/>
-              </a:ext>
-            </a:extLst>
-          </p:cNvPr>
-          <p:cNvSpPr>
-            <a:spLocks noGrp="1"/>
-          </p:cNvSpPr>
-          <p:nvPr>
-            <p:ph type="title"/>
-          </p:nvPr>
-        </p:nvSpPr>
-        <p:spPr/>
-        <p:txBody>
-          <a:bodyPr/>
-          <a:lstStyle/>
-          <a:p>
-            <a:endParaRPr lang="LID4096"/>
-          </a:p>
-        </p:txBody>
-      </p:sp>
       <p:pic>
         <p:nvPicPr>
           <p:cNvPr id="5" name="Content Placeholder 4">
@@ -15915,7 +15300,7 @@
             <a:picLocks noGrp="1" noChangeAspect="1"/>
           </p:cNvPicPr>
           <p:nvPr>
-            <p:ph idx="1"/>
+            <p:ph idx="4294967295"/>
           </p:nvPr>
         </p:nvPicPr>
         <p:blipFill>
@@ -15932,8 +15317,8 @@
         </p:blipFill>
         <p:spPr>
           <a:xfrm>
-            <a:off x="1631171" y="84476"/>
-            <a:ext cx="7712160" cy="6689047"/>
+            <a:off x="1961965" y="84137"/>
+            <a:ext cx="7712075" cy="6689725"/>
           </a:xfrm>
         </p:spPr>
       </p:pic>
@@ -16276,7 +15661,7 @@
             </p:spPr>
             <p:txBody>
               <a:bodyPr>
-                <a:normAutofit/>
+                <a:normAutofit fontScale="92500" lnSpcReduction="10000"/>
               </a:bodyPr>
               <a:lstStyle/>
               <a:p>
@@ -16701,7 +16086,7 @@
               <a:blipFill>
                 <a:blip r:embed="rId2"/>
                 <a:stretch>
-                  <a:fillRect l="-789" t="-4518"/>
+                  <a:fillRect l="-676" t="-4669"/>
                 </a:stretch>
               </a:blipFill>
             </p:spPr>
@@ -16710,7 +16095,7 @@
               <a:lstStyle/>
               <a:p>
                 <a:r>
-                  <a:rPr lang="LID4096">
+                  <a:rPr lang="he-IL">
                     <a:noFill/>
                   </a:rPr>
                   <a:t> </a:t>
@@ -16785,8 +16170,8 @@
           </a:p>
         </p:txBody>
       </p:sp>
-      <mc:AlternateContent xmlns:mc="http://schemas.openxmlformats.org/markup-compatibility/2006">
-        <mc:Choice xmlns:a14="http://schemas.microsoft.com/office/drawing/2010/main" Requires="a14">
+      <mc:AlternateContent xmlns:mc="http://schemas.openxmlformats.org/markup-compatibility/2006" xmlns:a14="http://schemas.microsoft.com/office/drawing/2010/main">
+        <mc:Choice Requires="a14">
           <p:sp>
             <p:nvSpPr>
               <p:cNvPr id="3" name="Content Placeholder 2">
@@ -16835,13 +16220,13 @@
                       <a:rPr lang="en-US" i="1" smtClean="0">
                         <a:latin typeface="Cambria Math" panose="02040503050406030204" pitchFamily="18" charset="0"/>
                       </a:rPr>
-                      <m:t>=1</m:t>
+                      <m:t>=</m:t>
                     </m:r>
                     <m:r>
-                      <a:rPr lang="en-US" b="0" i="1" smtClean="0">
+                      <a:rPr lang="en-US" i="1" smtClean="0">
                         <a:latin typeface="Cambria Math" panose="02040503050406030204" pitchFamily="18" charset="0"/>
                       </a:rPr>
-                      <m:t>00</m:t>
+                      <m:t>100</m:t>
                     </m:r>
                   </m:oMath>
                 </a14:m>
@@ -16932,7 +16317,13 @@
                       <a:rPr lang="en-US" b="0" i="1" smtClean="0">
                         <a:latin typeface="Cambria Math" panose="02040503050406030204" pitchFamily="18" charset="0"/>
                       </a:rPr>
-                      <m:t>=1</m:t>
+                      <m:t>=</m:t>
+                    </m:r>
+                    <m:r>
+                      <a:rPr lang="en-US" b="0" i="1" smtClean="0">
+                        <a:latin typeface="Cambria Math" panose="02040503050406030204" pitchFamily="18" charset="0"/>
+                      </a:rPr>
+                      <m:t>1</m:t>
                     </m:r>
                   </m:oMath>
                 </a14:m>
@@ -17022,7 +16413,25 @@
                       <a:rPr lang="en-US" b="0" i="1" smtClean="0">
                         <a:latin typeface="Cambria Math" panose="02040503050406030204" pitchFamily="18" charset="0"/>
                       </a:rPr>
-                      <m:t>=33.33</m:t>
+                      <m:t>=</m:t>
+                    </m:r>
+                    <m:r>
+                      <a:rPr lang="en-US" b="0" i="1" smtClean="0">
+                        <a:latin typeface="Cambria Math" panose="02040503050406030204" pitchFamily="18" charset="0"/>
+                      </a:rPr>
+                      <m:t>33</m:t>
+                    </m:r>
+                    <m:r>
+                      <a:rPr lang="en-US" b="0" i="1" smtClean="0">
+                        <a:latin typeface="Cambria Math" panose="02040503050406030204" pitchFamily="18" charset="0"/>
+                      </a:rPr>
+                      <m:t>.</m:t>
+                    </m:r>
+                    <m:r>
+                      <a:rPr lang="en-US" b="0" i="1" smtClean="0">
+                        <a:latin typeface="Cambria Math" panose="02040503050406030204" pitchFamily="18" charset="0"/>
+                      </a:rPr>
+                      <m:t>33</m:t>
                     </m:r>
                   </m:oMath>
                 </a14:m>
@@ -17107,7 +16516,43 @@
                       <a:rPr lang="en-US" b="0" i="1" smtClean="0">
                         <a:latin typeface="Cambria Math" panose="02040503050406030204" pitchFamily="18" charset="0"/>
                       </a:rPr>
-                      <m:t>=0.03=3%</m:t>
+                      <m:t>=</m:t>
+                    </m:r>
+                    <m:r>
+                      <a:rPr lang="en-US" b="0" i="1" smtClean="0">
+                        <a:latin typeface="Cambria Math" panose="02040503050406030204" pitchFamily="18" charset="0"/>
+                      </a:rPr>
+                      <m:t>0</m:t>
+                    </m:r>
+                    <m:r>
+                      <a:rPr lang="en-US" b="0" i="1" smtClean="0">
+                        <a:latin typeface="Cambria Math" panose="02040503050406030204" pitchFamily="18" charset="0"/>
+                      </a:rPr>
+                      <m:t>.</m:t>
+                    </m:r>
+                    <m:r>
+                      <a:rPr lang="en-US" b="0" i="1" smtClean="0">
+                        <a:latin typeface="Cambria Math" panose="02040503050406030204" pitchFamily="18" charset="0"/>
+                      </a:rPr>
+                      <m:t>03</m:t>
+                    </m:r>
+                    <m:r>
+                      <a:rPr lang="en-US" b="0" i="1" smtClean="0">
+                        <a:latin typeface="Cambria Math" panose="02040503050406030204" pitchFamily="18" charset="0"/>
+                      </a:rPr>
+                      <m:t>=</m:t>
+                    </m:r>
+                    <m:r>
+                      <a:rPr lang="en-US" b="0" i="1" smtClean="0">
+                        <a:latin typeface="Cambria Math" panose="02040503050406030204" pitchFamily="18" charset="0"/>
+                      </a:rPr>
+                      <m:t>3</m:t>
+                    </m:r>
+                    <m:r>
+                      <a:rPr lang="en-US" b="0" i="1" smtClean="0">
+                        <a:latin typeface="Cambria Math" panose="02040503050406030204" pitchFamily="18" charset="0"/>
+                      </a:rPr>
+                      <m:t>%</m:t>
                     </m:r>
                   </m:oMath>
                 </a14:m>
@@ -17225,7 +16670,19 @@
                       <a:rPr lang="en-US" b="0" i="1" smtClean="0">
                         <a:latin typeface="Cambria Math" panose="02040503050406030204" pitchFamily="18" charset="0"/>
                       </a:rPr>
-                      <m:t>𝐴𝑐h𝑖𝑒𝑣𝑒𝑚𝑒𝑛𝑡</m:t>
+                      <m:t>𝐴𝑐</m:t>
+                    </m:r>
+                    <m:r>
+                      <a:rPr lang="en-US" b="0" i="1" smtClean="0">
+                        <a:latin typeface="Cambria Math" panose="02040503050406030204" pitchFamily="18" charset="0"/>
+                      </a:rPr>
+                      <m:t>h</m:t>
+                    </m:r>
+                    <m:r>
+                      <a:rPr lang="en-US" b="0" i="1" smtClean="0">
+                        <a:latin typeface="Cambria Math" panose="02040503050406030204" pitchFamily="18" charset="0"/>
+                      </a:rPr>
+                      <m:t>𝑖𝑒𝑣𝑒𝑚𝑒𝑛𝑡</m:t>
                     </m:r>
                     <m:r>
                       <a:rPr lang="en-US" b="0" i="1" smtClean="0">
@@ -17289,7 +16746,19 @@
                           <a:rPr lang="en-US" b="0" i="1" smtClean="0">
                             <a:latin typeface="Cambria Math" panose="02040503050406030204" pitchFamily="18" charset="0"/>
                           </a:rPr>
-                          <m:t>33.33</m:t>
+                          <m:t>33</m:t>
+                        </m:r>
+                        <m:r>
+                          <a:rPr lang="en-US" b="0" i="1" smtClean="0">
+                            <a:latin typeface="Cambria Math" panose="02040503050406030204" pitchFamily="18" charset="0"/>
+                          </a:rPr>
+                          <m:t>.</m:t>
+                        </m:r>
+                        <m:r>
+                          <a:rPr lang="en-US" b="0" i="1" smtClean="0">
+                            <a:latin typeface="Cambria Math" panose="02040503050406030204" pitchFamily="18" charset="0"/>
+                          </a:rPr>
+                          <m:t>33</m:t>
                         </m:r>
                       </m:num>
                       <m:den>
@@ -17305,7 +16774,19 @@
                       <a:rPr lang="en-US" b="0" i="1" smtClean="0">
                         <a:latin typeface="Cambria Math" panose="02040503050406030204" pitchFamily="18" charset="0"/>
                       </a:rPr>
-                      <m:t>=133%</m:t>
+                      <m:t>=</m:t>
+                    </m:r>
+                    <m:r>
+                      <a:rPr lang="en-US" b="0" i="1" smtClean="0">
+                        <a:latin typeface="Cambria Math" panose="02040503050406030204" pitchFamily="18" charset="0"/>
+                      </a:rPr>
+                      <m:t>133</m:t>
+                    </m:r>
+                    <m:r>
+                      <a:rPr lang="en-US" b="0" i="1" smtClean="0">
+                        <a:latin typeface="Cambria Math" panose="02040503050406030204" pitchFamily="18" charset="0"/>
+                      </a:rPr>
+                      <m:t>%</m:t>
                     </m:r>
                   </m:oMath>
                 </a14:m>
@@ -17314,7 +16795,7 @@
             </p:txBody>
           </p:sp>
         </mc:Choice>
-        <mc:Fallback>
+        <mc:Fallback xmlns="">
           <p:sp>
             <p:nvSpPr>
               <p:cNvPr id="3" name="Content Placeholder 2">
@@ -17535,7 +17016,7 @@
           <p:cNvPr id="2" name="Title 1">
             <a:extLst>
               <a:ext uri="{FF2B5EF4-FFF2-40B4-BE49-F238E27FC236}">
-                <a16:creationId xmlns:a16="http://schemas.microsoft.com/office/drawing/2014/main" id="{F31C4A32-AE9C-A28C-5721-60F02C6B71EE}"/>
+                <a16:creationId xmlns:a16="http://schemas.microsoft.com/office/drawing/2014/main" id="{63C20392-22E1-396A-0E52-AE76E884FED4}"/>
               </a:ext>
             </a:extLst>
           </p:cNvPr>
@@ -17551,7 +17032,11 @@
           <a:bodyPr/>
           <a:lstStyle/>
           <a:p>
-            <a:endParaRPr lang="LID4096"/>
+            <a:r>
+              <a:rPr lang="en-US" dirty="0"/>
+              <a:t>Adzuna API</a:t>
+            </a:r>
+            <a:endParaRPr lang="LID4096" dirty="0"/>
           </a:p>
         </p:txBody>
       </p:sp>
@@ -17560,7 +17045,7 @@
           <p:cNvPr id="3" name="Content Placeholder 2">
             <a:extLst>
               <a:ext uri="{FF2B5EF4-FFF2-40B4-BE49-F238E27FC236}">
-                <a16:creationId xmlns:a16="http://schemas.microsoft.com/office/drawing/2014/main" id="{0B4C228E-CEF9-CAE6-F449-9FA5E64CF462}"/>
+                <a16:creationId xmlns:a16="http://schemas.microsoft.com/office/drawing/2014/main" id="{9D3C33DF-F8F4-53CD-B511-B3788692F40A}"/>
               </a:ext>
             </a:extLst>
           </p:cNvPr>
@@ -17576,6 +17061,40 @@
           <a:bodyPr/>
           <a:lstStyle/>
           <a:p>
+            <a:r>
+              <a:rPr lang="en-GB" dirty="0"/>
+              <a:t>Extracts live job postings from Adzuna board</a:t>
+            </a:r>
+          </a:p>
+          <a:p>
+            <a:r>
+              <a:rPr lang="en-GB" dirty="0"/>
+              <a:t>Captures job title, salary ranges, description, etc.</a:t>
+            </a:r>
+          </a:p>
+          <a:p>
+            <a:r>
+              <a:rPr lang="en-GB" dirty="0"/>
+              <a:t>Provides contract type &amp; time (full-time/part-time)Collects company &amp; category details</a:t>
+            </a:r>
+          </a:p>
+          <a:p>
+            <a:r>
+              <a:rPr lang="en-GB" dirty="0"/>
+              <a:t>Extracts detailed location (country, state, city, etc.)</a:t>
+            </a:r>
+          </a:p>
+          <a:p>
+            <a:r>
+              <a:rPr lang="en-GB" dirty="0"/>
+              <a:t>Stores geospatial data (latitude/longitude)</a:t>
+            </a:r>
+          </a:p>
+          <a:p>
+            <a:r>
+              <a:rPr lang="en-GB" dirty="0"/>
+              <a:t>Enables us to build structured campaign datasets</a:t>
+            </a:r>
             <a:endParaRPr lang="LID4096" dirty="0"/>
           </a:p>
         </p:txBody>
@@ -17583,7 +17102,7 @@
     </p:spTree>
     <p:extLst>
       <p:ext uri="{BB962C8B-B14F-4D97-AF65-F5344CB8AC3E}">
-        <p14:creationId xmlns:p14="http://schemas.microsoft.com/office/powerpoint/2010/main" val="2798886802"/>
+        <p14:creationId xmlns:p14="http://schemas.microsoft.com/office/powerpoint/2010/main" val="3618590667"/>
       </p:ext>
     </p:extLst>
   </p:cSld>
@@ -17615,7 +17134,7 @@
           <p:cNvPr id="2" name="Title 1">
             <a:extLst>
               <a:ext uri="{FF2B5EF4-FFF2-40B4-BE49-F238E27FC236}">
-                <a16:creationId xmlns:a16="http://schemas.microsoft.com/office/drawing/2014/main" id="{63C20392-22E1-396A-0E52-AE76E884FED4}"/>
+                <a16:creationId xmlns:a16="http://schemas.microsoft.com/office/drawing/2014/main" id="{0D817EB1-60C8-220C-C4FA-63AA71B98038}"/>
               </a:ext>
             </a:extLst>
           </p:cNvPr>
@@ -17633,7 +17152,7 @@
           <a:p>
             <a:r>
               <a:rPr lang="en-US" dirty="0"/>
-              <a:t>Adzuna API</a:t>
+              <a:t>Tech Stack</a:t>
             </a:r>
             <a:endParaRPr lang="LID4096" dirty="0"/>
           </a:p>
@@ -17644,7 +17163,7 @@
           <p:cNvPr id="3" name="Content Placeholder 2">
             <a:extLst>
               <a:ext uri="{FF2B5EF4-FFF2-40B4-BE49-F238E27FC236}">
-                <a16:creationId xmlns:a16="http://schemas.microsoft.com/office/drawing/2014/main" id="{9D3C33DF-F8F4-53CD-B511-B3788692F40A}"/>
+                <a16:creationId xmlns:a16="http://schemas.microsoft.com/office/drawing/2014/main" id="{9B445F98-5C84-5DD1-8A68-CB25F8E6A70E}"/>
               </a:ext>
             </a:extLst>
           </p:cNvPr>
@@ -17655,44 +17174,109 @@
             <p:ph idx="1"/>
           </p:nvPr>
         </p:nvSpPr>
-        <p:spPr/>
+        <p:spPr>
+          <a:xfrm>
+            <a:off x="680321" y="2336872"/>
+            <a:ext cx="9613861" cy="4096011"/>
+          </a:xfrm>
+        </p:spPr>
         <p:txBody>
-          <a:bodyPr/>
+          <a:bodyPr>
+            <a:normAutofit/>
+          </a:bodyPr>
           <a:lstStyle/>
           <a:p>
             <a:r>
-              <a:rPr lang="en-GB" dirty="0"/>
-              <a:t>Extracts live job postings from Adzuna board</a:t>
-            </a:r>
-          </a:p>
-          <a:p>
-            <a:r>
-              <a:rPr lang="en-GB" dirty="0"/>
-              <a:t>Captures job title, salary ranges, description, etc.</a:t>
-            </a:r>
-          </a:p>
-          <a:p>
-            <a:r>
-              <a:rPr lang="en-GB" dirty="0"/>
-              <a:t>Provides contract type &amp; time (full-time/part-time)Collects company &amp; category details</a:t>
-            </a:r>
-          </a:p>
-          <a:p>
-            <a:r>
-              <a:rPr lang="en-GB" dirty="0"/>
-              <a:t>Extracts detailed location (country, state, city, etc.)</a:t>
-            </a:r>
-          </a:p>
-          <a:p>
-            <a:r>
-              <a:rPr lang="en-GB" dirty="0"/>
-              <a:t>Stores geospatial data (latitude/longitude)</a:t>
-            </a:r>
-          </a:p>
-          <a:p>
-            <a:r>
-              <a:rPr lang="en-GB" dirty="0"/>
-              <a:t>Enables us to build structured campaign datasets</a:t>
+              <a:rPr lang="en-US" b="1" dirty="0"/>
+              <a:t>Adzuna API</a:t>
+            </a:r>
+            <a:r>
+              <a:rPr lang="en-US" dirty="0"/>
+              <a:t> – Source of live job ads</a:t>
+            </a:r>
+          </a:p>
+          <a:p>
+            <a:r>
+              <a:rPr lang="en-US" b="1" dirty="0"/>
+              <a:t>Python</a:t>
+            </a:r>
+            <a:r>
+              <a:rPr lang="en-US" dirty="0"/>
+              <a:t> – Data extraction &amp; processing scripts</a:t>
+            </a:r>
+          </a:p>
+          <a:p>
+            <a:r>
+              <a:rPr lang="en-US" b="1" dirty="0"/>
+              <a:t>Amazon S3</a:t>
+            </a:r>
+            <a:r>
+              <a:rPr lang="en-US" dirty="0"/>
+              <a:t> – Storage for raw &amp; processed data</a:t>
+            </a:r>
+          </a:p>
+          <a:p>
+            <a:r>
+              <a:rPr lang="en-US" b="1" dirty="0" err="1"/>
+              <a:t>Nominatim</a:t>
+            </a:r>
+            <a:r>
+              <a:rPr lang="en-US" b="1" dirty="0"/>
+              <a:t> API</a:t>
+            </a:r>
+            <a:r>
+              <a:rPr lang="en-US" dirty="0"/>
+              <a:t> – Enrich missing location details</a:t>
+            </a:r>
+          </a:p>
+          <a:p>
+            <a:r>
+              <a:rPr lang="en-US" b="1" dirty="0" err="1"/>
+              <a:t>PySpark</a:t>
+            </a:r>
+            <a:r>
+              <a:rPr lang="en-US" dirty="0"/>
+              <a:t> – Large-scale data transformation</a:t>
+            </a:r>
+          </a:p>
+          <a:p>
+            <a:r>
+              <a:rPr lang="en-US" b="1" dirty="0"/>
+              <a:t>Amazon Glue</a:t>
+            </a:r>
+            <a:r>
+              <a:rPr lang="en-US" dirty="0"/>
+              <a:t> – Schema definition &amp; ETL support</a:t>
+            </a:r>
+          </a:p>
+          <a:p>
+            <a:r>
+              <a:rPr lang="en-US" b="1" dirty="0"/>
+              <a:t>Airflow</a:t>
+            </a:r>
+            <a:r>
+              <a:rPr lang="en-US" dirty="0"/>
+              <a:t> – Workflow orchestration &amp; scheduling</a:t>
+            </a:r>
+          </a:p>
+          <a:p>
+            <a:r>
+              <a:rPr lang="en-US" b="1" dirty="0"/>
+              <a:t>Amazon Redshift</a:t>
+            </a:r>
+            <a:r>
+              <a:rPr lang="en-US" dirty="0"/>
+              <a:t> – Data warehouse for analytics</a:t>
+            </a:r>
+          </a:p>
+          <a:p>
+            <a:r>
+              <a:rPr lang="en-US" b="1" dirty="0"/>
+              <a:t>Metabase</a:t>
+            </a:r>
+            <a:r>
+              <a:rPr lang="en-US" dirty="0"/>
+              <a:t> – Dashboard &amp; campaign insights</a:t>
             </a:r>
             <a:endParaRPr lang="LID4096" dirty="0"/>
           </a:p>
@@ -17701,7 +17285,7 @@
     </p:spTree>
     <p:extLst>
       <p:ext uri="{BB962C8B-B14F-4D97-AF65-F5344CB8AC3E}">
-        <p14:creationId xmlns:p14="http://schemas.microsoft.com/office/powerpoint/2010/main" val="3618590667"/>
+        <p14:creationId xmlns:p14="http://schemas.microsoft.com/office/powerpoint/2010/main" val="1123976496"/>
       </p:ext>
     </p:extLst>
   </p:cSld>
